--- a/e1/doc/2020_csg1-cdc-E1-rev-1.pptx
+++ b/e1/doc/2020_csg1-cdc-E1-rev-1.pptx
@@ -12,8 +12,9 @@
     <p:sldId id="261" r:id="rId6"/>
     <p:sldId id="262" r:id="rId7"/>
     <p:sldId id="263" r:id="rId8"/>
-    <p:sldId id="264" r:id="rId9"/>
-    <p:sldId id="265" r:id="rId10"/>
+    <p:sldId id="266" r:id="rId9"/>
+    <p:sldId id="264" r:id="rId10"/>
+    <p:sldId id="265" r:id="rId11"/>
   </p:sldIdLst>
   <p:sldSz cx="12192000" cy="6858000"/>
   <p:notesSz cx="6858000" cy="9144000"/>
@@ -112,6 +113,11 @@
       </a:defRPr>
     </a:lvl9pPr>
   </p:defaultTextStyle>
+  <p:extLst>
+    <p:ext uri="{EFAFB233-063F-42B5-8137-9DF3F51BA10A}">
+      <p15:sldGuideLst xmlns:p15="http://schemas.microsoft.com/office/powerpoint/2012/main"/>
+    </p:ext>
+  </p:extLst>
 </p:presentation>
 </file>
 
@@ -274,7 +280,7 @@
           <a:p>
             <a:fld id="{265737A6-0C94-4BE9-B714-1239DEB59EEE}" type="datetimeFigureOut">
               <a:rPr lang="fr-FR" smtClean="0"/>
-              <a:t>26/03/2020</a:t>
+              <a:t>28/03/2020</a:t>
             </a:fld>
             <a:endParaRPr lang="fr-FR"/>
           </a:p>
@@ -472,7 +478,7 @@
           <a:p>
             <a:fld id="{265737A6-0C94-4BE9-B714-1239DEB59EEE}" type="datetimeFigureOut">
               <a:rPr lang="fr-FR" smtClean="0"/>
-              <a:t>26/03/2020</a:t>
+              <a:t>28/03/2020</a:t>
             </a:fld>
             <a:endParaRPr lang="fr-FR"/>
           </a:p>
@@ -680,7 +686,7 @@
           <a:p>
             <a:fld id="{265737A6-0C94-4BE9-B714-1239DEB59EEE}" type="datetimeFigureOut">
               <a:rPr lang="fr-FR" smtClean="0"/>
-              <a:t>26/03/2020</a:t>
+              <a:t>28/03/2020</a:t>
             </a:fld>
             <a:endParaRPr lang="fr-FR"/>
           </a:p>
@@ -878,7 +884,7 @@
           <a:p>
             <a:fld id="{265737A6-0C94-4BE9-B714-1239DEB59EEE}" type="datetimeFigureOut">
               <a:rPr lang="fr-FR" smtClean="0"/>
-              <a:t>26/03/2020</a:t>
+              <a:t>28/03/2020</a:t>
             </a:fld>
             <a:endParaRPr lang="fr-FR"/>
           </a:p>
@@ -1153,7 +1159,7 @@
           <a:p>
             <a:fld id="{265737A6-0C94-4BE9-B714-1239DEB59EEE}" type="datetimeFigureOut">
               <a:rPr lang="fr-FR" smtClean="0"/>
-              <a:t>26/03/2020</a:t>
+              <a:t>28/03/2020</a:t>
             </a:fld>
             <a:endParaRPr lang="fr-FR"/>
           </a:p>
@@ -1418,7 +1424,7 @@
           <a:p>
             <a:fld id="{265737A6-0C94-4BE9-B714-1239DEB59EEE}" type="datetimeFigureOut">
               <a:rPr lang="fr-FR" smtClean="0"/>
-              <a:t>26/03/2020</a:t>
+              <a:t>28/03/2020</a:t>
             </a:fld>
             <a:endParaRPr lang="fr-FR"/>
           </a:p>
@@ -1830,7 +1836,7 @@
           <a:p>
             <a:fld id="{265737A6-0C94-4BE9-B714-1239DEB59EEE}" type="datetimeFigureOut">
               <a:rPr lang="fr-FR" smtClean="0"/>
-              <a:t>26/03/2020</a:t>
+              <a:t>28/03/2020</a:t>
             </a:fld>
             <a:endParaRPr lang="fr-FR"/>
           </a:p>
@@ -1971,7 +1977,7 @@
           <a:p>
             <a:fld id="{265737A6-0C94-4BE9-B714-1239DEB59EEE}" type="datetimeFigureOut">
               <a:rPr lang="fr-FR" smtClean="0"/>
-              <a:t>26/03/2020</a:t>
+              <a:t>28/03/2020</a:t>
             </a:fld>
             <a:endParaRPr lang="fr-FR"/>
           </a:p>
@@ -2084,7 +2090,7 @@
           <a:p>
             <a:fld id="{265737A6-0C94-4BE9-B714-1239DEB59EEE}" type="datetimeFigureOut">
               <a:rPr lang="fr-FR" smtClean="0"/>
-              <a:t>26/03/2020</a:t>
+              <a:t>28/03/2020</a:t>
             </a:fld>
             <a:endParaRPr lang="fr-FR"/>
           </a:p>
@@ -2395,7 +2401,7 @@
           <a:p>
             <a:fld id="{265737A6-0C94-4BE9-B714-1239DEB59EEE}" type="datetimeFigureOut">
               <a:rPr lang="fr-FR" smtClean="0"/>
-              <a:t>26/03/2020</a:t>
+              <a:t>28/03/2020</a:t>
             </a:fld>
             <a:endParaRPr lang="fr-FR"/>
           </a:p>
@@ -2683,7 +2689,7 @@
           <a:p>
             <a:fld id="{265737A6-0C94-4BE9-B714-1239DEB59EEE}" type="datetimeFigureOut">
               <a:rPr lang="fr-FR" smtClean="0"/>
-              <a:t>26/03/2020</a:t>
+              <a:t>28/03/2020</a:t>
             </a:fld>
             <a:endParaRPr lang="fr-FR"/>
           </a:p>
@@ -2924,7 +2930,7 @@
           <a:p>
             <a:fld id="{265737A6-0C94-4BE9-B714-1239DEB59EEE}" type="datetimeFigureOut">
               <a:rPr lang="fr-FR" smtClean="0"/>
-              <a:t>26/03/2020</a:t>
+              <a:t>28/03/2020</a:t>
             </a:fld>
             <a:endParaRPr lang="fr-FR"/>
           </a:p>
@@ -3393,6 +3399,80 @@
 </p:sld>
 </file>
 
+<file path=ppt/slides/slide10.xml><?xml version="1.0" encoding="utf-8"?>
+<p:sld xmlns:a="http://schemas.openxmlformats.org/drawingml/2006/main" xmlns:r="http://schemas.openxmlformats.org/officeDocument/2006/relationships" xmlns:p="http://schemas.openxmlformats.org/presentationml/2006/main">
+  <p:cSld>
+    <p:spTree>
+      <p:nvGrpSpPr>
+        <p:cNvPr id="1" name=""/>
+        <p:cNvGrpSpPr/>
+        <p:nvPr/>
+      </p:nvGrpSpPr>
+      <p:grpSpPr>
+        <a:xfrm>
+          <a:off x="0" y="0"/>
+          <a:ext cx="0" cy="0"/>
+          <a:chOff x="0" y="0"/>
+          <a:chExt cx="0" cy="0"/>
+        </a:xfrm>
+      </p:grpSpPr>
+      <p:sp>
+        <p:nvSpPr>
+          <p:cNvPr id="2" name="Titre 1">
+            <a:extLst>
+              <a:ext uri="{FF2B5EF4-FFF2-40B4-BE49-F238E27FC236}">
+                <a16:creationId xmlns:a16="http://schemas.microsoft.com/office/drawing/2014/main" id="{D4BBC450-03EA-4FCD-9DBB-D55D126F80EF}"/>
+              </a:ext>
+            </a:extLst>
+          </p:cNvPr>
+          <p:cNvSpPr>
+            <a:spLocks noGrp="1"/>
+          </p:cNvSpPr>
+          <p:nvPr>
+            <p:ph type="title"/>
+          </p:nvPr>
+        </p:nvSpPr>
+        <p:spPr>
+          <a:xfrm>
+            <a:off x="838200" y="365125"/>
+            <a:ext cx="10515600" cy="6393484"/>
+          </a:xfrm>
+        </p:spPr>
+        <p:txBody>
+          <a:bodyPr/>
+          <a:lstStyle/>
+          <a:p>
+            <a:pPr algn="ctr"/>
+            <a:r>
+              <a:rPr lang="fr-FR" sz="5400" dirty="0">
+                <a:latin typeface="Times New Roman" panose="02020603050405020304" pitchFamily="18" charset="0"/>
+                <a:cs typeface="Times New Roman" panose="02020603050405020304" pitchFamily="18" charset="0"/>
+              </a:rPr>
+              <a:t>VIII-Conclusion</a:t>
+            </a:r>
+            <a:br>
+              <a:rPr lang="fr-FR" dirty="0">
+                <a:latin typeface="Times New Roman" panose="02020603050405020304" pitchFamily="18" charset="0"/>
+                <a:cs typeface="Times New Roman" panose="02020603050405020304" pitchFamily="18" charset="0"/>
+              </a:rPr>
+            </a:br>
+            <a:endParaRPr lang="fr-FR" dirty="0"/>
+          </a:p>
+        </p:txBody>
+      </p:sp>
+    </p:spTree>
+    <p:extLst>
+      <p:ext uri="{BB962C8B-B14F-4D97-AF65-F5344CB8AC3E}">
+        <p14:creationId xmlns:p14="http://schemas.microsoft.com/office/powerpoint/2010/main" val="3255362159"/>
+      </p:ext>
+    </p:extLst>
+  </p:cSld>
+  <p:clrMapOvr>
+    <a:masterClrMapping/>
+  </p:clrMapOvr>
+</p:sld>
+</file>
+
 <file path=ppt/slides/slide2.xml><?xml version="1.0" encoding="utf-8"?>
 <p:sld xmlns:a="http://schemas.openxmlformats.org/drawingml/2006/main" xmlns:r="http://schemas.openxmlformats.org/officeDocument/2006/relationships" xmlns:p="http://schemas.openxmlformats.org/presentationml/2006/main">
   <p:cSld>
@@ -3468,7 +3548,7 @@
         </p:spPr>
         <p:txBody>
           <a:bodyPr>
-            <a:normAutofit lnSpcReduction="10000"/>
+            <a:normAutofit fontScale="92500" lnSpcReduction="20000"/>
           </a:bodyPr>
           <a:lstStyle/>
           <a:p>
@@ -3540,7 +3620,7 @@
                 <a:latin typeface="Times New Roman" panose="02020603050405020304" pitchFamily="18" charset="0"/>
                 <a:cs typeface="Times New Roman" panose="02020603050405020304" pitchFamily="18" charset="0"/>
               </a:rPr>
-              <a:t>VI-Déploiement</a:t>
+              <a:t>VI-Organisation </a:t>
             </a:r>
           </a:p>
           <a:p>
@@ -3552,7 +3632,19 @@
                 <a:latin typeface="Times New Roman" panose="02020603050405020304" pitchFamily="18" charset="0"/>
                 <a:cs typeface="Times New Roman" panose="02020603050405020304" pitchFamily="18" charset="0"/>
               </a:rPr>
-              <a:t>VII-Conclusion</a:t>
+              <a:t>VII-Déploiement</a:t>
+            </a:r>
+          </a:p>
+          <a:p>
+            <a:pPr marL="0" indent="0" algn="ctr">
+              <a:buNone/>
+            </a:pPr>
+            <a:r>
+              <a:rPr lang="fr-FR" sz="3200" dirty="0">
+                <a:latin typeface="Times New Roman" panose="02020603050405020304" pitchFamily="18" charset="0"/>
+                <a:cs typeface="Times New Roman" panose="02020603050405020304" pitchFamily="18" charset="0"/>
+              </a:rPr>
+              <a:t>VIII-Conclusion</a:t>
             </a:r>
           </a:p>
         </p:txBody>
@@ -4364,7 +4456,7 @@
           <p:cNvPr id="2" name="Titre 1">
             <a:extLst>
               <a:ext uri="{FF2B5EF4-FFF2-40B4-BE49-F238E27FC236}">
-                <a16:creationId xmlns:a16="http://schemas.microsoft.com/office/drawing/2014/main" id="{E7274B59-43DA-40C3-B85C-870B0E42EDD0}"/>
+                <a16:creationId xmlns:a16="http://schemas.microsoft.com/office/drawing/2014/main" id="{8F6ADE5D-7923-40B3-A971-93992673BAE9}"/>
               </a:ext>
             </a:extLst>
           </p:cNvPr>
@@ -4386,7 +4478,7 @@
                 <a:latin typeface="Times New Roman" panose="02020603050405020304" pitchFamily="18" charset="0"/>
                 <a:cs typeface="Times New Roman" panose="02020603050405020304" pitchFamily="18" charset="0"/>
               </a:rPr>
-              <a:t>VI-Déploiement</a:t>
+              <a:t>VI-Organisation </a:t>
             </a:r>
             <a:br>
               <a:rPr lang="fr-FR" dirty="0">
@@ -4398,42 +4490,610 @@
           </a:p>
         </p:txBody>
       </p:sp>
-      <p:pic>
-        <p:nvPicPr>
-          <p:cNvPr id="4" name="Espace réservé du contenu 3">
-            <a:extLst>
-              <a:ext uri="{FF2B5EF4-FFF2-40B4-BE49-F238E27FC236}">
-                <a16:creationId xmlns:a16="http://schemas.microsoft.com/office/drawing/2014/main" id="{CAFF12AD-2AA4-4302-96AD-E1595ED50D32}"/>
-              </a:ext>
-            </a:extLst>
-          </p:cNvPr>
-          <p:cNvPicPr>
-            <a:picLocks noGrp="1" noChangeAspect="1"/>
-          </p:cNvPicPr>
+      <p:graphicFrame>
+        <p:nvGraphicFramePr>
+          <p:cNvPr id="8" name="Tableau 8">
+            <a:extLst>
+              <a:ext uri="{FF2B5EF4-FFF2-40B4-BE49-F238E27FC236}">
+                <a16:creationId xmlns:a16="http://schemas.microsoft.com/office/drawing/2014/main" id="{76E295B3-0B39-41E9-9934-F1A88639DDB2}"/>
+              </a:ext>
+            </a:extLst>
+          </p:cNvPr>
+          <p:cNvGraphicFramePr>
+            <a:graphicFrameLocks noGrp="1"/>
+          </p:cNvGraphicFramePr>
           <p:nvPr>
             <p:ph idx="1"/>
-          </p:nvPr>
-        </p:nvPicPr>
-        <p:blipFill>
-          <a:blip r:embed="rId2"/>
-          <a:stretch>
-            <a:fillRect/>
-          </a:stretch>
-        </p:blipFill>
-        <p:spPr>
-          <a:xfrm>
-            <a:off x="1420159" y="1797965"/>
-            <a:ext cx="9351681" cy="4059496"/>
-          </a:xfrm>
-          <a:prstGeom prst="rect">
-            <a:avLst/>
-          </a:prstGeom>
-        </p:spPr>
-      </p:pic>
+            <p:extLst>
+              <p:ext uri="{D42A27DB-BD31-4B8C-83A1-F6EECF244321}">
+                <p14:modId xmlns:p14="http://schemas.microsoft.com/office/powerpoint/2010/main" val="1969039910"/>
+              </p:ext>
+            </p:extLst>
+          </p:nvPr>
+        </p:nvGraphicFramePr>
+        <p:xfrm>
+          <a:off x="838200" y="1825624"/>
+          <a:ext cx="10515600" cy="3713522"/>
+        </p:xfrm>
+        <a:graphic>
+          <a:graphicData uri="http://schemas.openxmlformats.org/drawingml/2006/table">
+            <a:tbl>
+              <a:tblPr firstRow="1" bandRow="1">
+                <a:tableStyleId>{5C22544A-7EE6-4342-B048-85BDC9FD1C3A}</a:tableStyleId>
+              </a:tblPr>
+              <a:tblGrid>
+                <a:gridCol w="1752600">
+                  <a:extLst>
+                    <a:ext uri="{9D8B030D-6E8A-4147-A177-3AD203B41FA5}">
+                      <a16:colId xmlns:a16="http://schemas.microsoft.com/office/drawing/2014/main" val="2987394049"/>
+                    </a:ext>
+                  </a:extLst>
+                </a:gridCol>
+                <a:gridCol w="1752600">
+                  <a:extLst>
+                    <a:ext uri="{9D8B030D-6E8A-4147-A177-3AD203B41FA5}">
+                      <a16:colId xmlns:a16="http://schemas.microsoft.com/office/drawing/2014/main" val="579665690"/>
+                    </a:ext>
+                  </a:extLst>
+                </a:gridCol>
+                <a:gridCol w="1752600">
+                  <a:extLst>
+                    <a:ext uri="{9D8B030D-6E8A-4147-A177-3AD203B41FA5}">
+                      <a16:colId xmlns:a16="http://schemas.microsoft.com/office/drawing/2014/main" val="1519672420"/>
+                    </a:ext>
+                  </a:extLst>
+                </a:gridCol>
+                <a:gridCol w="1752600">
+                  <a:extLst>
+                    <a:ext uri="{9D8B030D-6E8A-4147-A177-3AD203B41FA5}">
+                      <a16:colId xmlns:a16="http://schemas.microsoft.com/office/drawing/2014/main" val="3880626162"/>
+                    </a:ext>
+                  </a:extLst>
+                </a:gridCol>
+                <a:gridCol w="1752600">
+                  <a:extLst>
+                    <a:ext uri="{9D8B030D-6E8A-4147-A177-3AD203B41FA5}">
+                      <a16:colId xmlns:a16="http://schemas.microsoft.com/office/drawing/2014/main" val="502459969"/>
+                    </a:ext>
+                  </a:extLst>
+                </a:gridCol>
+                <a:gridCol w="1752600">
+                  <a:extLst>
+                    <a:ext uri="{9D8B030D-6E8A-4147-A177-3AD203B41FA5}">
+                      <a16:colId xmlns:a16="http://schemas.microsoft.com/office/drawing/2014/main" val="640750437"/>
+                    </a:ext>
+                  </a:extLst>
+                </a:gridCol>
+              </a:tblGrid>
+              <a:tr h="604562">
+                <a:tc>
+                  <a:txBody>
+                    <a:bodyPr/>
+                    <a:lstStyle/>
+                    <a:p>
+                      <a:pPr algn="ctr"/>
+                      <a:r>
+                        <a:rPr lang="fr-FR" sz="2400" dirty="0"/>
+                        <a:t>10/02/2020</a:t>
+                      </a:r>
+                    </a:p>
+                  </a:txBody>
+                  <a:tcPr/>
+                </a:tc>
+                <a:tc>
+                  <a:txBody>
+                    <a:bodyPr/>
+                    <a:lstStyle/>
+                    <a:p>
+                      <a:pPr algn="ctr"/>
+                      <a:r>
+                        <a:rPr lang="fr-FR" sz="2400" dirty="0"/>
+                        <a:t>11/02/2020</a:t>
+                      </a:r>
+                    </a:p>
+                  </a:txBody>
+                  <a:tcPr/>
+                </a:tc>
+                <a:tc>
+                  <a:txBody>
+                    <a:bodyPr/>
+                    <a:lstStyle/>
+                    <a:p>
+                      <a:pPr algn="ctr"/>
+                      <a:r>
+                        <a:rPr lang="fr-FR" sz="2400" dirty="0"/>
+                        <a:t>17/02/2020</a:t>
+                      </a:r>
+                    </a:p>
+                  </a:txBody>
+                  <a:tcPr/>
+                </a:tc>
+                <a:tc>
+                  <a:txBody>
+                    <a:bodyPr/>
+                    <a:lstStyle/>
+                    <a:p>
+                      <a:pPr algn="ctr"/>
+                      <a:r>
+                        <a:rPr lang="fr-FR" sz="2400" dirty="0"/>
+                        <a:t>2/03/2020</a:t>
+                      </a:r>
+                    </a:p>
+                  </a:txBody>
+                  <a:tcPr/>
+                </a:tc>
+                <a:tc>
+                  <a:txBody>
+                    <a:bodyPr/>
+                    <a:lstStyle/>
+                    <a:p>
+                      <a:pPr algn="ctr"/>
+                      <a:r>
+                        <a:rPr lang="fr-FR" sz="2400" dirty="0"/>
+                        <a:t>23/03/2020</a:t>
+                      </a:r>
+                    </a:p>
+                  </a:txBody>
+                  <a:tcPr/>
+                </a:tc>
+                <a:tc>
+                  <a:txBody>
+                    <a:bodyPr/>
+                    <a:lstStyle/>
+                    <a:p>
+                      <a:pPr algn="ctr"/>
+                      <a:r>
+                        <a:rPr lang="fr-FR" sz="2400" dirty="0"/>
+                        <a:t>30/03/2020</a:t>
+                      </a:r>
+                    </a:p>
+                  </a:txBody>
+                  <a:tcPr/>
+                </a:tc>
+                <a:extLst>
+                  <a:ext uri="{0D108BD9-81ED-4DB2-BD59-A6C34878D82A}">
+                    <a16:rowId xmlns:a16="http://schemas.microsoft.com/office/drawing/2014/main" val="788073859"/>
+                  </a:ext>
+                </a:extLst>
+              </a:tr>
+              <a:tr h="604562">
+                <a:tc>
+                  <a:txBody>
+                    <a:bodyPr/>
+                    <a:lstStyle/>
+                    <a:p>
+                      <a:r>
+                        <a:rPr lang="fr-FR" sz="1800" b="0" i="0" u="none" strike="noStrike" kern="1200" baseline="0" dirty="0">
+                          <a:solidFill>
+                            <a:schemeClr val="dk1"/>
+                          </a:solidFill>
+                          <a:latin typeface="Times New Roman" panose="02020603050405020304" pitchFamily="18" charset="0"/>
+                          <a:ea typeface="+mn-ea"/>
+                          <a:cs typeface="Times New Roman" panose="02020603050405020304" pitchFamily="18" charset="0"/>
+                        </a:rPr>
+                        <a:t>-Réception du document d'expression du besoin et première lecture</a:t>
+                      </a:r>
+                    </a:p>
+                    <a:p>
+                      <a:r>
+                        <a:rPr lang="fr-FR" sz="1800" b="0" i="0" u="none" strike="noStrike" kern="1200" baseline="0" dirty="0">
+                          <a:solidFill>
+                            <a:schemeClr val="dk1"/>
+                          </a:solidFill>
+                          <a:latin typeface="Times New Roman" panose="02020603050405020304" pitchFamily="18" charset="0"/>
+                          <a:ea typeface="+mn-ea"/>
+                          <a:cs typeface="Times New Roman" panose="02020603050405020304" pitchFamily="18" charset="0"/>
+                        </a:rPr>
+                        <a:t>Et découverte du groupe de travail</a:t>
+                      </a:r>
+                    </a:p>
+                    <a:p>
+                      <a:r>
+                        <a:rPr lang="fr-FR" sz="1800" b="0" i="0" u="none" strike="noStrike" kern="1200" baseline="0" dirty="0">
+                          <a:solidFill>
+                            <a:schemeClr val="dk1"/>
+                          </a:solidFill>
+                          <a:latin typeface="Times New Roman" panose="02020603050405020304" pitchFamily="18" charset="0"/>
+                          <a:ea typeface="+mn-ea"/>
+                          <a:cs typeface="Times New Roman" panose="02020603050405020304" pitchFamily="18" charset="0"/>
+                        </a:rPr>
+                        <a:t>-Rechercher du fonctionnement du protocole Ir</a:t>
+                      </a:r>
+                      <a:endParaRPr lang="fr-FR" sz="1800" b="0" i="0" u="none" strike="noStrike" kern="1200" baseline="0" dirty="0">
+                        <a:solidFill>
+                          <a:schemeClr val="dk1"/>
+                        </a:solidFill>
+                        <a:latin typeface="+mn-lt"/>
+                        <a:ea typeface="+mn-ea"/>
+                        <a:cs typeface="+mn-cs"/>
+                      </a:endParaRPr>
+                    </a:p>
+                    <a:p>
+                      <a:endParaRPr lang="fr-FR" dirty="0"/>
+                    </a:p>
+                  </a:txBody>
+                  <a:tcPr/>
+                </a:tc>
+                <a:tc>
+                  <a:txBody>
+                    <a:bodyPr/>
+                    <a:lstStyle/>
+                    <a:p>
+                      <a:r>
+                        <a:rPr lang="fr-FR" sz="1800" b="0" i="0" u="none" strike="noStrike" kern="1200" baseline="0" dirty="0">
+                          <a:solidFill>
+                            <a:schemeClr val="dk1"/>
+                          </a:solidFill>
+                          <a:latin typeface="Times New Roman" panose="02020603050405020304" pitchFamily="18" charset="0"/>
+                          <a:ea typeface="+mn-ea"/>
+                          <a:cs typeface="Times New Roman" panose="02020603050405020304" pitchFamily="18" charset="0"/>
+                        </a:rPr>
+                        <a:t>répartition des taches entre étudiant.</a:t>
+                      </a:r>
+                    </a:p>
+                    <a:p>
+                      <a:r>
+                        <a:rPr lang="fr-FR" sz="1800" b="0" i="0" u="none" strike="noStrike" kern="1200" baseline="0" dirty="0">
+                          <a:solidFill>
+                            <a:schemeClr val="dk1"/>
+                          </a:solidFill>
+                          <a:latin typeface="Times New Roman" panose="02020603050405020304" pitchFamily="18" charset="0"/>
+                          <a:ea typeface="+mn-ea"/>
+                          <a:cs typeface="Times New Roman" panose="02020603050405020304" pitchFamily="18" charset="0"/>
+                        </a:rPr>
+                        <a:t>Je suis l’étudiant 1.</a:t>
+                      </a:r>
+                      <a:r>
+                        <a:rPr lang="fr-FR" sz="1800" b="0" i="0" u="none" strike="noStrike" kern="1200" baseline="0" dirty="0">
+                          <a:solidFill>
+                            <a:schemeClr val="dk1"/>
+                          </a:solidFill>
+                          <a:latin typeface="+mn-lt"/>
+                          <a:ea typeface="+mn-ea"/>
+                          <a:cs typeface="+mn-cs"/>
+                        </a:rPr>
+                        <a:t> </a:t>
+                      </a:r>
+                      <a:r>
+                        <a:rPr lang="fr-FR" sz="1800" b="0" i="0" u="none" strike="noStrike" kern="1200" baseline="0" dirty="0">
+                          <a:solidFill>
+                            <a:schemeClr val="dk1"/>
+                          </a:solidFill>
+                          <a:latin typeface="Times New Roman" panose="02020603050405020304" pitchFamily="18" charset="0"/>
+                          <a:ea typeface="+mn-ea"/>
+                          <a:cs typeface="Times New Roman" panose="02020603050405020304" pitchFamily="18" charset="0"/>
+                        </a:rPr>
+                        <a:t>Installation de l'ide </a:t>
+                      </a:r>
+                      <a:r>
+                        <a:rPr lang="fr-FR" sz="1800" b="0" i="0" u="none" strike="noStrike" kern="1200" baseline="0" dirty="0" err="1">
+                          <a:solidFill>
+                            <a:schemeClr val="dk1"/>
+                          </a:solidFill>
+                          <a:latin typeface="Times New Roman" panose="02020603050405020304" pitchFamily="18" charset="0"/>
+                          <a:ea typeface="+mn-ea"/>
+                          <a:cs typeface="Times New Roman" panose="02020603050405020304" pitchFamily="18" charset="0"/>
+                        </a:rPr>
+                        <a:t>Arduino,Eclipse,turtle</a:t>
+                      </a:r>
+                      <a:r>
+                        <a:rPr lang="fr-FR" sz="1800" b="0" i="0" u="none" strike="noStrike" kern="1200" baseline="0" dirty="0">
+                          <a:solidFill>
+                            <a:schemeClr val="dk1"/>
+                          </a:solidFill>
+                          <a:latin typeface="Times New Roman" panose="02020603050405020304" pitchFamily="18" charset="0"/>
+                          <a:ea typeface="+mn-ea"/>
+                          <a:cs typeface="Times New Roman" panose="02020603050405020304" pitchFamily="18" charset="0"/>
+                        </a:rPr>
+                        <a:t> git, Doxygen,putty.</a:t>
+                      </a:r>
+                    </a:p>
+                    <a:p>
+                      <a:endParaRPr lang="fr-FR" dirty="0"/>
+                    </a:p>
+                  </a:txBody>
+                  <a:tcPr/>
+                </a:tc>
+                <a:tc>
+                  <a:txBody>
+                    <a:bodyPr/>
+                    <a:lstStyle/>
+                    <a:p>
+                      <a:pPr marL="0" marR="0" lvl="0" indent="0" algn="l" defTabSz="914400" rtl="0" eaLnBrk="1" fontAlgn="auto" latinLnBrk="0" hangingPunct="1">
+                        <a:lnSpc>
+                          <a:spcPct val="100000"/>
+                        </a:lnSpc>
+                        <a:spcBef>
+                          <a:spcPts val="0"/>
+                        </a:spcBef>
+                        <a:spcAft>
+                          <a:spcPts val="0"/>
+                        </a:spcAft>
+                        <a:buClrTx/>
+                        <a:buSzTx/>
+                        <a:buFontTx/>
+                        <a:buNone/>
+                        <a:tabLst/>
+                        <a:defRPr/>
+                      </a:pPr>
+                      <a:r>
+                        <a:rPr lang="fr-FR" sz="1800" b="0" i="0" u="none" strike="noStrike" kern="1200" baseline="0" dirty="0">
+                          <a:solidFill>
+                            <a:schemeClr val="dk1"/>
+                          </a:solidFill>
+                          <a:latin typeface="Times New Roman" panose="02020603050405020304" pitchFamily="18" charset="0"/>
+                          <a:ea typeface="+mn-ea"/>
+                          <a:cs typeface="Times New Roman" panose="02020603050405020304" pitchFamily="18" charset="0"/>
+                        </a:rPr>
+                        <a:t>Création de la clef </a:t>
+                      </a:r>
+                      <a:r>
+                        <a:rPr lang="fr-FR" sz="1800" b="0" i="0" u="none" strike="noStrike" kern="1200" baseline="0" dirty="0" err="1">
+                          <a:solidFill>
+                            <a:schemeClr val="dk1"/>
+                          </a:solidFill>
+                          <a:latin typeface="Times New Roman" panose="02020603050405020304" pitchFamily="18" charset="0"/>
+                          <a:ea typeface="+mn-ea"/>
+                          <a:cs typeface="Times New Roman" panose="02020603050405020304" pitchFamily="18" charset="0"/>
+                        </a:rPr>
+                        <a:t>ssh</a:t>
+                      </a:r>
+                      <a:r>
+                        <a:rPr lang="fr-FR" sz="1800" b="0" i="0" u="none" strike="noStrike" kern="1200" baseline="0" dirty="0">
+                          <a:solidFill>
+                            <a:schemeClr val="dk1"/>
+                          </a:solidFill>
+                          <a:latin typeface="Times New Roman" panose="02020603050405020304" pitchFamily="18" charset="0"/>
+                          <a:ea typeface="+mn-ea"/>
+                          <a:cs typeface="Times New Roman" panose="02020603050405020304" pitchFamily="18" charset="0"/>
+                        </a:rPr>
+                        <a:t> sur </a:t>
+                      </a:r>
+                      <a:r>
+                        <a:rPr lang="fr-FR" sz="1800" b="0" i="0" u="none" strike="noStrike" kern="1200" baseline="0" dirty="0" err="1">
+                          <a:solidFill>
+                            <a:schemeClr val="dk1"/>
+                          </a:solidFill>
+                          <a:latin typeface="Times New Roman" panose="02020603050405020304" pitchFamily="18" charset="0"/>
+                          <a:ea typeface="+mn-ea"/>
+                          <a:cs typeface="Times New Roman" panose="02020603050405020304" pitchFamily="18" charset="0"/>
+                        </a:rPr>
+                        <a:t>github</a:t>
+                      </a:r>
+                      <a:r>
+                        <a:rPr lang="fr-FR" sz="1800" b="0" i="0" u="none" strike="noStrike" kern="1200" baseline="0" dirty="0">
+                          <a:solidFill>
+                            <a:schemeClr val="dk1"/>
+                          </a:solidFill>
+                          <a:latin typeface="Times New Roman" panose="02020603050405020304" pitchFamily="18" charset="0"/>
+                          <a:ea typeface="+mn-ea"/>
+                          <a:cs typeface="Times New Roman" panose="02020603050405020304" pitchFamily="18" charset="0"/>
+                        </a:rPr>
+                        <a:t>.</a:t>
+                      </a:r>
+                    </a:p>
+                    <a:p>
+                      <a:pPr marL="0" marR="0" lvl="0" indent="0" algn="l" defTabSz="914400" rtl="0" eaLnBrk="1" fontAlgn="auto" latinLnBrk="0" hangingPunct="1">
+                        <a:lnSpc>
+                          <a:spcPct val="100000"/>
+                        </a:lnSpc>
+                        <a:spcBef>
+                          <a:spcPts val="0"/>
+                        </a:spcBef>
+                        <a:spcAft>
+                          <a:spcPts val="0"/>
+                        </a:spcAft>
+                        <a:buClrTx/>
+                        <a:buSzTx/>
+                        <a:buFontTx/>
+                        <a:buNone/>
+                        <a:tabLst/>
+                        <a:defRPr/>
+                      </a:pPr>
+                      <a:r>
+                        <a:rPr lang="fr-FR" sz="1800" b="0" i="0" u="none" strike="noStrike" kern="1200" baseline="0" dirty="0">
+                          <a:solidFill>
+                            <a:schemeClr val="dk1"/>
+                          </a:solidFill>
+                          <a:latin typeface="Times New Roman" panose="02020603050405020304" pitchFamily="18" charset="0"/>
+                          <a:ea typeface="+mn-ea"/>
+                          <a:cs typeface="Times New Roman" panose="02020603050405020304" pitchFamily="18" charset="0"/>
+                        </a:rPr>
+                        <a:t>Réalisation de la fonctionnalité wifi </a:t>
+                      </a:r>
+                      <a:r>
+                        <a:rPr lang="fr-FR" sz="1800" b="0" i="0" u="none" strike="noStrike" kern="1200" baseline="0" dirty="0" err="1">
+                          <a:solidFill>
+                            <a:schemeClr val="dk1"/>
+                          </a:solidFill>
+                          <a:latin typeface="Times New Roman" panose="02020603050405020304" pitchFamily="18" charset="0"/>
+                          <a:ea typeface="+mn-ea"/>
+                          <a:cs typeface="Times New Roman" panose="02020603050405020304" pitchFamily="18" charset="0"/>
+                        </a:rPr>
+                        <a:t>access</a:t>
+                      </a:r>
+                      <a:r>
+                        <a:rPr lang="fr-FR" sz="1800" b="0" i="0" u="none" strike="noStrike" kern="1200" baseline="0" dirty="0">
+                          <a:solidFill>
+                            <a:schemeClr val="dk1"/>
+                          </a:solidFill>
+                          <a:latin typeface="Times New Roman" panose="02020603050405020304" pitchFamily="18" charset="0"/>
+                          <a:ea typeface="+mn-ea"/>
+                          <a:cs typeface="Times New Roman" panose="02020603050405020304" pitchFamily="18" charset="0"/>
+                        </a:rPr>
+                        <a:t> ,</a:t>
+                      </a:r>
+                      <a:r>
+                        <a:rPr lang="fr-FR" sz="1800" b="0" i="0" u="none" strike="noStrike" kern="1200" baseline="0" dirty="0" err="1">
+                          <a:solidFill>
+                            <a:schemeClr val="dk1"/>
+                          </a:solidFill>
+                          <a:latin typeface="Times New Roman" panose="02020603050405020304" pitchFamily="18" charset="0"/>
+                          <a:ea typeface="+mn-ea"/>
+                          <a:cs typeface="Times New Roman" panose="02020603050405020304" pitchFamily="18" charset="0"/>
+                        </a:rPr>
+                        <a:t>led</a:t>
+                      </a:r>
+                      <a:r>
+                        <a:rPr lang="fr-FR" sz="1800" b="0" i="0" u="none" strike="noStrike" kern="1200" baseline="0" dirty="0">
+                          <a:solidFill>
+                            <a:schemeClr val="dk1"/>
+                          </a:solidFill>
+                          <a:latin typeface="Times New Roman" panose="02020603050405020304" pitchFamily="18" charset="0"/>
+                          <a:ea typeface="+mn-ea"/>
+                          <a:cs typeface="Times New Roman" panose="02020603050405020304" pitchFamily="18" charset="0"/>
+                        </a:rPr>
+                        <a:t>.</a:t>
+                      </a:r>
+                    </a:p>
+                    <a:p>
+                      <a:endParaRPr lang="fr-FR" dirty="0"/>
+                    </a:p>
+                  </a:txBody>
+                  <a:tcPr/>
+                </a:tc>
+                <a:tc>
+                  <a:txBody>
+                    <a:bodyPr/>
+                    <a:lstStyle/>
+                    <a:p>
+                      <a:r>
+                        <a:rPr lang="fr-FR" sz="1800" b="0" i="0" u="none" strike="noStrike" kern="1200" baseline="0" dirty="0">
+                          <a:solidFill>
+                            <a:schemeClr val="dk1"/>
+                          </a:solidFill>
+                          <a:latin typeface="Times New Roman" panose="02020603050405020304" pitchFamily="18" charset="0"/>
+                          <a:ea typeface="+mn-ea"/>
+                          <a:cs typeface="Times New Roman" panose="02020603050405020304" pitchFamily="18" charset="0"/>
+                        </a:rPr>
+                        <a:t>Installation/apprentissage de git.</a:t>
+                      </a:r>
+                    </a:p>
+                    <a:p>
+                      <a:pPr marL="0" marR="0" lvl="0" indent="0" algn="l" defTabSz="914400" rtl="0" eaLnBrk="1" fontAlgn="auto" latinLnBrk="0" hangingPunct="1">
+                        <a:lnSpc>
+                          <a:spcPct val="100000"/>
+                        </a:lnSpc>
+                        <a:spcBef>
+                          <a:spcPts val="0"/>
+                        </a:spcBef>
+                        <a:spcAft>
+                          <a:spcPts val="0"/>
+                        </a:spcAft>
+                        <a:buClrTx/>
+                        <a:buSzTx/>
+                        <a:buFontTx/>
+                        <a:buNone/>
+                        <a:tabLst/>
+                        <a:defRPr/>
+                      </a:pPr>
+                      <a:r>
+                        <a:rPr lang="fr-FR" sz="1800" b="0" i="0" u="none" strike="noStrike" kern="1200" baseline="0" dirty="0">
+                          <a:solidFill>
+                            <a:schemeClr val="dk1"/>
+                          </a:solidFill>
+                          <a:latin typeface="Times New Roman" panose="02020603050405020304" pitchFamily="18" charset="0"/>
+                          <a:ea typeface="+mn-ea"/>
+                          <a:cs typeface="Times New Roman" panose="02020603050405020304" pitchFamily="18" charset="0"/>
+                        </a:rPr>
+                        <a:t>compréhensions de </a:t>
+                      </a:r>
+                      <a:r>
+                        <a:rPr lang="fr-FR" sz="1800" b="0" i="0" u="none" strike="noStrike" kern="1200" baseline="0" dirty="0" err="1">
+                          <a:solidFill>
+                            <a:schemeClr val="dk1"/>
+                          </a:solidFill>
+                          <a:latin typeface="Times New Roman" panose="02020603050405020304" pitchFamily="18" charset="0"/>
+                          <a:ea typeface="+mn-ea"/>
+                          <a:cs typeface="Times New Roman" panose="02020603050405020304" pitchFamily="18" charset="0"/>
+                        </a:rPr>
+                        <a:t>doxygen</a:t>
+                      </a:r>
+                      <a:endParaRPr lang="fr-FR" sz="1800" b="0" i="0" u="none" strike="noStrike" kern="1200" baseline="0" dirty="0">
+                        <a:solidFill>
+                          <a:schemeClr val="dk1"/>
+                        </a:solidFill>
+                        <a:latin typeface="Times New Roman" panose="02020603050405020304" pitchFamily="18" charset="0"/>
+                        <a:ea typeface="+mn-ea"/>
+                        <a:cs typeface="Times New Roman" panose="02020603050405020304" pitchFamily="18" charset="0"/>
+                      </a:endParaRPr>
+                    </a:p>
+                    <a:p>
+                      <a:endParaRPr lang="fr-FR" dirty="0"/>
+                    </a:p>
+                  </a:txBody>
+                  <a:tcPr/>
+                </a:tc>
+                <a:tc>
+                  <a:txBody>
+                    <a:bodyPr/>
+                    <a:lstStyle/>
+                    <a:p>
+                      <a:pPr marL="0" marR="0" lvl="0" indent="0" algn="l" defTabSz="914400" rtl="0" eaLnBrk="1" fontAlgn="auto" latinLnBrk="0" hangingPunct="1">
+                        <a:lnSpc>
+                          <a:spcPct val="100000"/>
+                        </a:lnSpc>
+                        <a:spcBef>
+                          <a:spcPts val="0"/>
+                        </a:spcBef>
+                        <a:spcAft>
+                          <a:spcPts val="0"/>
+                        </a:spcAft>
+                        <a:buClrTx/>
+                        <a:buSzTx/>
+                        <a:buFontTx/>
+                        <a:buNone/>
+                        <a:tabLst/>
+                        <a:defRPr/>
+                      </a:pPr>
+                      <a:r>
+                        <a:rPr lang="fr-FR" sz="1800" b="0" i="0" u="none" strike="noStrike" kern="1200" baseline="0" dirty="0">
+                          <a:solidFill>
+                            <a:schemeClr val="dk1"/>
+                          </a:solidFill>
+                          <a:latin typeface="Times New Roman" panose="02020603050405020304" pitchFamily="18" charset="0"/>
+                          <a:ea typeface="+mn-ea"/>
+                          <a:cs typeface="Times New Roman" panose="02020603050405020304" pitchFamily="18" charset="0"/>
+                        </a:rPr>
+                        <a:t>Utilisation de Discord.</a:t>
+                      </a:r>
+                    </a:p>
+                    <a:p>
+                      <a:endParaRPr lang="fr-FR" dirty="0"/>
+                    </a:p>
+                  </a:txBody>
+                  <a:tcPr/>
+                </a:tc>
+                <a:tc>
+                  <a:txBody>
+                    <a:bodyPr/>
+                    <a:lstStyle/>
+                    <a:p>
+                      <a:r>
+                        <a:rPr lang="fr-FR" dirty="0">
+                          <a:latin typeface="Times New Roman" panose="02020603050405020304" pitchFamily="18" charset="0"/>
+                          <a:cs typeface="Times New Roman" panose="02020603050405020304" pitchFamily="18" charset="0"/>
+                        </a:rPr>
+                        <a:t>Première revue de projet.</a:t>
+                      </a:r>
+                    </a:p>
+                  </a:txBody>
+                  <a:tcPr/>
+                </a:tc>
+                <a:extLst>
+                  <a:ext uri="{0D108BD9-81ED-4DB2-BD59-A6C34878D82A}">
+                    <a16:rowId xmlns:a16="http://schemas.microsoft.com/office/drawing/2014/main" val="2478049170"/>
+                  </a:ext>
+                </a:extLst>
+              </a:tr>
+            </a:tbl>
+          </a:graphicData>
+        </a:graphic>
+      </p:graphicFrame>
     </p:spTree>
     <p:extLst>
       <p:ext uri="{BB962C8B-B14F-4D97-AF65-F5344CB8AC3E}">
-        <p14:creationId xmlns:p14="http://schemas.microsoft.com/office/powerpoint/2010/main" val="1391752067"/>
+        <p14:creationId xmlns:p14="http://schemas.microsoft.com/office/powerpoint/2010/main" val="2538642771"/>
       </p:ext>
     </p:extLst>
   </p:cSld>
@@ -4465,7 +5125,7 @@
           <p:cNvPr id="2" name="Titre 1">
             <a:extLst>
               <a:ext uri="{FF2B5EF4-FFF2-40B4-BE49-F238E27FC236}">
-                <a16:creationId xmlns:a16="http://schemas.microsoft.com/office/drawing/2014/main" id="{D4BBC450-03EA-4FCD-9DBB-D55D126F80EF}"/>
+                <a16:creationId xmlns:a16="http://schemas.microsoft.com/office/drawing/2014/main" id="{E7274B59-43DA-40C3-B85C-870B0E42EDD0}"/>
               </a:ext>
             </a:extLst>
           </p:cNvPr>
@@ -4476,23 +5136,18 @@
             <p:ph type="title"/>
           </p:nvPr>
         </p:nvSpPr>
-        <p:spPr>
-          <a:xfrm>
-            <a:off x="838200" y="365125"/>
-            <a:ext cx="10515600" cy="6393484"/>
-          </a:xfrm>
-        </p:spPr>
+        <p:spPr/>
         <p:txBody>
           <a:bodyPr/>
           <a:lstStyle/>
           <a:p>
             <a:pPr algn="ctr"/>
             <a:r>
-              <a:rPr lang="fr-FR" sz="5400" dirty="0">
+              <a:rPr lang="fr-FR" dirty="0">
                 <a:latin typeface="Times New Roman" panose="02020603050405020304" pitchFamily="18" charset="0"/>
                 <a:cs typeface="Times New Roman" panose="02020603050405020304" pitchFamily="18" charset="0"/>
               </a:rPr>
-              <a:t>VII-Conclusion</a:t>
+              <a:t>VII-Déploiement</a:t>
             </a:r>
             <a:br>
               <a:rPr lang="fr-FR" dirty="0">
@@ -4504,10 +5159,42 @@
           </a:p>
         </p:txBody>
       </p:sp>
+      <p:pic>
+        <p:nvPicPr>
+          <p:cNvPr id="4" name="Espace réservé du contenu 3">
+            <a:extLst>
+              <a:ext uri="{FF2B5EF4-FFF2-40B4-BE49-F238E27FC236}">
+                <a16:creationId xmlns:a16="http://schemas.microsoft.com/office/drawing/2014/main" id="{CAFF12AD-2AA4-4302-96AD-E1595ED50D32}"/>
+              </a:ext>
+            </a:extLst>
+          </p:cNvPr>
+          <p:cNvPicPr>
+            <a:picLocks noGrp="1" noChangeAspect="1"/>
+          </p:cNvPicPr>
+          <p:nvPr>
+            <p:ph idx="1"/>
+          </p:nvPr>
+        </p:nvPicPr>
+        <p:blipFill>
+          <a:blip r:embed="rId2"/>
+          <a:stretch>
+            <a:fillRect/>
+          </a:stretch>
+        </p:blipFill>
+        <p:spPr>
+          <a:xfrm>
+            <a:off x="1420159" y="1797965"/>
+            <a:ext cx="9351681" cy="4059496"/>
+          </a:xfrm>
+          <a:prstGeom prst="rect">
+            <a:avLst/>
+          </a:prstGeom>
+        </p:spPr>
+      </p:pic>
     </p:spTree>
     <p:extLst>
       <p:ext uri="{BB962C8B-B14F-4D97-AF65-F5344CB8AC3E}">
-        <p14:creationId xmlns:p14="http://schemas.microsoft.com/office/powerpoint/2010/main" val="3255362159"/>
+        <p14:creationId xmlns:p14="http://schemas.microsoft.com/office/powerpoint/2010/main" val="1391752067"/>
       </p:ext>
     </p:extLst>
   </p:cSld>

--- a/e1/doc/2020_csg1-cdc-E1-rev-1.pptx
+++ b/e1/doc/2020_csg1-cdc-E1-rev-1.pptx
@@ -280,7 +280,7 @@
           <a:p>
             <a:fld id="{265737A6-0C94-4BE9-B714-1239DEB59EEE}" type="datetimeFigureOut">
               <a:rPr lang="fr-FR" smtClean="0"/>
-              <a:t>28/03/2020</a:t>
+              <a:t>29/03/2020</a:t>
             </a:fld>
             <a:endParaRPr lang="fr-FR"/>
           </a:p>
@@ -478,7 +478,7 @@
           <a:p>
             <a:fld id="{265737A6-0C94-4BE9-B714-1239DEB59EEE}" type="datetimeFigureOut">
               <a:rPr lang="fr-FR" smtClean="0"/>
-              <a:t>28/03/2020</a:t>
+              <a:t>29/03/2020</a:t>
             </a:fld>
             <a:endParaRPr lang="fr-FR"/>
           </a:p>
@@ -686,7 +686,7 @@
           <a:p>
             <a:fld id="{265737A6-0C94-4BE9-B714-1239DEB59EEE}" type="datetimeFigureOut">
               <a:rPr lang="fr-FR" smtClean="0"/>
-              <a:t>28/03/2020</a:t>
+              <a:t>29/03/2020</a:t>
             </a:fld>
             <a:endParaRPr lang="fr-FR"/>
           </a:p>
@@ -884,7 +884,7 @@
           <a:p>
             <a:fld id="{265737A6-0C94-4BE9-B714-1239DEB59EEE}" type="datetimeFigureOut">
               <a:rPr lang="fr-FR" smtClean="0"/>
-              <a:t>28/03/2020</a:t>
+              <a:t>29/03/2020</a:t>
             </a:fld>
             <a:endParaRPr lang="fr-FR"/>
           </a:p>
@@ -1159,7 +1159,7 @@
           <a:p>
             <a:fld id="{265737A6-0C94-4BE9-B714-1239DEB59EEE}" type="datetimeFigureOut">
               <a:rPr lang="fr-FR" smtClean="0"/>
-              <a:t>28/03/2020</a:t>
+              <a:t>29/03/2020</a:t>
             </a:fld>
             <a:endParaRPr lang="fr-FR"/>
           </a:p>
@@ -1424,7 +1424,7 @@
           <a:p>
             <a:fld id="{265737A6-0C94-4BE9-B714-1239DEB59EEE}" type="datetimeFigureOut">
               <a:rPr lang="fr-FR" smtClean="0"/>
-              <a:t>28/03/2020</a:t>
+              <a:t>29/03/2020</a:t>
             </a:fld>
             <a:endParaRPr lang="fr-FR"/>
           </a:p>
@@ -1836,7 +1836,7 @@
           <a:p>
             <a:fld id="{265737A6-0C94-4BE9-B714-1239DEB59EEE}" type="datetimeFigureOut">
               <a:rPr lang="fr-FR" smtClean="0"/>
-              <a:t>28/03/2020</a:t>
+              <a:t>29/03/2020</a:t>
             </a:fld>
             <a:endParaRPr lang="fr-FR"/>
           </a:p>
@@ -1977,7 +1977,7 @@
           <a:p>
             <a:fld id="{265737A6-0C94-4BE9-B714-1239DEB59EEE}" type="datetimeFigureOut">
               <a:rPr lang="fr-FR" smtClean="0"/>
-              <a:t>28/03/2020</a:t>
+              <a:t>29/03/2020</a:t>
             </a:fld>
             <a:endParaRPr lang="fr-FR"/>
           </a:p>
@@ -2090,7 +2090,7 @@
           <a:p>
             <a:fld id="{265737A6-0C94-4BE9-B714-1239DEB59EEE}" type="datetimeFigureOut">
               <a:rPr lang="fr-FR" smtClean="0"/>
-              <a:t>28/03/2020</a:t>
+              <a:t>29/03/2020</a:t>
             </a:fld>
             <a:endParaRPr lang="fr-FR"/>
           </a:p>
@@ -2401,7 +2401,7 @@
           <a:p>
             <a:fld id="{265737A6-0C94-4BE9-B714-1239DEB59EEE}" type="datetimeFigureOut">
               <a:rPr lang="fr-FR" smtClean="0"/>
-              <a:t>28/03/2020</a:t>
+              <a:t>29/03/2020</a:t>
             </a:fld>
             <a:endParaRPr lang="fr-FR"/>
           </a:p>
@@ -2689,7 +2689,7 @@
           <a:p>
             <a:fld id="{265737A6-0C94-4BE9-B714-1239DEB59EEE}" type="datetimeFigureOut">
               <a:rPr lang="fr-FR" smtClean="0"/>
-              <a:t>28/03/2020</a:t>
+              <a:t>29/03/2020</a:t>
             </a:fld>
             <a:endParaRPr lang="fr-FR"/>
           </a:p>
@@ -2930,7 +2930,7 @@
           <a:p>
             <a:fld id="{265737A6-0C94-4BE9-B714-1239DEB59EEE}" type="datetimeFigureOut">
               <a:rPr lang="fr-FR" smtClean="0"/>
-              <a:t>28/03/2020</a:t>
+              <a:t>29/03/2020</a:t>
             </a:fld>
             <a:endParaRPr lang="fr-FR"/>
           </a:p>
@@ -3706,7 +3706,7 @@
                 <a:latin typeface="Times New Roman" panose="02020603050405020304" pitchFamily="18" charset="0"/>
                 <a:cs typeface="Times New Roman" panose="02020603050405020304" pitchFamily="18" charset="0"/>
               </a:rPr>
-              <a:t>I-compréhension  du projet</a:t>
+              <a:t>I-Compréhension du projet</a:t>
             </a:r>
             <a:br>
               <a:rPr lang="fr-FR" dirty="0">
@@ -3744,8 +3744,11 @@
               <a:buChar char="Ø"/>
             </a:pPr>
             <a:r>
-              <a:rPr lang="fr-FR" dirty="0"/>
-              <a:t>Problématique: Comment gérer un climatiseur à distance?</a:t>
+              <a:rPr lang="fr-FR" dirty="0">
+                <a:latin typeface="Times New Roman" panose="02020603050405020304" pitchFamily="18" charset="0"/>
+                <a:cs typeface="Times New Roman" panose="02020603050405020304" pitchFamily="18" charset="0"/>
+              </a:rPr>
+              <a:t>Problématique: Comment réduire les couts énergétiques attribués à l’oublie de l’arrêt des systèmes par les professeurs en fin de journée ?</a:t>
             </a:r>
           </a:p>
           <a:p>
@@ -3753,7 +3756,13 @@
               <a:buFont typeface="Wingdings" panose="05000000000000000000" pitchFamily="2" charset="2"/>
               <a:buChar char="Ø"/>
             </a:pPr>
-            <a:endParaRPr lang="fr-FR" dirty="0"/>
+            <a:r>
+              <a:rPr lang="fr-FR" dirty="0">
+                <a:latin typeface="Times New Roman" panose="02020603050405020304" pitchFamily="18" charset="0"/>
+                <a:cs typeface="Times New Roman" panose="02020603050405020304" pitchFamily="18" charset="0"/>
+              </a:rPr>
+              <a:t>Horaire</a:t>
+            </a:r>
           </a:p>
           <a:p>
             <a:pPr algn="ctr">
@@ -3761,8 +3770,11 @@
               <a:buChar char="Ø"/>
             </a:pPr>
             <a:r>
-              <a:rPr lang="fr-FR" dirty="0"/>
-              <a:t>Horaire</a:t>
+              <a:rPr lang="fr-FR" dirty="0">
+                <a:latin typeface="Times New Roman" panose="02020603050405020304" pitchFamily="18" charset="0"/>
+                <a:cs typeface="Times New Roman" panose="02020603050405020304" pitchFamily="18" charset="0"/>
+              </a:rPr>
+              <a:t>Contrôle à distance </a:t>
             </a:r>
           </a:p>
           <a:p>
@@ -3771,8 +3783,11 @@
               <a:buChar char="Ø"/>
             </a:pPr>
             <a:r>
-              <a:rPr lang="fr-FR" dirty="0"/>
-              <a:t>Contrôle à distance </a:t>
+              <a:rPr lang="fr-FR" dirty="0">
+                <a:latin typeface="Times New Roman" panose="02020603050405020304" pitchFamily="18" charset="0"/>
+                <a:cs typeface="Times New Roman" panose="02020603050405020304" pitchFamily="18" charset="0"/>
+              </a:rPr>
+              <a:t>Wifi</a:t>
             </a:r>
           </a:p>
           <a:p>
@@ -3781,17 +3796,10 @@
               <a:buChar char="Ø"/>
             </a:pPr>
             <a:r>
-              <a:rPr lang="fr-FR" dirty="0"/>
-              <a:t>Wifi</a:t>
-            </a:r>
-          </a:p>
-          <a:p>
-            <a:pPr algn="ctr">
-              <a:buFont typeface="Wingdings" panose="05000000000000000000" pitchFamily="2" charset="2"/>
-              <a:buChar char="Ø"/>
-            </a:pPr>
-            <a:r>
-              <a:rPr lang="fr-FR" dirty="0"/>
+              <a:rPr lang="fr-FR" dirty="0">
+                <a:latin typeface="Times New Roman" panose="02020603050405020304" pitchFamily="18" charset="0"/>
+                <a:cs typeface="Times New Roman" panose="02020603050405020304" pitchFamily="18" charset="0"/>
+              </a:rPr>
               <a:t>Température</a:t>
             </a:r>
           </a:p>
@@ -3868,10 +3876,10 @@
       </p:sp>
       <p:pic>
         <p:nvPicPr>
-          <p:cNvPr id="4" name="Espace réservé du contenu 3">
-            <a:extLst>
-              <a:ext uri="{FF2B5EF4-FFF2-40B4-BE49-F238E27FC236}">
-                <a16:creationId xmlns:a16="http://schemas.microsoft.com/office/drawing/2014/main" id="{AC10FC53-DD5E-4E13-A7EC-617474914D7D}"/>
+          <p:cNvPr id="8" name="Espace réservé du contenu 7">
+            <a:extLst>
+              <a:ext uri="{FF2B5EF4-FFF2-40B4-BE49-F238E27FC236}">
+                <a16:creationId xmlns:a16="http://schemas.microsoft.com/office/drawing/2014/main" id="{14767567-1E3B-4FC2-8209-EA818A60B512}"/>
               </a:ext>
             </a:extLst>
           </p:cNvPr>
@@ -3890,8 +3898,8 @@
         </p:blipFill>
         <p:spPr>
           <a:xfrm>
-            <a:off x="2411896" y="1338470"/>
-            <a:ext cx="7726017" cy="5154405"/>
+            <a:off x="1623548" y="1177636"/>
+            <a:ext cx="8767361" cy="5315239"/>
           </a:xfrm>
           <a:prstGeom prst="rect">
             <a:avLst/>

--- a/e1/doc/2020_csg1-cdc-E1-rev-1.pptx
+++ b/e1/doc/2020_csg1-cdc-E1-rev-1.pptx
@@ -14,7 +14,6 @@
     <p:sldId id="263" r:id="rId8"/>
     <p:sldId id="266" r:id="rId9"/>
     <p:sldId id="264" r:id="rId10"/>
-    <p:sldId id="265" r:id="rId11"/>
   </p:sldIdLst>
   <p:sldSz cx="12192000" cy="6858000"/>
   <p:notesSz cx="6858000" cy="9144000"/>
@@ -3399,80 +3398,6 @@
 </p:sld>
 </file>
 
-<file path=ppt/slides/slide10.xml><?xml version="1.0" encoding="utf-8"?>
-<p:sld xmlns:a="http://schemas.openxmlformats.org/drawingml/2006/main" xmlns:r="http://schemas.openxmlformats.org/officeDocument/2006/relationships" xmlns:p="http://schemas.openxmlformats.org/presentationml/2006/main">
-  <p:cSld>
-    <p:spTree>
-      <p:nvGrpSpPr>
-        <p:cNvPr id="1" name=""/>
-        <p:cNvGrpSpPr/>
-        <p:nvPr/>
-      </p:nvGrpSpPr>
-      <p:grpSpPr>
-        <a:xfrm>
-          <a:off x="0" y="0"/>
-          <a:ext cx="0" cy="0"/>
-          <a:chOff x="0" y="0"/>
-          <a:chExt cx="0" cy="0"/>
-        </a:xfrm>
-      </p:grpSpPr>
-      <p:sp>
-        <p:nvSpPr>
-          <p:cNvPr id="2" name="Titre 1">
-            <a:extLst>
-              <a:ext uri="{FF2B5EF4-FFF2-40B4-BE49-F238E27FC236}">
-                <a16:creationId xmlns:a16="http://schemas.microsoft.com/office/drawing/2014/main" id="{D4BBC450-03EA-4FCD-9DBB-D55D126F80EF}"/>
-              </a:ext>
-            </a:extLst>
-          </p:cNvPr>
-          <p:cNvSpPr>
-            <a:spLocks noGrp="1"/>
-          </p:cNvSpPr>
-          <p:nvPr>
-            <p:ph type="title"/>
-          </p:nvPr>
-        </p:nvSpPr>
-        <p:spPr>
-          <a:xfrm>
-            <a:off x="838200" y="365125"/>
-            <a:ext cx="10515600" cy="6393484"/>
-          </a:xfrm>
-        </p:spPr>
-        <p:txBody>
-          <a:bodyPr/>
-          <a:lstStyle/>
-          <a:p>
-            <a:pPr algn="ctr"/>
-            <a:r>
-              <a:rPr lang="fr-FR" sz="5400" dirty="0">
-                <a:latin typeface="Times New Roman" panose="02020603050405020304" pitchFamily="18" charset="0"/>
-                <a:cs typeface="Times New Roman" panose="02020603050405020304" pitchFamily="18" charset="0"/>
-              </a:rPr>
-              <a:t>VIII-Conclusion</a:t>
-            </a:r>
-            <a:br>
-              <a:rPr lang="fr-FR" dirty="0">
-                <a:latin typeface="Times New Roman" panose="02020603050405020304" pitchFamily="18" charset="0"/>
-                <a:cs typeface="Times New Roman" panose="02020603050405020304" pitchFamily="18" charset="0"/>
-              </a:rPr>
-            </a:br>
-            <a:endParaRPr lang="fr-FR" dirty="0"/>
-          </a:p>
-        </p:txBody>
-      </p:sp>
-    </p:spTree>
-    <p:extLst>
-      <p:ext uri="{BB962C8B-B14F-4D97-AF65-F5344CB8AC3E}">
-        <p14:creationId xmlns:p14="http://schemas.microsoft.com/office/powerpoint/2010/main" val="3255362159"/>
-      </p:ext>
-    </p:extLst>
-  </p:cSld>
-  <p:clrMapOvr>
-    <a:masterClrMapping/>
-  </p:clrMapOvr>
-</p:sld>
-</file>
-
 <file path=ppt/slides/slide2.xml><?xml version="1.0" encoding="utf-8"?>
 <p:sld xmlns:a="http://schemas.openxmlformats.org/drawingml/2006/main" xmlns:r="http://schemas.openxmlformats.org/officeDocument/2006/relationships" xmlns:p="http://schemas.openxmlformats.org/presentationml/2006/main">
   <p:cSld>
@@ -3548,7 +3473,7 @@
         </p:spPr>
         <p:txBody>
           <a:bodyPr>
-            <a:normAutofit fontScale="92500" lnSpcReduction="20000"/>
+            <a:normAutofit lnSpcReduction="10000"/>
           </a:bodyPr>
           <a:lstStyle/>
           <a:p>
@@ -3639,13 +3564,10 @@
             <a:pPr marL="0" indent="0" algn="ctr">
               <a:buNone/>
             </a:pPr>
-            <a:r>
-              <a:rPr lang="fr-FR" sz="3200" dirty="0">
-                <a:latin typeface="Times New Roman" panose="02020603050405020304" pitchFamily="18" charset="0"/>
-                <a:cs typeface="Times New Roman" panose="02020603050405020304" pitchFamily="18" charset="0"/>
-              </a:rPr>
-              <a:t>VIII-Conclusion</a:t>
-            </a:r>
+            <a:endParaRPr lang="fr-FR" sz="3200" dirty="0">
+              <a:latin typeface="Times New Roman" panose="02020603050405020304" pitchFamily="18" charset="0"/>
+              <a:cs typeface="Times New Roman" panose="02020603050405020304" pitchFamily="18" charset="0"/>
+            </a:endParaRPr>
           </a:p>
         </p:txBody>
       </p:sp>
@@ -3748,7 +3670,7 @@
                 <a:latin typeface="Times New Roman" panose="02020603050405020304" pitchFamily="18" charset="0"/>
                 <a:cs typeface="Times New Roman" panose="02020603050405020304" pitchFamily="18" charset="0"/>
               </a:rPr>
-              <a:t>Problématique: Comment réduire les couts énergétiques attribués à l’oublie de l’arrêt des systèmes par les professeurs en fin de journée ?</a:t>
+              <a:t>Problématique: Comment réduire les couts énergétiques attribués à l’oublie de l’arrêt des systèmes de climatisations par les professeurs en fin de journée ?</a:t>
             </a:r>
           </a:p>
           <a:p>
@@ -3876,10 +3798,10 @@
       </p:sp>
       <p:pic>
         <p:nvPicPr>
-          <p:cNvPr id="8" name="Espace réservé du contenu 7">
-            <a:extLst>
-              <a:ext uri="{FF2B5EF4-FFF2-40B4-BE49-F238E27FC236}">
-                <a16:creationId xmlns:a16="http://schemas.microsoft.com/office/drawing/2014/main" id="{14767567-1E3B-4FC2-8209-EA818A60B512}"/>
+          <p:cNvPr id="9" name="Espace réservé du contenu 8">
+            <a:extLst>
+              <a:ext uri="{FF2B5EF4-FFF2-40B4-BE49-F238E27FC236}">
+                <a16:creationId xmlns:a16="http://schemas.microsoft.com/office/drawing/2014/main" id="{BF359C2F-2764-4D01-BEA2-541EDF4CDADA}"/>
               </a:ext>
             </a:extLst>
           </p:cNvPr>
@@ -3898,8 +3820,8 @@
         </p:blipFill>
         <p:spPr>
           <a:xfrm>
-            <a:off x="1623548" y="1177636"/>
-            <a:ext cx="8767361" cy="5315239"/>
+            <a:off x="2041388" y="1301742"/>
+            <a:ext cx="8109223" cy="5556257"/>
           </a:xfrm>
           <a:prstGeom prst="rect">
             <a:avLst/>
@@ -4245,8 +4167,8 @@
         </p:blipFill>
         <p:spPr>
           <a:xfrm>
-            <a:off x="1934818" y="1027905"/>
-            <a:ext cx="8322364" cy="5464969"/>
+            <a:off x="1704109" y="1027905"/>
+            <a:ext cx="8553073" cy="5464969"/>
           </a:xfrm>
           <a:prstGeom prst="rect">
             <a:avLst/>
@@ -4346,8 +4268,8 @@
         </p:blipFill>
         <p:spPr>
           <a:xfrm>
-            <a:off x="3859035" y="1690687"/>
-            <a:ext cx="4934134" cy="1622356"/>
+            <a:off x="3214256" y="1592972"/>
+            <a:ext cx="5578914" cy="2314580"/>
           </a:xfrm>
           <a:prstGeom prst="rect">
             <a:avLst/>

--- a/e1/doc/2020_csg1-cdc-E1-rev-1.pptx
+++ b/e1/doc/2020_csg1-cdc-E1-rev-1.pptx
@@ -279,7 +279,7 @@
           <a:p>
             <a:fld id="{265737A6-0C94-4BE9-B714-1239DEB59EEE}" type="datetimeFigureOut">
               <a:rPr lang="fr-FR" smtClean="0"/>
-              <a:t>29/03/2020</a:t>
+              <a:t>30/03/2020</a:t>
             </a:fld>
             <a:endParaRPr lang="fr-FR"/>
           </a:p>
@@ -477,7 +477,7 @@
           <a:p>
             <a:fld id="{265737A6-0C94-4BE9-B714-1239DEB59EEE}" type="datetimeFigureOut">
               <a:rPr lang="fr-FR" smtClean="0"/>
-              <a:t>29/03/2020</a:t>
+              <a:t>30/03/2020</a:t>
             </a:fld>
             <a:endParaRPr lang="fr-FR"/>
           </a:p>
@@ -685,7 +685,7 @@
           <a:p>
             <a:fld id="{265737A6-0C94-4BE9-B714-1239DEB59EEE}" type="datetimeFigureOut">
               <a:rPr lang="fr-FR" smtClean="0"/>
-              <a:t>29/03/2020</a:t>
+              <a:t>30/03/2020</a:t>
             </a:fld>
             <a:endParaRPr lang="fr-FR"/>
           </a:p>
@@ -883,7 +883,7 @@
           <a:p>
             <a:fld id="{265737A6-0C94-4BE9-B714-1239DEB59EEE}" type="datetimeFigureOut">
               <a:rPr lang="fr-FR" smtClean="0"/>
-              <a:t>29/03/2020</a:t>
+              <a:t>30/03/2020</a:t>
             </a:fld>
             <a:endParaRPr lang="fr-FR"/>
           </a:p>
@@ -1158,7 +1158,7 @@
           <a:p>
             <a:fld id="{265737A6-0C94-4BE9-B714-1239DEB59EEE}" type="datetimeFigureOut">
               <a:rPr lang="fr-FR" smtClean="0"/>
-              <a:t>29/03/2020</a:t>
+              <a:t>30/03/2020</a:t>
             </a:fld>
             <a:endParaRPr lang="fr-FR"/>
           </a:p>
@@ -1423,7 +1423,7 @@
           <a:p>
             <a:fld id="{265737A6-0C94-4BE9-B714-1239DEB59EEE}" type="datetimeFigureOut">
               <a:rPr lang="fr-FR" smtClean="0"/>
-              <a:t>29/03/2020</a:t>
+              <a:t>30/03/2020</a:t>
             </a:fld>
             <a:endParaRPr lang="fr-FR"/>
           </a:p>
@@ -1835,7 +1835,7 @@
           <a:p>
             <a:fld id="{265737A6-0C94-4BE9-B714-1239DEB59EEE}" type="datetimeFigureOut">
               <a:rPr lang="fr-FR" smtClean="0"/>
-              <a:t>29/03/2020</a:t>
+              <a:t>30/03/2020</a:t>
             </a:fld>
             <a:endParaRPr lang="fr-FR"/>
           </a:p>
@@ -1976,7 +1976,7 @@
           <a:p>
             <a:fld id="{265737A6-0C94-4BE9-B714-1239DEB59EEE}" type="datetimeFigureOut">
               <a:rPr lang="fr-FR" smtClean="0"/>
-              <a:t>29/03/2020</a:t>
+              <a:t>30/03/2020</a:t>
             </a:fld>
             <a:endParaRPr lang="fr-FR"/>
           </a:p>
@@ -2089,7 +2089,7 @@
           <a:p>
             <a:fld id="{265737A6-0C94-4BE9-B714-1239DEB59EEE}" type="datetimeFigureOut">
               <a:rPr lang="fr-FR" smtClean="0"/>
-              <a:t>29/03/2020</a:t>
+              <a:t>30/03/2020</a:t>
             </a:fld>
             <a:endParaRPr lang="fr-FR"/>
           </a:p>
@@ -2400,7 +2400,7 @@
           <a:p>
             <a:fld id="{265737A6-0C94-4BE9-B714-1239DEB59EEE}" type="datetimeFigureOut">
               <a:rPr lang="fr-FR" smtClean="0"/>
-              <a:t>29/03/2020</a:t>
+              <a:t>30/03/2020</a:t>
             </a:fld>
             <a:endParaRPr lang="fr-FR"/>
           </a:p>
@@ -2688,7 +2688,7 @@
           <a:p>
             <a:fld id="{265737A6-0C94-4BE9-B714-1239DEB59EEE}" type="datetimeFigureOut">
               <a:rPr lang="fr-FR" smtClean="0"/>
-              <a:t>29/03/2020</a:t>
+              <a:t>30/03/2020</a:t>
             </a:fld>
             <a:endParaRPr lang="fr-FR"/>
           </a:p>
@@ -2929,7 +2929,7 @@
           <a:p>
             <a:fld id="{265737A6-0C94-4BE9-B714-1239DEB59EEE}" type="datetimeFigureOut">
               <a:rPr lang="fr-FR" smtClean="0"/>
-              <a:t>29/03/2020</a:t>
+              <a:t>30/03/2020</a:t>
             </a:fld>
             <a:endParaRPr lang="fr-FR"/>
           </a:p>
@@ -3798,10 +3798,10 @@
       </p:sp>
       <p:pic>
         <p:nvPicPr>
-          <p:cNvPr id="9" name="Espace réservé du contenu 8">
-            <a:extLst>
-              <a:ext uri="{FF2B5EF4-FFF2-40B4-BE49-F238E27FC236}">
-                <a16:creationId xmlns:a16="http://schemas.microsoft.com/office/drawing/2014/main" id="{BF359C2F-2764-4D01-BEA2-541EDF4CDADA}"/>
+          <p:cNvPr id="5" name="Espace réservé du contenu 4">
+            <a:extLst>
+              <a:ext uri="{FF2B5EF4-FFF2-40B4-BE49-F238E27FC236}">
+                <a16:creationId xmlns:a16="http://schemas.microsoft.com/office/drawing/2014/main" id="{1FFA93F7-85C7-45DC-AE36-B54696BE67EE}"/>
               </a:ext>
             </a:extLst>
           </p:cNvPr>
@@ -3820,8 +3820,8 @@
         </p:blipFill>
         <p:spPr>
           <a:xfrm>
-            <a:off x="2041388" y="1301742"/>
-            <a:ext cx="8109223" cy="5556257"/>
+            <a:off x="1620982" y="1231044"/>
+            <a:ext cx="8132618" cy="4945919"/>
           </a:xfrm>
           <a:prstGeom prst="rect">
             <a:avLst/>

--- a/e1/doc/2020_csg1-cdc-E1-rev-1.pptx
+++ b/e1/doc/2020_csg1-cdc-E1-rev-1.pptx
@@ -11,9 +11,11 @@
     <p:sldId id="260" r:id="rId5"/>
     <p:sldId id="261" r:id="rId6"/>
     <p:sldId id="262" r:id="rId7"/>
-    <p:sldId id="263" r:id="rId8"/>
-    <p:sldId id="266" r:id="rId9"/>
-    <p:sldId id="264" r:id="rId10"/>
+    <p:sldId id="267" r:id="rId8"/>
+    <p:sldId id="268" r:id="rId9"/>
+    <p:sldId id="263" r:id="rId10"/>
+    <p:sldId id="266" r:id="rId11"/>
+    <p:sldId id="264" r:id="rId12"/>
   </p:sldIdLst>
   <p:sldSz cx="12192000" cy="6858000"/>
   <p:notesSz cx="6858000" cy="9144000"/>
@@ -279,7 +281,7 @@
           <a:p>
             <a:fld id="{265737A6-0C94-4BE9-B714-1239DEB59EEE}" type="datetimeFigureOut">
               <a:rPr lang="fr-FR" smtClean="0"/>
-              <a:t>30/03/2020</a:t>
+              <a:t>31/03/2020</a:t>
             </a:fld>
             <a:endParaRPr lang="fr-FR"/>
           </a:p>
@@ -477,7 +479,7 @@
           <a:p>
             <a:fld id="{265737A6-0C94-4BE9-B714-1239DEB59EEE}" type="datetimeFigureOut">
               <a:rPr lang="fr-FR" smtClean="0"/>
-              <a:t>30/03/2020</a:t>
+              <a:t>31/03/2020</a:t>
             </a:fld>
             <a:endParaRPr lang="fr-FR"/>
           </a:p>
@@ -685,7 +687,7 @@
           <a:p>
             <a:fld id="{265737A6-0C94-4BE9-B714-1239DEB59EEE}" type="datetimeFigureOut">
               <a:rPr lang="fr-FR" smtClean="0"/>
-              <a:t>30/03/2020</a:t>
+              <a:t>31/03/2020</a:t>
             </a:fld>
             <a:endParaRPr lang="fr-FR"/>
           </a:p>
@@ -883,7 +885,7 @@
           <a:p>
             <a:fld id="{265737A6-0C94-4BE9-B714-1239DEB59EEE}" type="datetimeFigureOut">
               <a:rPr lang="fr-FR" smtClean="0"/>
-              <a:t>30/03/2020</a:t>
+              <a:t>31/03/2020</a:t>
             </a:fld>
             <a:endParaRPr lang="fr-FR"/>
           </a:p>
@@ -1158,7 +1160,7 @@
           <a:p>
             <a:fld id="{265737A6-0C94-4BE9-B714-1239DEB59EEE}" type="datetimeFigureOut">
               <a:rPr lang="fr-FR" smtClean="0"/>
-              <a:t>30/03/2020</a:t>
+              <a:t>31/03/2020</a:t>
             </a:fld>
             <a:endParaRPr lang="fr-FR"/>
           </a:p>
@@ -1423,7 +1425,7 @@
           <a:p>
             <a:fld id="{265737A6-0C94-4BE9-B714-1239DEB59EEE}" type="datetimeFigureOut">
               <a:rPr lang="fr-FR" smtClean="0"/>
-              <a:t>30/03/2020</a:t>
+              <a:t>31/03/2020</a:t>
             </a:fld>
             <a:endParaRPr lang="fr-FR"/>
           </a:p>
@@ -1835,7 +1837,7 @@
           <a:p>
             <a:fld id="{265737A6-0C94-4BE9-B714-1239DEB59EEE}" type="datetimeFigureOut">
               <a:rPr lang="fr-FR" smtClean="0"/>
-              <a:t>30/03/2020</a:t>
+              <a:t>31/03/2020</a:t>
             </a:fld>
             <a:endParaRPr lang="fr-FR"/>
           </a:p>
@@ -1976,7 +1978,7 @@
           <a:p>
             <a:fld id="{265737A6-0C94-4BE9-B714-1239DEB59EEE}" type="datetimeFigureOut">
               <a:rPr lang="fr-FR" smtClean="0"/>
-              <a:t>30/03/2020</a:t>
+              <a:t>31/03/2020</a:t>
             </a:fld>
             <a:endParaRPr lang="fr-FR"/>
           </a:p>
@@ -2089,7 +2091,7 @@
           <a:p>
             <a:fld id="{265737A6-0C94-4BE9-B714-1239DEB59EEE}" type="datetimeFigureOut">
               <a:rPr lang="fr-FR" smtClean="0"/>
-              <a:t>30/03/2020</a:t>
+              <a:t>31/03/2020</a:t>
             </a:fld>
             <a:endParaRPr lang="fr-FR"/>
           </a:p>
@@ -2400,7 +2402,7 @@
           <a:p>
             <a:fld id="{265737A6-0C94-4BE9-B714-1239DEB59EEE}" type="datetimeFigureOut">
               <a:rPr lang="fr-FR" smtClean="0"/>
-              <a:t>30/03/2020</a:t>
+              <a:t>31/03/2020</a:t>
             </a:fld>
             <a:endParaRPr lang="fr-FR"/>
           </a:p>
@@ -2688,7 +2690,7 @@
           <a:p>
             <a:fld id="{265737A6-0C94-4BE9-B714-1239DEB59EEE}" type="datetimeFigureOut">
               <a:rPr lang="fr-FR" smtClean="0"/>
-              <a:t>30/03/2020</a:t>
+              <a:t>31/03/2020</a:t>
             </a:fld>
             <a:endParaRPr lang="fr-FR"/>
           </a:p>
@@ -2929,7 +2931,7 @@
           <a:p>
             <a:fld id="{265737A6-0C94-4BE9-B714-1239DEB59EEE}" type="datetimeFigureOut">
               <a:rPr lang="fr-FR" smtClean="0"/>
-              <a:t>30/03/2020</a:t>
+              <a:t>31/03/2020</a:t>
             </a:fld>
             <a:endParaRPr lang="fr-FR"/>
           </a:p>
@@ -3398,973 +3400,7 @@
 </p:sld>
 </file>
 
-<file path=ppt/slides/slide2.xml><?xml version="1.0" encoding="utf-8"?>
-<p:sld xmlns:a="http://schemas.openxmlformats.org/drawingml/2006/main" xmlns:r="http://schemas.openxmlformats.org/officeDocument/2006/relationships" xmlns:p="http://schemas.openxmlformats.org/presentationml/2006/main">
-  <p:cSld>
-    <p:spTree>
-      <p:nvGrpSpPr>
-        <p:cNvPr id="1" name=""/>
-        <p:cNvGrpSpPr/>
-        <p:nvPr/>
-      </p:nvGrpSpPr>
-      <p:grpSpPr>
-        <a:xfrm>
-          <a:off x="0" y="0"/>
-          <a:ext cx="0" cy="0"/>
-          <a:chOff x="0" y="0"/>
-          <a:chExt cx="0" cy="0"/>
-        </a:xfrm>
-      </p:grpSpPr>
-      <p:sp>
-        <p:nvSpPr>
-          <p:cNvPr id="2" name="Titre 1">
-            <a:extLst>
-              <a:ext uri="{FF2B5EF4-FFF2-40B4-BE49-F238E27FC236}">
-                <a16:creationId xmlns:a16="http://schemas.microsoft.com/office/drawing/2014/main" id="{439B3EB9-B75E-4928-9365-D5C6AFE346AD}"/>
-              </a:ext>
-            </a:extLst>
-          </p:cNvPr>
-          <p:cNvSpPr>
-            <a:spLocks noGrp="1"/>
-          </p:cNvSpPr>
-          <p:nvPr>
-            <p:ph type="title"/>
-          </p:nvPr>
-        </p:nvSpPr>
-        <p:spPr/>
-        <p:txBody>
-          <a:bodyPr>
-            <a:normAutofit/>
-          </a:bodyPr>
-          <a:lstStyle/>
-          <a:p>
-            <a:pPr algn="ctr"/>
-            <a:r>
-              <a:rPr lang="fr-FR" sz="7200" dirty="0">
-                <a:latin typeface="Times New Roman" panose="02020603050405020304" pitchFamily="18" charset="0"/>
-                <a:cs typeface="Times New Roman" panose="02020603050405020304" pitchFamily="18" charset="0"/>
-              </a:rPr>
-              <a:t>Sommaire</a:t>
-            </a:r>
-          </a:p>
-        </p:txBody>
-      </p:sp>
-      <p:sp>
-        <p:nvSpPr>
-          <p:cNvPr id="3" name="Espace réservé du contenu 2">
-            <a:extLst>
-              <a:ext uri="{FF2B5EF4-FFF2-40B4-BE49-F238E27FC236}">
-                <a16:creationId xmlns:a16="http://schemas.microsoft.com/office/drawing/2014/main" id="{19B3456E-A94C-460C-8855-6C3CA9F662A1}"/>
-              </a:ext>
-            </a:extLst>
-          </p:cNvPr>
-          <p:cNvSpPr>
-            <a:spLocks noGrp="1"/>
-          </p:cNvSpPr>
-          <p:nvPr>
-            <p:ph idx="1"/>
-          </p:nvPr>
-        </p:nvSpPr>
-        <p:spPr>
-          <a:xfrm>
-            <a:off x="838200" y="2090667"/>
-            <a:ext cx="10515600" cy="3780045"/>
-          </a:xfrm>
-        </p:spPr>
-        <p:txBody>
-          <a:bodyPr>
-            <a:normAutofit lnSpcReduction="10000"/>
-          </a:bodyPr>
-          <a:lstStyle/>
-          <a:p>
-            <a:pPr marL="0" indent="0" algn="ctr">
-              <a:buNone/>
-            </a:pPr>
-            <a:r>
-              <a:rPr lang="fr-FR" sz="3200" dirty="0">
-                <a:latin typeface="Times New Roman" panose="02020603050405020304" pitchFamily="18" charset="0"/>
-                <a:cs typeface="Times New Roman" panose="02020603050405020304" pitchFamily="18" charset="0"/>
-              </a:rPr>
-              <a:t>I-Compréhension  du projet</a:t>
-            </a:r>
-          </a:p>
-          <a:p>
-            <a:pPr marL="0" indent="0" algn="ctr">
-              <a:buNone/>
-            </a:pPr>
-            <a:r>
-              <a:rPr lang="fr-FR" sz="3200" dirty="0">
-                <a:latin typeface="Times New Roman" panose="02020603050405020304" pitchFamily="18" charset="0"/>
-                <a:cs typeface="Times New Roman" panose="02020603050405020304" pitchFamily="18" charset="0"/>
-              </a:rPr>
-              <a:t>II-Analyse UML</a:t>
-            </a:r>
-          </a:p>
-          <a:p>
-            <a:pPr marL="0" indent="0" algn="ctr">
-              <a:buNone/>
-            </a:pPr>
-            <a:r>
-              <a:rPr lang="fr-FR" sz="3200" dirty="0">
-                <a:latin typeface="Times New Roman" panose="02020603050405020304" pitchFamily="18" charset="0"/>
-                <a:cs typeface="Times New Roman" panose="02020603050405020304" pitchFamily="18" charset="0"/>
-              </a:rPr>
-              <a:t>III-Outils employé</a:t>
-            </a:r>
-          </a:p>
-          <a:p>
-            <a:pPr marL="0" indent="0" algn="ctr">
-              <a:buNone/>
-            </a:pPr>
-            <a:r>
-              <a:rPr lang="fr-FR" sz="3200" dirty="0">
-                <a:latin typeface="Times New Roman" panose="02020603050405020304" pitchFamily="18" charset="0"/>
-                <a:cs typeface="Times New Roman" panose="02020603050405020304" pitchFamily="18" charset="0"/>
-              </a:rPr>
-              <a:t>IV-Répartitions du travail dans l’équipe</a:t>
-            </a:r>
-          </a:p>
-          <a:p>
-            <a:pPr marL="0" indent="0" algn="ctr">
-              <a:buNone/>
-            </a:pPr>
-            <a:r>
-              <a:rPr lang="fr-FR" sz="3200" dirty="0">
-                <a:latin typeface="Times New Roman" panose="02020603050405020304" pitchFamily="18" charset="0"/>
-                <a:cs typeface="Times New Roman" panose="02020603050405020304" pitchFamily="18" charset="0"/>
-              </a:rPr>
-              <a:t>V-Recherche</a:t>
-            </a:r>
-          </a:p>
-          <a:p>
-            <a:pPr marL="0" indent="0" algn="ctr">
-              <a:buNone/>
-            </a:pPr>
-            <a:r>
-              <a:rPr lang="fr-FR" sz="3200" dirty="0">
-                <a:latin typeface="Times New Roman" panose="02020603050405020304" pitchFamily="18" charset="0"/>
-                <a:cs typeface="Times New Roman" panose="02020603050405020304" pitchFamily="18" charset="0"/>
-              </a:rPr>
-              <a:t>VI-Organisation </a:t>
-            </a:r>
-          </a:p>
-          <a:p>
-            <a:pPr marL="0" indent="0" algn="ctr">
-              <a:buNone/>
-            </a:pPr>
-            <a:r>
-              <a:rPr lang="fr-FR" sz="3200" dirty="0">
-                <a:latin typeface="Times New Roman" panose="02020603050405020304" pitchFamily="18" charset="0"/>
-                <a:cs typeface="Times New Roman" panose="02020603050405020304" pitchFamily="18" charset="0"/>
-              </a:rPr>
-              <a:t>VII-Déploiement</a:t>
-            </a:r>
-          </a:p>
-          <a:p>
-            <a:pPr marL="0" indent="0" algn="ctr">
-              <a:buNone/>
-            </a:pPr>
-            <a:endParaRPr lang="fr-FR" sz="3200" dirty="0">
-              <a:latin typeface="Times New Roman" panose="02020603050405020304" pitchFamily="18" charset="0"/>
-              <a:cs typeface="Times New Roman" panose="02020603050405020304" pitchFamily="18" charset="0"/>
-            </a:endParaRPr>
-          </a:p>
-        </p:txBody>
-      </p:sp>
-    </p:spTree>
-    <p:extLst>
-      <p:ext uri="{BB962C8B-B14F-4D97-AF65-F5344CB8AC3E}">
-        <p14:creationId xmlns:p14="http://schemas.microsoft.com/office/powerpoint/2010/main" val="3214627873"/>
-      </p:ext>
-    </p:extLst>
-  </p:cSld>
-  <p:clrMapOvr>
-    <a:masterClrMapping/>
-  </p:clrMapOvr>
-</p:sld>
-</file>
-
-<file path=ppt/slides/slide3.xml><?xml version="1.0" encoding="utf-8"?>
-<p:sld xmlns:a="http://schemas.openxmlformats.org/drawingml/2006/main" xmlns:r="http://schemas.openxmlformats.org/officeDocument/2006/relationships" xmlns:p="http://schemas.openxmlformats.org/presentationml/2006/main">
-  <p:cSld>
-    <p:spTree>
-      <p:nvGrpSpPr>
-        <p:cNvPr id="1" name=""/>
-        <p:cNvGrpSpPr/>
-        <p:nvPr/>
-      </p:nvGrpSpPr>
-      <p:grpSpPr>
-        <a:xfrm>
-          <a:off x="0" y="0"/>
-          <a:ext cx="0" cy="0"/>
-          <a:chOff x="0" y="0"/>
-          <a:chExt cx="0" cy="0"/>
-        </a:xfrm>
-      </p:grpSpPr>
-      <p:sp>
-        <p:nvSpPr>
-          <p:cNvPr id="2" name="Titre 1">
-            <a:extLst>
-              <a:ext uri="{FF2B5EF4-FFF2-40B4-BE49-F238E27FC236}">
-                <a16:creationId xmlns:a16="http://schemas.microsoft.com/office/drawing/2014/main" id="{F3FA34E6-9123-41C1-B71A-6E281CE7F789}"/>
-              </a:ext>
-            </a:extLst>
-          </p:cNvPr>
-          <p:cNvSpPr>
-            <a:spLocks noGrp="1"/>
-          </p:cNvSpPr>
-          <p:nvPr>
-            <p:ph type="title"/>
-          </p:nvPr>
-        </p:nvSpPr>
-        <p:spPr/>
-        <p:txBody>
-          <a:bodyPr/>
-          <a:lstStyle/>
-          <a:p>
-            <a:pPr algn="ctr"/>
-            <a:r>
-              <a:rPr lang="fr-FR" dirty="0">
-                <a:latin typeface="Times New Roman" panose="02020603050405020304" pitchFamily="18" charset="0"/>
-                <a:cs typeface="Times New Roman" panose="02020603050405020304" pitchFamily="18" charset="0"/>
-              </a:rPr>
-              <a:t>I-Compréhension du projet</a:t>
-            </a:r>
-            <a:br>
-              <a:rPr lang="fr-FR" dirty="0">
-                <a:latin typeface="Times New Roman" panose="02020603050405020304" pitchFamily="18" charset="0"/>
-                <a:cs typeface="Times New Roman" panose="02020603050405020304" pitchFamily="18" charset="0"/>
-              </a:rPr>
-            </a:br>
-            <a:endParaRPr lang="fr-FR" dirty="0"/>
-          </a:p>
-        </p:txBody>
-      </p:sp>
-      <p:sp>
-        <p:nvSpPr>
-          <p:cNvPr id="3" name="Espace réservé du contenu 2">
-            <a:extLst>
-              <a:ext uri="{FF2B5EF4-FFF2-40B4-BE49-F238E27FC236}">
-                <a16:creationId xmlns:a16="http://schemas.microsoft.com/office/drawing/2014/main" id="{755621CD-EFA9-4FAE-A5ED-3FEC9403EB7D}"/>
-              </a:ext>
-            </a:extLst>
-          </p:cNvPr>
-          <p:cNvSpPr>
-            <a:spLocks noGrp="1"/>
-          </p:cNvSpPr>
-          <p:nvPr>
-            <p:ph idx="1"/>
-          </p:nvPr>
-        </p:nvSpPr>
-        <p:spPr/>
-        <p:txBody>
-          <a:bodyPr/>
-          <a:lstStyle/>
-          <a:p>
-            <a:pPr algn="ctr">
-              <a:buFont typeface="Wingdings" panose="05000000000000000000" pitchFamily="2" charset="2"/>
-              <a:buChar char="Ø"/>
-            </a:pPr>
-            <a:r>
-              <a:rPr lang="fr-FR" dirty="0">
-                <a:latin typeface="Times New Roman" panose="02020603050405020304" pitchFamily="18" charset="0"/>
-                <a:cs typeface="Times New Roman" panose="02020603050405020304" pitchFamily="18" charset="0"/>
-              </a:rPr>
-              <a:t>Problématique: Comment réduire les couts énergétiques attribués à l’oublie de l’arrêt des systèmes de climatisations par les professeurs en fin de journée ?</a:t>
-            </a:r>
-          </a:p>
-          <a:p>
-            <a:pPr algn="ctr">
-              <a:buFont typeface="Wingdings" panose="05000000000000000000" pitchFamily="2" charset="2"/>
-              <a:buChar char="Ø"/>
-            </a:pPr>
-            <a:r>
-              <a:rPr lang="fr-FR" dirty="0">
-                <a:latin typeface="Times New Roman" panose="02020603050405020304" pitchFamily="18" charset="0"/>
-                <a:cs typeface="Times New Roman" panose="02020603050405020304" pitchFamily="18" charset="0"/>
-              </a:rPr>
-              <a:t>Horaire</a:t>
-            </a:r>
-          </a:p>
-          <a:p>
-            <a:pPr algn="ctr">
-              <a:buFont typeface="Wingdings" panose="05000000000000000000" pitchFamily="2" charset="2"/>
-              <a:buChar char="Ø"/>
-            </a:pPr>
-            <a:r>
-              <a:rPr lang="fr-FR" dirty="0">
-                <a:latin typeface="Times New Roman" panose="02020603050405020304" pitchFamily="18" charset="0"/>
-                <a:cs typeface="Times New Roman" panose="02020603050405020304" pitchFamily="18" charset="0"/>
-              </a:rPr>
-              <a:t>Contrôle à distance </a:t>
-            </a:r>
-          </a:p>
-          <a:p>
-            <a:pPr algn="ctr">
-              <a:buFont typeface="Wingdings" panose="05000000000000000000" pitchFamily="2" charset="2"/>
-              <a:buChar char="Ø"/>
-            </a:pPr>
-            <a:r>
-              <a:rPr lang="fr-FR" dirty="0">
-                <a:latin typeface="Times New Roman" panose="02020603050405020304" pitchFamily="18" charset="0"/>
-                <a:cs typeface="Times New Roman" panose="02020603050405020304" pitchFamily="18" charset="0"/>
-              </a:rPr>
-              <a:t>Wifi</a:t>
-            </a:r>
-          </a:p>
-          <a:p>
-            <a:pPr algn="ctr">
-              <a:buFont typeface="Wingdings" panose="05000000000000000000" pitchFamily="2" charset="2"/>
-              <a:buChar char="Ø"/>
-            </a:pPr>
-            <a:r>
-              <a:rPr lang="fr-FR" dirty="0">
-                <a:latin typeface="Times New Roman" panose="02020603050405020304" pitchFamily="18" charset="0"/>
-                <a:cs typeface="Times New Roman" panose="02020603050405020304" pitchFamily="18" charset="0"/>
-              </a:rPr>
-              <a:t>Température</a:t>
-            </a:r>
-          </a:p>
-        </p:txBody>
-      </p:sp>
-    </p:spTree>
-    <p:extLst>
-      <p:ext uri="{BB962C8B-B14F-4D97-AF65-F5344CB8AC3E}">
-        <p14:creationId xmlns:p14="http://schemas.microsoft.com/office/powerpoint/2010/main" val="170871844"/>
-      </p:ext>
-    </p:extLst>
-  </p:cSld>
-  <p:clrMapOvr>
-    <a:masterClrMapping/>
-  </p:clrMapOvr>
-</p:sld>
-</file>
-
-<file path=ppt/slides/slide4.xml><?xml version="1.0" encoding="utf-8"?>
-<p:sld xmlns:a="http://schemas.openxmlformats.org/drawingml/2006/main" xmlns:r="http://schemas.openxmlformats.org/officeDocument/2006/relationships" xmlns:p="http://schemas.openxmlformats.org/presentationml/2006/main">
-  <p:cSld>
-    <p:spTree>
-      <p:nvGrpSpPr>
-        <p:cNvPr id="1" name=""/>
-        <p:cNvGrpSpPr/>
-        <p:nvPr/>
-      </p:nvGrpSpPr>
-      <p:grpSpPr>
-        <a:xfrm>
-          <a:off x="0" y="0"/>
-          <a:ext cx="0" cy="0"/>
-          <a:chOff x="0" y="0"/>
-          <a:chExt cx="0" cy="0"/>
-        </a:xfrm>
-      </p:grpSpPr>
-      <p:sp>
-        <p:nvSpPr>
-          <p:cNvPr id="2" name="Titre 1">
-            <a:extLst>
-              <a:ext uri="{FF2B5EF4-FFF2-40B4-BE49-F238E27FC236}">
-                <a16:creationId xmlns:a16="http://schemas.microsoft.com/office/drawing/2014/main" id="{100D1E35-160D-496B-A949-A43C693D151D}"/>
-              </a:ext>
-            </a:extLst>
-          </p:cNvPr>
-          <p:cNvSpPr>
-            <a:spLocks noGrp="1"/>
-          </p:cNvSpPr>
-          <p:nvPr>
-            <p:ph type="title"/>
-          </p:nvPr>
-        </p:nvSpPr>
-        <p:spPr/>
-        <p:txBody>
-          <a:bodyPr/>
-          <a:lstStyle/>
-          <a:p>
-            <a:pPr algn="ctr"/>
-            <a:r>
-              <a:rPr lang="fr-FR" dirty="0">
-                <a:latin typeface="Times New Roman" panose="02020603050405020304" pitchFamily="18" charset="0"/>
-                <a:cs typeface="Times New Roman" panose="02020603050405020304" pitchFamily="18" charset="0"/>
-              </a:rPr>
-              <a:t>II-Analyse UML</a:t>
-            </a:r>
-            <a:br>
-              <a:rPr lang="fr-FR" dirty="0">
-                <a:latin typeface="Times New Roman" panose="02020603050405020304" pitchFamily="18" charset="0"/>
-                <a:cs typeface="Times New Roman" panose="02020603050405020304" pitchFamily="18" charset="0"/>
-              </a:rPr>
-            </a:br>
-            <a:endParaRPr lang="fr-FR" dirty="0"/>
-          </a:p>
-        </p:txBody>
-      </p:sp>
-      <p:pic>
-        <p:nvPicPr>
-          <p:cNvPr id="5" name="Espace réservé du contenu 4">
-            <a:extLst>
-              <a:ext uri="{FF2B5EF4-FFF2-40B4-BE49-F238E27FC236}">
-                <a16:creationId xmlns:a16="http://schemas.microsoft.com/office/drawing/2014/main" id="{1FFA93F7-85C7-45DC-AE36-B54696BE67EE}"/>
-              </a:ext>
-            </a:extLst>
-          </p:cNvPr>
-          <p:cNvPicPr>
-            <a:picLocks noGrp="1" noChangeAspect="1"/>
-          </p:cNvPicPr>
-          <p:nvPr>
-            <p:ph idx="1"/>
-          </p:nvPr>
-        </p:nvPicPr>
-        <p:blipFill>
-          <a:blip r:embed="rId2"/>
-          <a:stretch>
-            <a:fillRect/>
-          </a:stretch>
-        </p:blipFill>
-        <p:spPr>
-          <a:xfrm>
-            <a:off x="1620982" y="1231044"/>
-            <a:ext cx="8132618" cy="4945919"/>
-          </a:xfrm>
-          <a:prstGeom prst="rect">
-            <a:avLst/>
-          </a:prstGeom>
-        </p:spPr>
-      </p:pic>
-    </p:spTree>
-    <p:extLst>
-      <p:ext uri="{BB962C8B-B14F-4D97-AF65-F5344CB8AC3E}">
-        <p14:creationId xmlns:p14="http://schemas.microsoft.com/office/powerpoint/2010/main" val="3484329750"/>
-      </p:ext>
-    </p:extLst>
-  </p:cSld>
-  <p:clrMapOvr>
-    <a:masterClrMapping/>
-  </p:clrMapOvr>
-</p:sld>
-</file>
-
-<file path=ppt/slides/slide5.xml><?xml version="1.0" encoding="utf-8"?>
-<p:sld xmlns:a="http://schemas.openxmlformats.org/drawingml/2006/main" xmlns:r="http://schemas.openxmlformats.org/officeDocument/2006/relationships" xmlns:p="http://schemas.openxmlformats.org/presentationml/2006/main">
-  <p:cSld>
-    <p:spTree>
-      <p:nvGrpSpPr>
-        <p:cNvPr id="1" name=""/>
-        <p:cNvGrpSpPr/>
-        <p:nvPr/>
-      </p:nvGrpSpPr>
-      <p:grpSpPr>
-        <a:xfrm>
-          <a:off x="0" y="0"/>
-          <a:ext cx="0" cy="0"/>
-          <a:chOff x="0" y="0"/>
-          <a:chExt cx="0" cy="0"/>
-        </a:xfrm>
-      </p:grpSpPr>
-      <p:sp>
-        <p:nvSpPr>
-          <p:cNvPr id="2" name="Titre 1">
-            <a:extLst>
-              <a:ext uri="{FF2B5EF4-FFF2-40B4-BE49-F238E27FC236}">
-                <a16:creationId xmlns:a16="http://schemas.microsoft.com/office/drawing/2014/main" id="{D247EB4C-8FF2-46C8-BD53-9DE15C9D120E}"/>
-              </a:ext>
-            </a:extLst>
-          </p:cNvPr>
-          <p:cNvSpPr>
-            <a:spLocks noGrp="1"/>
-          </p:cNvSpPr>
-          <p:nvPr>
-            <p:ph type="title"/>
-          </p:nvPr>
-        </p:nvSpPr>
-        <p:spPr/>
-        <p:txBody>
-          <a:bodyPr/>
-          <a:lstStyle/>
-          <a:p>
-            <a:pPr algn="ctr"/>
-            <a:r>
-              <a:rPr lang="fr-FR" dirty="0">
-                <a:latin typeface="Times New Roman" panose="02020603050405020304" pitchFamily="18" charset="0"/>
-                <a:cs typeface="Times New Roman" panose="02020603050405020304" pitchFamily="18" charset="0"/>
-              </a:rPr>
-              <a:t>III-Outils employé</a:t>
-            </a:r>
-            <a:br>
-              <a:rPr lang="fr-FR" dirty="0">
-                <a:latin typeface="Times New Roman" panose="02020603050405020304" pitchFamily="18" charset="0"/>
-                <a:cs typeface="Times New Roman" panose="02020603050405020304" pitchFamily="18" charset="0"/>
-              </a:rPr>
-            </a:br>
-            <a:endParaRPr lang="fr-FR" dirty="0"/>
-          </a:p>
-        </p:txBody>
-      </p:sp>
-      <p:sp>
-        <p:nvSpPr>
-          <p:cNvPr id="3" name="Espace réservé du contenu 2">
-            <a:extLst>
-              <a:ext uri="{FF2B5EF4-FFF2-40B4-BE49-F238E27FC236}">
-                <a16:creationId xmlns:a16="http://schemas.microsoft.com/office/drawing/2014/main" id="{1E26AF99-CE44-4B20-9B1D-A9735EF9FB60}"/>
-              </a:ext>
-            </a:extLst>
-          </p:cNvPr>
-          <p:cNvSpPr>
-            <a:spLocks noGrp="1"/>
-          </p:cNvSpPr>
-          <p:nvPr>
-            <p:ph idx="1"/>
-          </p:nvPr>
-        </p:nvSpPr>
-        <p:spPr/>
-        <p:txBody>
-          <a:bodyPr>
-            <a:normAutofit fontScale="77500" lnSpcReduction="20000"/>
-          </a:bodyPr>
-          <a:lstStyle/>
-          <a:p>
-            <a:pPr algn="ctr">
-              <a:buFont typeface="Wingdings" panose="05000000000000000000" pitchFamily="2" charset="2"/>
-              <a:buChar char="Ø"/>
-            </a:pPr>
-            <a:r>
-              <a:rPr lang="fr-FR" dirty="0"/>
-              <a:t>ESP8266 / Esp32, </a:t>
-            </a:r>
-          </a:p>
-          <a:p>
-            <a:pPr algn="ctr">
-              <a:buFont typeface="Wingdings" panose="05000000000000000000" pitchFamily="2" charset="2"/>
-              <a:buChar char="Ø"/>
-            </a:pPr>
-            <a:r>
-              <a:rPr lang="fr-FR" dirty="0"/>
-              <a:t>Lora</a:t>
-            </a:r>
-          </a:p>
-          <a:p>
-            <a:pPr algn="ctr">
-              <a:buFont typeface="Wingdings" panose="05000000000000000000" pitchFamily="2" charset="2"/>
-              <a:buChar char="Ø"/>
-            </a:pPr>
-            <a:r>
-              <a:rPr lang="fr-FR" dirty="0"/>
-              <a:t> </a:t>
-            </a:r>
-            <a:r>
-              <a:rPr lang="fr-FR" dirty="0" err="1"/>
-              <a:t>IRLab</a:t>
-            </a:r>
-            <a:r>
-              <a:rPr lang="fr-FR" dirty="0"/>
-              <a:t> </a:t>
-            </a:r>
-            <a:r>
-              <a:rPr lang="fr-FR" dirty="0" err="1"/>
-              <a:t>Usb</a:t>
-            </a:r>
-            <a:r>
-              <a:rPr lang="fr-FR" dirty="0"/>
-              <a:t> Infra Red Toy V2</a:t>
-            </a:r>
-          </a:p>
-          <a:p>
-            <a:pPr algn="ctr">
-              <a:buFont typeface="Wingdings" panose="05000000000000000000" pitchFamily="2" charset="2"/>
-              <a:buChar char="Ø"/>
-            </a:pPr>
-            <a:r>
-              <a:rPr lang="fr-FR" dirty="0" err="1"/>
-              <a:t>IrKit</a:t>
-            </a:r>
-            <a:endParaRPr lang="fr-FR" dirty="0"/>
-          </a:p>
-          <a:p>
-            <a:pPr algn="ctr">
-              <a:buFont typeface="Wingdings" panose="05000000000000000000" pitchFamily="2" charset="2"/>
-              <a:buChar char="Ø"/>
-            </a:pPr>
-            <a:r>
-              <a:rPr lang="fr-FR" dirty="0"/>
-              <a:t> Eclipse</a:t>
-            </a:r>
-          </a:p>
-          <a:p>
-            <a:pPr algn="ctr">
-              <a:buFont typeface="Wingdings" panose="05000000000000000000" pitchFamily="2" charset="2"/>
-              <a:buChar char="Ø"/>
-            </a:pPr>
-            <a:r>
-              <a:rPr lang="fr-FR" dirty="0" err="1"/>
-              <a:t>Arduini</a:t>
-            </a:r>
-            <a:r>
-              <a:rPr lang="fr-FR" dirty="0"/>
-              <a:t> Ide</a:t>
-            </a:r>
-          </a:p>
-          <a:p>
-            <a:pPr algn="ctr">
-              <a:buFont typeface="Wingdings" panose="05000000000000000000" pitchFamily="2" charset="2"/>
-              <a:buChar char="Ø"/>
-            </a:pPr>
-            <a:r>
-              <a:rPr lang="fr-FR" dirty="0"/>
-              <a:t> Git/</a:t>
-            </a:r>
-            <a:r>
-              <a:rPr lang="fr-FR" dirty="0" err="1"/>
-              <a:t>GitLab</a:t>
-            </a:r>
-            <a:r>
-              <a:rPr lang="fr-FR" dirty="0"/>
-              <a:t> </a:t>
-            </a:r>
-          </a:p>
-          <a:p>
-            <a:pPr algn="ctr">
-              <a:buFont typeface="Wingdings" panose="05000000000000000000" pitchFamily="2" charset="2"/>
-              <a:buChar char="Ø"/>
-            </a:pPr>
-            <a:r>
-              <a:rPr lang="fr-FR" dirty="0" err="1"/>
-              <a:t>Doxygen</a:t>
-            </a:r>
-            <a:endParaRPr lang="fr-FR" dirty="0"/>
-          </a:p>
-          <a:p>
-            <a:pPr algn="ctr">
-              <a:buFont typeface="Wingdings" panose="05000000000000000000" pitchFamily="2" charset="2"/>
-              <a:buChar char="Ø"/>
-            </a:pPr>
-            <a:r>
-              <a:rPr lang="fr-FR" dirty="0"/>
-              <a:t>Climatiseur </a:t>
-            </a:r>
-          </a:p>
-          <a:p>
-            <a:pPr algn="ctr">
-              <a:buFont typeface="Wingdings" panose="05000000000000000000" pitchFamily="2" charset="2"/>
-              <a:buChar char="Ø"/>
-            </a:pPr>
-            <a:r>
-              <a:rPr lang="fr-FR" dirty="0"/>
-              <a:t>Télécommande IR</a:t>
-            </a:r>
-          </a:p>
-          <a:p>
-            <a:pPr algn="ctr">
-              <a:buFont typeface="Wingdings" panose="05000000000000000000" pitchFamily="2" charset="2"/>
-              <a:buChar char="Ø"/>
-            </a:pPr>
-            <a:r>
-              <a:rPr lang="fr-FR" dirty="0"/>
-              <a:t>Smartphone</a:t>
-            </a:r>
-          </a:p>
-          <a:p>
-            <a:pPr algn="ctr">
-              <a:buFont typeface="Wingdings" panose="05000000000000000000" pitchFamily="2" charset="2"/>
-              <a:buChar char="Ø"/>
-            </a:pPr>
-            <a:r>
-              <a:rPr lang="fr-FR" dirty="0"/>
-              <a:t>Capteur température</a:t>
-            </a:r>
-          </a:p>
-          <a:p>
-            <a:endParaRPr lang="fr-FR" dirty="0"/>
-          </a:p>
-        </p:txBody>
-      </p:sp>
-    </p:spTree>
-    <p:extLst>
-      <p:ext uri="{BB962C8B-B14F-4D97-AF65-F5344CB8AC3E}">
-        <p14:creationId xmlns:p14="http://schemas.microsoft.com/office/powerpoint/2010/main" val="3591655415"/>
-      </p:ext>
-    </p:extLst>
-  </p:cSld>
-  <p:clrMapOvr>
-    <a:masterClrMapping/>
-  </p:clrMapOvr>
-</p:sld>
-</file>
-
-<file path=ppt/slides/slide6.xml><?xml version="1.0" encoding="utf-8"?>
-<p:sld xmlns:a="http://schemas.openxmlformats.org/drawingml/2006/main" xmlns:r="http://schemas.openxmlformats.org/officeDocument/2006/relationships" xmlns:p="http://schemas.openxmlformats.org/presentationml/2006/main">
-  <p:cSld>
-    <p:spTree>
-      <p:nvGrpSpPr>
-        <p:cNvPr id="1" name=""/>
-        <p:cNvGrpSpPr/>
-        <p:nvPr/>
-      </p:nvGrpSpPr>
-      <p:grpSpPr>
-        <a:xfrm>
-          <a:off x="0" y="0"/>
-          <a:ext cx="0" cy="0"/>
-          <a:chOff x="0" y="0"/>
-          <a:chExt cx="0" cy="0"/>
-        </a:xfrm>
-      </p:grpSpPr>
-      <p:sp>
-        <p:nvSpPr>
-          <p:cNvPr id="2" name="Titre 1">
-            <a:extLst>
-              <a:ext uri="{FF2B5EF4-FFF2-40B4-BE49-F238E27FC236}">
-                <a16:creationId xmlns:a16="http://schemas.microsoft.com/office/drawing/2014/main" id="{D2782044-0D4D-482D-B1BD-063C8F0ECE53}"/>
-              </a:ext>
-            </a:extLst>
-          </p:cNvPr>
-          <p:cNvSpPr>
-            <a:spLocks noGrp="1"/>
-          </p:cNvSpPr>
-          <p:nvPr>
-            <p:ph type="title"/>
-          </p:nvPr>
-        </p:nvSpPr>
-        <p:spPr/>
-        <p:txBody>
-          <a:bodyPr/>
-          <a:lstStyle/>
-          <a:p>
-            <a:pPr algn="ctr"/>
-            <a:r>
-              <a:rPr lang="fr-FR" dirty="0">
-                <a:latin typeface="Times New Roman" panose="02020603050405020304" pitchFamily="18" charset="0"/>
-                <a:cs typeface="Times New Roman" panose="02020603050405020304" pitchFamily="18" charset="0"/>
-              </a:rPr>
-              <a:t>IV-Répartitions du travail dans l’équipe</a:t>
-            </a:r>
-            <a:br>
-              <a:rPr lang="fr-FR" dirty="0">
-                <a:latin typeface="Times New Roman" panose="02020603050405020304" pitchFamily="18" charset="0"/>
-                <a:cs typeface="Times New Roman" panose="02020603050405020304" pitchFamily="18" charset="0"/>
-              </a:rPr>
-            </a:br>
-            <a:endParaRPr lang="fr-FR" dirty="0"/>
-          </a:p>
-        </p:txBody>
-      </p:sp>
-      <p:pic>
-        <p:nvPicPr>
-          <p:cNvPr id="4" name="Espace réservé du contenu 3">
-            <a:extLst>
-              <a:ext uri="{FF2B5EF4-FFF2-40B4-BE49-F238E27FC236}">
-                <a16:creationId xmlns:a16="http://schemas.microsoft.com/office/drawing/2014/main" id="{BEAC1CAE-8049-4772-A7F2-C209DCA95CD1}"/>
-              </a:ext>
-            </a:extLst>
-          </p:cNvPr>
-          <p:cNvPicPr>
-            <a:picLocks noGrp="1" noChangeAspect="1"/>
-          </p:cNvPicPr>
-          <p:nvPr>
-            <p:ph idx="1"/>
-          </p:nvPr>
-        </p:nvPicPr>
-        <p:blipFill>
-          <a:blip r:embed="rId2"/>
-          <a:stretch>
-            <a:fillRect/>
-          </a:stretch>
-        </p:blipFill>
-        <p:spPr>
-          <a:xfrm>
-            <a:off x="1704109" y="1027905"/>
-            <a:ext cx="8553073" cy="5464969"/>
-          </a:xfrm>
-          <a:prstGeom prst="rect">
-            <a:avLst/>
-          </a:prstGeom>
-        </p:spPr>
-      </p:pic>
-    </p:spTree>
-    <p:extLst>
-      <p:ext uri="{BB962C8B-B14F-4D97-AF65-F5344CB8AC3E}">
-        <p14:creationId xmlns:p14="http://schemas.microsoft.com/office/powerpoint/2010/main" val="3467792588"/>
-      </p:ext>
-    </p:extLst>
-  </p:cSld>
-  <p:clrMapOvr>
-    <a:masterClrMapping/>
-  </p:clrMapOvr>
-</p:sld>
-</file>
-
-<file path=ppt/slides/slide7.xml><?xml version="1.0" encoding="utf-8"?>
-<p:sld xmlns:a="http://schemas.openxmlformats.org/drawingml/2006/main" xmlns:r="http://schemas.openxmlformats.org/officeDocument/2006/relationships" xmlns:p="http://schemas.openxmlformats.org/presentationml/2006/main">
-  <p:cSld>
-    <p:spTree>
-      <p:nvGrpSpPr>
-        <p:cNvPr id="1" name=""/>
-        <p:cNvGrpSpPr/>
-        <p:nvPr/>
-      </p:nvGrpSpPr>
-      <p:grpSpPr>
-        <a:xfrm>
-          <a:off x="0" y="0"/>
-          <a:ext cx="0" cy="0"/>
-          <a:chOff x="0" y="0"/>
-          <a:chExt cx="0" cy="0"/>
-        </a:xfrm>
-      </p:grpSpPr>
-      <p:sp>
-        <p:nvSpPr>
-          <p:cNvPr id="2" name="Titre 1">
-            <a:extLst>
-              <a:ext uri="{FF2B5EF4-FFF2-40B4-BE49-F238E27FC236}">
-                <a16:creationId xmlns:a16="http://schemas.microsoft.com/office/drawing/2014/main" id="{5F51189D-6455-4170-A21A-0FBB562A0281}"/>
-              </a:ext>
-            </a:extLst>
-          </p:cNvPr>
-          <p:cNvSpPr>
-            <a:spLocks noGrp="1"/>
-          </p:cNvSpPr>
-          <p:nvPr>
-            <p:ph type="title"/>
-          </p:nvPr>
-        </p:nvSpPr>
-        <p:spPr/>
-        <p:txBody>
-          <a:bodyPr/>
-          <a:lstStyle/>
-          <a:p>
-            <a:pPr algn="ctr"/>
-            <a:r>
-              <a:rPr lang="fr-FR" dirty="0">
-                <a:latin typeface="Times New Roman" panose="02020603050405020304" pitchFamily="18" charset="0"/>
-                <a:cs typeface="Times New Roman" panose="02020603050405020304" pitchFamily="18" charset="0"/>
-              </a:rPr>
-              <a:t>V-Recherche</a:t>
-            </a:r>
-            <a:br>
-              <a:rPr lang="fr-FR" dirty="0">
-                <a:latin typeface="Times New Roman" panose="02020603050405020304" pitchFamily="18" charset="0"/>
-                <a:cs typeface="Times New Roman" panose="02020603050405020304" pitchFamily="18" charset="0"/>
-              </a:rPr>
-            </a:br>
-            <a:endParaRPr lang="fr-FR" dirty="0"/>
-          </a:p>
-        </p:txBody>
-      </p:sp>
-      <p:pic>
-        <p:nvPicPr>
-          <p:cNvPr id="4" name="Espace réservé du contenu 3">
-            <a:extLst>
-              <a:ext uri="{FF2B5EF4-FFF2-40B4-BE49-F238E27FC236}">
-                <a16:creationId xmlns:a16="http://schemas.microsoft.com/office/drawing/2014/main" id="{62559328-168F-4D3D-9DCB-D235E7951ADE}"/>
-              </a:ext>
-            </a:extLst>
-          </p:cNvPr>
-          <p:cNvPicPr>
-            <a:picLocks noGrp="1" noChangeAspect="1"/>
-          </p:cNvPicPr>
-          <p:nvPr>
-            <p:ph idx="1"/>
-          </p:nvPr>
-        </p:nvPicPr>
-        <p:blipFill>
-          <a:blip r:embed="rId2"/>
-          <a:stretch>
-            <a:fillRect/>
-          </a:stretch>
-        </p:blipFill>
-        <p:spPr>
-          <a:xfrm>
-            <a:off x="3214256" y="1592972"/>
-            <a:ext cx="5578914" cy="2314580"/>
-          </a:xfrm>
-          <a:prstGeom prst="rect">
-            <a:avLst/>
-          </a:prstGeom>
-        </p:spPr>
-      </p:pic>
-      <p:sp>
-        <p:nvSpPr>
-          <p:cNvPr id="5" name="ZoneTexte 4">
-            <a:extLst>
-              <a:ext uri="{FF2B5EF4-FFF2-40B4-BE49-F238E27FC236}">
-                <a16:creationId xmlns:a16="http://schemas.microsoft.com/office/drawing/2014/main" id="{DA1DC749-4631-410A-8B30-B6D8F090AE16}"/>
-              </a:ext>
-            </a:extLst>
-          </p:cNvPr>
-          <p:cNvSpPr txBox="1"/>
-          <p:nvPr/>
-        </p:nvSpPr>
-        <p:spPr>
-          <a:xfrm>
-            <a:off x="2835965" y="3907552"/>
-            <a:ext cx="6520069" cy="2308324"/>
-          </a:xfrm>
-          <a:prstGeom prst="rect">
-            <a:avLst/>
-          </a:prstGeom>
-          <a:noFill/>
-        </p:spPr>
-        <p:txBody>
-          <a:bodyPr wrap="square" rtlCol="0">
-            <a:spAutoFit/>
-          </a:bodyPr>
-          <a:lstStyle/>
-          <a:p>
-            <a:pPr marL="285750" indent="-285750" algn="ctr">
-              <a:buFont typeface="Arial" panose="020B0604020202020204" pitchFamily="34" charset="0"/>
-              <a:buChar char="•"/>
-            </a:pPr>
-            <a:r>
-              <a:rPr lang="fr-FR" b="1" dirty="0"/>
-              <a:t>Difficultés rencontrées :</a:t>
-            </a:r>
-          </a:p>
-          <a:p>
-            <a:r>
-              <a:rPr lang="fr-FR" dirty="0"/>
-              <a:t>trouver la bonne librairie IR</a:t>
-            </a:r>
-            <a:br>
-              <a:rPr lang="fr-FR" dirty="0"/>
-            </a:br>
-            <a:r>
-              <a:rPr lang="fr-FR" dirty="0"/>
-              <a:t>Trouver Comment </a:t>
-            </a:r>
-            <a:r>
-              <a:rPr lang="fr-FR" dirty="0" err="1"/>
-              <a:t>l'Ihm</a:t>
-            </a:r>
-            <a:r>
-              <a:rPr lang="fr-FR" dirty="0"/>
-              <a:t> va communiquer avec la clim</a:t>
-            </a:r>
-          </a:p>
-          <a:p>
-            <a:endParaRPr lang="fr-FR" dirty="0"/>
-          </a:p>
-          <a:p>
-            <a:endParaRPr lang="fr-FR" dirty="0"/>
-          </a:p>
-          <a:p>
-            <a:endParaRPr lang="fr-FR" dirty="0"/>
-          </a:p>
-          <a:p>
-            <a:endParaRPr lang="fr-FR" dirty="0"/>
-          </a:p>
-          <a:p>
-            <a:endParaRPr lang="fr-FR" dirty="0"/>
-          </a:p>
-        </p:txBody>
-      </p:sp>
-    </p:spTree>
-    <p:extLst>
-      <p:ext uri="{BB962C8B-B14F-4D97-AF65-F5344CB8AC3E}">
-        <p14:creationId xmlns:p14="http://schemas.microsoft.com/office/powerpoint/2010/main" val="3008587146"/>
-      </p:ext>
-    </p:extLst>
-  </p:cSld>
-  <p:clrMapOvr>
-    <a:masterClrMapping/>
-  </p:clrMapOvr>
-</p:sld>
-</file>
-
-<file path=ppt/slides/slide8.xml><?xml version="1.0" encoding="utf-8"?>
+<file path=ppt/slides/slide10.xml><?xml version="1.0" encoding="utf-8"?>
 <p:sld xmlns:a="http://schemas.openxmlformats.org/drawingml/2006/main" xmlns:r="http://schemas.openxmlformats.org/officeDocument/2006/relationships" xmlns:p="http://schemas.openxmlformats.org/presentationml/2006/main">
   <p:cSld>
     <p:spTree>
@@ -5033,7 +4069,7 @@
 </p:sld>
 </file>
 
-<file path=ppt/slides/slide9.xml><?xml version="1.0" encoding="utf-8"?>
+<file path=ppt/slides/slide11.xml><?xml version="1.0" encoding="utf-8"?>
 <p:sld xmlns:a="http://schemas.openxmlformats.org/drawingml/2006/main" xmlns:r="http://schemas.openxmlformats.org/officeDocument/2006/relationships" xmlns:p="http://schemas.openxmlformats.org/presentationml/2006/main">
   <p:cSld>
     <p:spTree>
@@ -5125,6 +4161,1642 @@
     <p:extLst>
       <p:ext uri="{BB962C8B-B14F-4D97-AF65-F5344CB8AC3E}">
         <p14:creationId xmlns:p14="http://schemas.microsoft.com/office/powerpoint/2010/main" val="1391752067"/>
+      </p:ext>
+    </p:extLst>
+  </p:cSld>
+  <p:clrMapOvr>
+    <a:masterClrMapping/>
+  </p:clrMapOvr>
+</p:sld>
+</file>
+
+<file path=ppt/slides/slide2.xml><?xml version="1.0" encoding="utf-8"?>
+<p:sld xmlns:a="http://schemas.openxmlformats.org/drawingml/2006/main" xmlns:r="http://schemas.openxmlformats.org/officeDocument/2006/relationships" xmlns:p="http://schemas.openxmlformats.org/presentationml/2006/main">
+  <p:cSld>
+    <p:spTree>
+      <p:nvGrpSpPr>
+        <p:cNvPr id="1" name=""/>
+        <p:cNvGrpSpPr/>
+        <p:nvPr/>
+      </p:nvGrpSpPr>
+      <p:grpSpPr>
+        <a:xfrm>
+          <a:off x="0" y="0"/>
+          <a:ext cx="0" cy="0"/>
+          <a:chOff x="0" y="0"/>
+          <a:chExt cx="0" cy="0"/>
+        </a:xfrm>
+      </p:grpSpPr>
+      <p:sp>
+        <p:nvSpPr>
+          <p:cNvPr id="2" name="Titre 1">
+            <a:extLst>
+              <a:ext uri="{FF2B5EF4-FFF2-40B4-BE49-F238E27FC236}">
+                <a16:creationId xmlns:a16="http://schemas.microsoft.com/office/drawing/2014/main" id="{439B3EB9-B75E-4928-9365-D5C6AFE346AD}"/>
+              </a:ext>
+            </a:extLst>
+          </p:cNvPr>
+          <p:cNvSpPr>
+            <a:spLocks noGrp="1"/>
+          </p:cNvSpPr>
+          <p:nvPr>
+            <p:ph type="title"/>
+          </p:nvPr>
+        </p:nvSpPr>
+        <p:spPr/>
+        <p:txBody>
+          <a:bodyPr>
+            <a:normAutofit/>
+          </a:bodyPr>
+          <a:lstStyle/>
+          <a:p>
+            <a:pPr algn="ctr"/>
+            <a:r>
+              <a:rPr lang="fr-FR" sz="7200" dirty="0">
+                <a:latin typeface="Times New Roman" panose="02020603050405020304" pitchFamily="18" charset="0"/>
+                <a:cs typeface="Times New Roman" panose="02020603050405020304" pitchFamily="18" charset="0"/>
+              </a:rPr>
+              <a:t>Sommaire</a:t>
+            </a:r>
+          </a:p>
+        </p:txBody>
+      </p:sp>
+      <p:sp>
+        <p:nvSpPr>
+          <p:cNvPr id="3" name="Espace réservé du contenu 2">
+            <a:extLst>
+              <a:ext uri="{FF2B5EF4-FFF2-40B4-BE49-F238E27FC236}">
+                <a16:creationId xmlns:a16="http://schemas.microsoft.com/office/drawing/2014/main" id="{19B3456E-A94C-460C-8855-6C3CA9F662A1}"/>
+              </a:ext>
+            </a:extLst>
+          </p:cNvPr>
+          <p:cNvSpPr>
+            <a:spLocks noGrp="1"/>
+          </p:cNvSpPr>
+          <p:nvPr>
+            <p:ph idx="1"/>
+          </p:nvPr>
+        </p:nvSpPr>
+        <p:spPr>
+          <a:xfrm>
+            <a:off x="838200" y="2090667"/>
+            <a:ext cx="10515600" cy="3780045"/>
+          </a:xfrm>
+        </p:spPr>
+        <p:txBody>
+          <a:bodyPr>
+            <a:normAutofit lnSpcReduction="10000"/>
+          </a:bodyPr>
+          <a:lstStyle/>
+          <a:p>
+            <a:pPr marL="0" indent="0" algn="ctr">
+              <a:buNone/>
+            </a:pPr>
+            <a:r>
+              <a:rPr lang="fr-FR" sz="3200" dirty="0">
+                <a:latin typeface="Times New Roman" panose="02020603050405020304" pitchFamily="18" charset="0"/>
+                <a:cs typeface="Times New Roman" panose="02020603050405020304" pitchFamily="18" charset="0"/>
+              </a:rPr>
+              <a:t>I-Compréhension  du projet</a:t>
+            </a:r>
+          </a:p>
+          <a:p>
+            <a:pPr marL="0" indent="0" algn="ctr">
+              <a:buNone/>
+            </a:pPr>
+            <a:r>
+              <a:rPr lang="fr-FR" sz="3200" dirty="0">
+                <a:latin typeface="Times New Roman" panose="02020603050405020304" pitchFamily="18" charset="0"/>
+                <a:cs typeface="Times New Roman" panose="02020603050405020304" pitchFamily="18" charset="0"/>
+              </a:rPr>
+              <a:t>II-Analyse UML</a:t>
+            </a:r>
+          </a:p>
+          <a:p>
+            <a:pPr marL="0" indent="0" algn="ctr">
+              <a:buNone/>
+            </a:pPr>
+            <a:r>
+              <a:rPr lang="fr-FR" sz="3200" dirty="0">
+                <a:latin typeface="Times New Roman" panose="02020603050405020304" pitchFamily="18" charset="0"/>
+                <a:cs typeface="Times New Roman" panose="02020603050405020304" pitchFamily="18" charset="0"/>
+              </a:rPr>
+              <a:t>III-Outils employé</a:t>
+            </a:r>
+          </a:p>
+          <a:p>
+            <a:pPr marL="0" indent="0" algn="ctr">
+              <a:buNone/>
+            </a:pPr>
+            <a:r>
+              <a:rPr lang="fr-FR" sz="3200" dirty="0">
+                <a:latin typeface="Times New Roman" panose="02020603050405020304" pitchFamily="18" charset="0"/>
+                <a:cs typeface="Times New Roman" panose="02020603050405020304" pitchFamily="18" charset="0"/>
+              </a:rPr>
+              <a:t>IV-Répartitions du travail dans l’équipe</a:t>
+            </a:r>
+          </a:p>
+          <a:p>
+            <a:pPr marL="0" indent="0" algn="ctr">
+              <a:buNone/>
+            </a:pPr>
+            <a:r>
+              <a:rPr lang="fr-FR" sz="3200" dirty="0">
+                <a:latin typeface="Times New Roman" panose="02020603050405020304" pitchFamily="18" charset="0"/>
+                <a:cs typeface="Times New Roman" panose="02020603050405020304" pitchFamily="18" charset="0"/>
+              </a:rPr>
+              <a:t>V-Recherche</a:t>
+            </a:r>
+          </a:p>
+          <a:p>
+            <a:pPr marL="0" indent="0" algn="ctr">
+              <a:buNone/>
+            </a:pPr>
+            <a:r>
+              <a:rPr lang="fr-FR" sz="3200" dirty="0">
+                <a:latin typeface="Times New Roman" panose="02020603050405020304" pitchFamily="18" charset="0"/>
+                <a:cs typeface="Times New Roman" panose="02020603050405020304" pitchFamily="18" charset="0"/>
+              </a:rPr>
+              <a:t>VI-Organisation </a:t>
+            </a:r>
+          </a:p>
+          <a:p>
+            <a:pPr marL="0" indent="0" algn="ctr">
+              <a:buNone/>
+            </a:pPr>
+            <a:r>
+              <a:rPr lang="fr-FR" sz="3200" dirty="0">
+                <a:latin typeface="Times New Roman" panose="02020603050405020304" pitchFamily="18" charset="0"/>
+                <a:cs typeface="Times New Roman" panose="02020603050405020304" pitchFamily="18" charset="0"/>
+              </a:rPr>
+              <a:t>VII-Déploiement</a:t>
+            </a:r>
+          </a:p>
+          <a:p>
+            <a:pPr marL="0" indent="0" algn="ctr">
+              <a:buNone/>
+            </a:pPr>
+            <a:endParaRPr lang="fr-FR" sz="3200" dirty="0">
+              <a:latin typeface="Times New Roman" panose="02020603050405020304" pitchFamily="18" charset="0"/>
+              <a:cs typeface="Times New Roman" panose="02020603050405020304" pitchFamily="18" charset="0"/>
+            </a:endParaRPr>
+          </a:p>
+        </p:txBody>
+      </p:sp>
+    </p:spTree>
+    <p:extLst>
+      <p:ext uri="{BB962C8B-B14F-4D97-AF65-F5344CB8AC3E}">
+        <p14:creationId xmlns:p14="http://schemas.microsoft.com/office/powerpoint/2010/main" val="3214627873"/>
+      </p:ext>
+    </p:extLst>
+  </p:cSld>
+  <p:clrMapOvr>
+    <a:masterClrMapping/>
+  </p:clrMapOvr>
+</p:sld>
+</file>
+
+<file path=ppt/slides/slide3.xml><?xml version="1.0" encoding="utf-8"?>
+<p:sld xmlns:a="http://schemas.openxmlformats.org/drawingml/2006/main" xmlns:r="http://schemas.openxmlformats.org/officeDocument/2006/relationships" xmlns:p="http://schemas.openxmlformats.org/presentationml/2006/main">
+  <p:cSld>
+    <p:spTree>
+      <p:nvGrpSpPr>
+        <p:cNvPr id="1" name=""/>
+        <p:cNvGrpSpPr/>
+        <p:nvPr/>
+      </p:nvGrpSpPr>
+      <p:grpSpPr>
+        <a:xfrm>
+          <a:off x="0" y="0"/>
+          <a:ext cx="0" cy="0"/>
+          <a:chOff x="0" y="0"/>
+          <a:chExt cx="0" cy="0"/>
+        </a:xfrm>
+      </p:grpSpPr>
+      <p:sp>
+        <p:nvSpPr>
+          <p:cNvPr id="2" name="Titre 1">
+            <a:extLst>
+              <a:ext uri="{FF2B5EF4-FFF2-40B4-BE49-F238E27FC236}">
+                <a16:creationId xmlns:a16="http://schemas.microsoft.com/office/drawing/2014/main" id="{F3FA34E6-9123-41C1-B71A-6E281CE7F789}"/>
+              </a:ext>
+            </a:extLst>
+          </p:cNvPr>
+          <p:cNvSpPr>
+            <a:spLocks noGrp="1"/>
+          </p:cNvSpPr>
+          <p:nvPr>
+            <p:ph type="title"/>
+          </p:nvPr>
+        </p:nvSpPr>
+        <p:spPr/>
+        <p:txBody>
+          <a:bodyPr/>
+          <a:lstStyle/>
+          <a:p>
+            <a:pPr algn="ctr"/>
+            <a:r>
+              <a:rPr lang="fr-FR" dirty="0">
+                <a:latin typeface="Times New Roman" panose="02020603050405020304" pitchFamily="18" charset="0"/>
+                <a:cs typeface="Times New Roman" panose="02020603050405020304" pitchFamily="18" charset="0"/>
+              </a:rPr>
+              <a:t>I-Compréhension du projet</a:t>
+            </a:r>
+            <a:br>
+              <a:rPr lang="fr-FR" dirty="0">
+                <a:latin typeface="Times New Roman" panose="02020603050405020304" pitchFamily="18" charset="0"/>
+                <a:cs typeface="Times New Roman" panose="02020603050405020304" pitchFamily="18" charset="0"/>
+              </a:rPr>
+            </a:br>
+            <a:endParaRPr lang="fr-FR" dirty="0"/>
+          </a:p>
+        </p:txBody>
+      </p:sp>
+      <p:sp>
+        <p:nvSpPr>
+          <p:cNvPr id="3" name="Espace réservé du contenu 2">
+            <a:extLst>
+              <a:ext uri="{FF2B5EF4-FFF2-40B4-BE49-F238E27FC236}">
+                <a16:creationId xmlns:a16="http://schemas.microsoft.com/office/drawing/2014/main" id="{755621CD-EFA9-4FAE-A5ED-3FEC9403EB7D}"/>
+              </a:ext>
+            </a:extLst>
+          </p:cNvPr>
+          <p:cNvSpPr>
+            <a:spLocks noGrp="1"/>
+          </p:cNvSpPr>
+          <p:nvPr>
+            <p:ph idx="1"/>
+          </p:nvPr>
+        </p:nvSpPr>
+        <p:spPr/>
+        <p:txBody>
+          <a:bodyPr/>
+          <a:lstStyle/>
+          <a:p>
+            <a:pPr algn="ctr">
+              <a:buFont typeface="Wingdings" panose="05000000000000000000" pitchFamily="2" charset="2"/>
+              <a:buChar char="Ø"/>
+            </a:pPr>
+            <a:r>
+              <a:rPr lang="fr-FR" dirty="0">
+                <a:latin typeface="Times New Roman" panose="02020603050405020304" pitchFamily="18" charset="0"/>
+                <a:cs typeface="Times New Roman" panose="02020603050405020304" pitchFamily="18" charset="0"/>
+              </a:rPr>
+              <a:t>Problématique: Comment réduire les couts énergétiques attribués à l’oublie de l’arrêt des systèmes de climatisations par les professeurs en fin de journée ?</a:t>
+            </a:r>
+          </a:p>
+          <a:p>
+            <a:pPr algn="ctr">
+              <a:buFont typeface="Wingdings" panose="05000000000000000000" pitchFamily="2" charset="2"/>
+              <a:buChar char="Ø"/>
+            </a:pPr>
+            <a:r>
+              <a:rPr lang="fr-FR" dirty="0">
+                <a:latin typeface="Times New Roman" panose="02020603050405020304" pitchFamily="18" charset="0"/>
+                <a:cs typeface="Times New Roman" panose="02020603050405020304" pitchFamily="18" charset="0"/>
+              </a:rPr>
+              <a:t>Horaire</a:t>
+            </a:r>
+          </a:p>
+          <a:p>
+            <a:pPr algn="ctr">
+              <a:buFont typeface="Wingdings" panose="05000000000000000000" pitchFamily="2" charset="2"/>
+              <a:buChar char="Ø"/>
+            </a:pPr>
+            <a:r>
+              <a:rPr lang="fr-FR" dirty="0">
+                <a:latin typeface="Times New Roman" panose="02020603050405020304" pitchFamily="18" charset="0"/>
+                <a:cs typeface="Times New Roman" panose="02020603050405020304" pitchFamily="18" charset="0"/>
+              </a:rPr>
+              <a:t>Contrôle à distance </a:t>
+            </a:r>
+          </a:p>
+          <a:p>
+            <a:pPr algn="ctr">
+              <a:buFont typeface="Wingdings" panose="05000000000000000000" pitchFamily="2" charset="2"/>
+              <a:buChar char="Ø"/>
+            </a:pPr>
+            <a:r>
+              <a:rPr lang="fr-FR" dirty="0">
+                <a:latin typeface="Times New Roman" panose="02020603050405020304" pitchFamily="18" charset="0"/>
+                <a:cs typeface="Times New Roman" panose="02020603050405020304" pitchFamily="18" charset="0"/>
+              </a:rPr>
+              <a:t>Wifi</a:t>
+            </a:r>
+          </a:p>
+          <a:p>
+            <a:pPr algn="ctr">
+              <a:buFont typeface="Wingdings" panose="05000000000000000000" pitchFamily="2" charset="2"/>
+              <a:buChar char="Ø"/>
+            </a:pPr>
+            <a:r>
+              <a:rPr lang="fr-FR" dirty="0">
+                <a:latin typeface="Times New Roman" panose="02020603050405020304" pitchFamily="18" charset="0"/>
+                <a:cs typeface="Times New Roman" panose="02020603050405020304" pitchFamily="18" charset="0"/>
+              </a:rPr>
+              <a:t>Température</a:t>
+            </a:r>
+          </a:p>
+        </p:txBody>
+      </p:sp>
+    </p:spTree>
+    <p:extLst>
+      <p:ext uri="{BB962C8B-B14F-4D97-AF65-F5344CB8AC3E}">
+        <p14:creationId xmlns:p14="http://schemas.microsoft.com/office/powerpoint/2010/main" val="170871844"/>
+      </p:ext>
+    </p:extLst>
+  </p:cSld>
+  <p:clrMapOvr>
+    <a:masterClrMapping/>
+  </p:clrMapOvr>
+</p:sld>
+</file>
+
+<file path=ppt/slides/slide4.xml><?xml version="1.0" encoding="utf-8"?>
+<p:sld xmlns:a="http://schemas.openxmlformats.org/drawingml/2006/main" xmlns:r="http://schemas.openxmlformats.org/officeDocument/2006/relationships" xmlns:p="http://schemas.openxmlformats.org/presentationml/2006/main">
+  <p:cSld>
+    <p:spTree>
+      <p:nvGrpSpPr>
+        <p:cNvPr id="1" name=""/>
+        <p:cNvGrpSpPr/>
+        <p:nvPr/>
+      </p:nvGrpSpPr>
+      <p:grpSpPr>
+        <a:xfrm>
+          <a:off x="0" y="0"/>
+          <a:ext cx="0" cy="0"/>
+          <a:chOff x="0" y="0"/>
+          <a:chExt cx="0" cy="0"/>
+        </a:xfrm>
+      </p:grpSpPr>
+      <p:sp>
+        <p:nvSpPr>
+          <p:cNvPr id="2" name="Titre 1">
+            <a:extLst>
+              <a:ext uri="{FF2B5EF4-FFF2-40B4-BE49-F238E27FC236}">
+                <a16:creationId xmlns:a16="http://schemas.microsoft.com/office/drawing/2014/main" id="{100D1E35-160D-496B-A949-A43C693D151D}"/>
+              </a:ext>
+            </a:extLst>
+          </p:cNvPr>
+          <p:cNvSpPr>
+            <a:spLocks noGrp="1"/>
+          </p:cNvSpPr>
+          <p:nvPr>
+            <p:ph type="title"/>
+          </p:nvPr>
+        </p:nvSpPr>
+        <p:spPr/>
+        <p:txBody>
+          <a:bodyPr/>
+          <a:lstStyle/>
+          <a:p>
+            <a:pPr algn="ctr"/>
+            <a:r>
+              <a:rPr lang="fr-FR" dirty="0">
+                <a:latin typeface="Times New Roman" panose="02020603050405020304" pitchFamily="18" charset="0"/>
+                <a:cs typeface="Times New Roman" panose="02020603050405020304" pitchFamily="18" charset="0"/>
+              </a:rPr>
+              <a:t>II-Analyse UML</a:t>
+            </a:r>
+            <a:br>
+              <a:rPr lang="fr-FR" dirty="0">
+                <a:latin typeface="Times New Roman" panose="02020603050405020304" pitchFamily="18" charset="0"/>
+                <a:cs typeface="Times New Roman" panose="02020603050405020304" pitchFamily="18" charset="0"/>
+              </a:rPr>
+            </a:br>
+            <a:endParaRPr lang="fr-FR" dirty="0"/>
+          </a:p>
+        </p:txBody>
+      </p:sp>
+      <p:pic>
+        <p:nvPicPr>
+          <p:cNvPr id="5" name="Espace réservé du contenu 4">
+            <a:extLst>
+              <a:ext uri="{FF2B5EF4-FFF2-40B4-BE49-F238E27FC236}">
+                <a16:creationId xmlns:a16="http://schemas.microsoft.com/office/drawing/2014/main" id="{1FFA93F7-85C7-45DC-AE36-B54696BE67EE}"/>
+              </a:ext>
+            </a:extLst>
+          </p:cNvPr>
+          <p:cNvPicPr>
+            <a:picLocks noGrp="1" noChangeAspect="1"/>
+          </p:cNvPicPr>
+          <p:nvPr>
+            <p:ph idx="1"/>
+          </p:nvPr>
+        </p:nvPicPr>
+        <p:blipFill>
+          <a:blip r:embed="rId2"/>
+          <a:stretch>
+            <a:fillRect/>
+          </a:stretch>
+        </p:blipFill>
+        <p:spPr>
+          <a:xfrm>
+            <a:off x="1620982" y="1231044"/>
+            <a:ext cx="8132618" cy="4945919"/>
+          </a:xfrm>
+          <a:prstGeom prst="rect">
+            <a:avLst/>
+          </a:prstGeom>
+        </p:spPr>
+      </p:pic>
+      <p:sp>
+        <p:nvSpPr>
+          <p:cNvPr id="3" name="ZoneTexte 2">
+            <a:extLst>
+              <a:ext uri="{FF2B5EF4-FFF2-40B4-BE49-F238E27FC236}">
+                <a16:creationId xmlns:a16="http://schemas.microsoft.com/office/drawing/2014/main" id="{BFD6A630-9F03-40BB-A0A9-100AC6D6E7D6}"/>
+              </a:ext>
+            </a:extLst>
+          </p:cNvPr>
+          <p:cNvSpPr txBox="1"/>
+          <p:nvPr/>
+        </p:nvSpPr>
+        <p:spPr>
+          <a:xfrm>
+            <a:off x="1717964" y="1616425"/>
+            <a:ext cx="1593272" cy="369332"/>
+          </a:xfrm>
+          <a:prstGeom prst="rect">
+            <a:avLst/>
+          </a:prstGeom>
+          <a:noFill/>
+        </p:spPr>
+        <p:txBody>
+          <a:bodyPr wrap="square" rtlCol="0">
+            <a:spAutoFit/>
+          </a:bodyPr>
+          <a:lstStyle/>
+          <a:p>
+            <a:pPr algn="ctr"/>
+            <a:r>
+              <a:rPr lang="fr-FR"/>
+              <a:t>Etudiant 1</a:t>
+            </a:r>
+            <a:endParaRPr lang="fr-FR" dirty="0"/>
+          </a:p>
+        </p:txBody>
+      </p:sp>
+      <p:sp>
+        <p:nvSpPr>
+          <p:cNvPr id="4" name="ZoneTexte 3">
+            <a:extLst>
+              <a:ext uri="{FF2B5EF4-FFF2-40B4-BE49-F238E27FC236}">
+                <a16:creationId xmlns:a16="http://schemas.microsoft.com/office/drawing/2014/main" id="{229F5AE8-7CD0-4A02-A18A-FD66616C465E}"/>
+              </a:ext>
+            </a:extLst>
+          </p:cNvPr>
+          <p:cNvSpPr txBox="1"/>
+          <p:nvPr/>
+        </p:nvSpPr>
+        <p:spPr>
+          <a:xfrm>
+            <a:off x="3865418" y="1046378"/>
+            <a:ext cx="1316181" cy="369332"/>
+          </a:xfrm>
+          <a:prstGeom prst="rect">
+            <a:avLst/>
+          </a:prstGeom>
+          <a:noFill/>
+        </p:spPr>
+        <p:txBody>
+          <a:bodyPr wrap="square" rtlCol="0">
+            <a:spAutoFit/>
+          </a:bodyPr>
+          <a:lstStyle/>
+          <a:p>
+            <a:r>
+              <a:rPr lang="fr-FR" dirty="0"/>
+              <a:t>Etudiant 2</a:t>
+            </a:r>
+          </a:p>
+        </p:txBody>
+      </p:sp>
+      <p:sp>
+        <p:nvSpPr>
+          <p:cNvPr id="6" name="ZoneTexte 5">
+            <a:extLst>
+              <a:ext uri="{FF2B5EF4-FFF2-40B4-BE49-F238E27FC236}">
+                <a16:creationId xmlns:a16="http://schemas.microsoft.com/office/drawing/2014/main" id="{FA76F494-C5AD-4E39-8FEB-766D88E1ED0A}"/>
+              </a:ext>
+            </a:extLst>
+          </p:cNvPr>
+          <p:cNvSpPr txBox="1"/>
+          <p:nvPr/>
+        </p:nvSpPr>
+        <p:spPr>
+          <a:xfrm>
+            <a:off x="5777346" y="2216726"/>
+            <a:ext cx="1496290" cy="369332"/>
+          </a:xfrm>
+          <a:prstGeom prst="rect">
+            <a:avLst/>
+          </a:prstGeom>
+          <a:noFill/>
+        </p:spPr>
+        <p:txBody>
+          <a:bodyPr wrap="square" rtlCol="0">
+            <a:spAutoFit/>
+          </a:bodyPr>
+          <a:lstStyle/>
+          <a:p>
+            <a:pPr algn="ctr"/>
+            <a:r>
+              <a:rPr lang="fr-FR" dirty="0"/>
+              <a:t>Etudiant 1,2,3</a:t>
+            </a:r>
+          </a:p>
+        </p:txBody>
+      </p:sp>
+      <p:sp>
+        <p:nvSpPr>
+          <p:cNvPr id="7" name="ZoneTexte 6">
+            <a:extLst>
+              <a:ext uri="{FF2B5EF4-FFF2-40B4-BE49-F238E27FC236}">
+                <a16:creationId xmlns:a16="http://schemas.microsoft.com/office/drawing/2014/main" id="{93CF870F-5259-4716-93DD-360CFA760353}"/>
+              </a:ext>
+            </a:extLst>
+          </p:cNvPr>
+          <p:cNvSpPr txBox="1"/>
+          <p:nvPr/>
+        </p:nvSpPr>
+        <p:spPr>
+          <a:xfrm>
+            <a:off x="2937163" y="3893127"/>
+            <a:ext cx="1427019" cy="369332"/>
+          </a:xfrm>
+          <a:prstGeom prst="rect">
+            <a:avLst/>
+          </a:prstGeom>
+          <a:noFill/>
+        </p:spPr>
+        <p:txBody>
+          <a:bodyPr wrap="square" rtlCol="0">
+            <a:spAutoFit/>
+          </a:bodyPr>
+          <a:lstStyle/>
+          <a:p>
+            <a:r>
+              <a:rPr lang="fr-FR" dirty="0"/>
+              <a:t>Etudiant 2</a:t>
+            </a:r>
+          </a:p>
+        </p:txBody>
+      </p:sp>
+      <p:sp>
+        <p:nvSpPr>
+          <p:cNvPr id="8" name="ZoneTexte 7">
+            <a:extLst>
+              <a:ext uri="{FF2B5EF4-FFF2-40B4-BE49-F238E27FC236}">
+                <a16:creationId xmlns:a16="http://schemas.microsoft.com/office/drawing/2014/main" id="{BCF05F3F-1C4C-41E4-9DDA-3D01DFA4B58A}"/>
+              </a:ext>
+            </a:extLst>
+          </p:cNvPr>
+          <p:cNvSpPr txBox="1"/>
+          <p:nvPr/>
+        </p:nvSpPr>
+        <p:spPr>
+          <a:xfrm>
+            <a:off x="5680363" y="4262459"/>
+            <a:ext cx="1496290" cy="369332"/>
+          </a:xfrm>
+          <a:prstGeom prst="rect">
+            <a:avLst/>
+          </a:prstGeom>
+          <a:noFill/>
+        </p:spPr>
+        <p:txBody>
+          <a:bodyPr wrap="square" rtlCol="0">
+            <a:spAutoFit/>
+          </a:bodyPr>
+          <a:lstStyle/>
+          <a:p>
+            <a:pPr algn="ctr"/>
+            <a:r>
+              <a:rPr lang="fr-FR" dirty="0"/>
+              <a:t>Etudiant 3</a:t>
+            </a:r>
+          </a:p>
+        </p:txBody>
+      </p:sp>
+      <p:sp>
+        <p:nvSpPr>
+          <p:cNvPr id="9" name="ZoneTexte 8">
+            <a:extLst>
+              <a:ext uri="{FF2B5EF4-FFF2-40B4-BE49-F238E27FC236}">
+                <a16:creationId xmlns:a16="http://schemas.microsoft.com/office/drawing/2014/main" id="{A1C385BF-8EE9-4B78-810A-8659E75F3274}"/>
+              </a:ext>
+            </a:extLst>
+          </p:cNvPr>
+          <p:cNvSpPr txBox="1"/>
+          <p:nvPr/>
+        </p:nvSpPr>
+        <p:spPr>
+          <a:xfrm>
+            <a:off x="8035636" y="2951018"/>
+            <a:ext cx="1482437" cy="369332"/>
+          </a:xfrm>
+          <a:prstGeom prst="rect">
+            <a:avLst/>
+          </a:prstGeom>
+          <a:noFill/>
+        </p:spPr>
+        <p:txBody>
+          <a:bodyPr wrap="square" rtlCol="0">
+            <a:spAutoFit/>
+          </a:bodyPr>
+          <a:lstStyle/>
+          <a:p>
+            <a:pPr algn="ctr"/>
+            <a:r>
+              <a:rPr lang="fr-FR" dirty="0"/>
+              <a:t>Etudiant 3</a:t>
+            </a:r>
+          </a:p>
+        </p:txBody>
+      </p:sp>
+    </p:spTree>
+    <p:extLst>
+      <p:ext uri="{BB962C8B-B14F-4D97-AF65-F5344CB8AC3E}">
+        <p14:creationId xmlns:p14="http://schemas.microsoft.com/office/powerpoint/2010/main" val="3484329750"/>
+      </p:ext>
+    </p:extLst>
+  </p:cSld>
+  <p:clrMapOvr>
+    <a:masterClrMapping/>
+  </p:clrMapOvr>
+</p:sld>
+</file>
+
+<file path=ppt/slides/slide5.xml><?xml version="1.0" encoding="utf-8"?>
+<p:sld xmlns:a="http://schemas.openxmlformats.org/drawingml/2006/main" xmlns:r="http://schemas.openxmlformats.org/officeDocument/2006/relationships" xmlns:p="http://schemas.openxmlformats.org/presentationml/2006/main">
+  <p:cSld>
+    <p:spTree>
+      <p:nvGrpSpPr>
+        <p:cNvPr id="1" name=""/>
+        <p:cNvGrpSpPr/>
+        <p:nvPr/>
+      </p:nvGrpSpPr>
+      <p:grpSpPr>
+        <a:xfrm>
+          <a:off x="0" y="0"/>
+          <a:ext cx="0" cy="0"/>
+          <a:chOff x="0" y="0"/>
+          <a:chExt cx="0" cy="0"/>
+        </a:xfrm>
+      </p:grpSpPr>
+      <p:sp>
+        <p:nvSpPr>
+          <p:cNvPr id="2" name="Titre 1">
+            <a:extLst>
+              <a:ext uri="{FF2B5EF4-FFF2-40B4-BE49-F238E27FC236}">
+                <a16:creationId xmlns:a16="http://schemas.microsoft.com/office/drawing/2014/main" id="{D247EB4C-8FF2-46C8-BD53-9DE15C9D120E}"/>
+              </a:ext>
+            </a:extLst>
+          </p:cNvPr>
+          <p:cNvSpPr>
+            <a:spLocks noGrp="1"/>
+          </p:cNvSpPr>
+          <p:nvPr>
+            <p:ph type="title"/>
+          </p:nvPr>
+        </p:nvSpPr>
+        <p:spPr/>
+        <p:txBody>
+          <a:bodyPr/>
+          <a:lstStyle/>
+          <a:p>
+            <a:pPr algn="ctr"/>
+            <a:r>
+              <a:rPr lang="fr-FR" dirty="0">
+                <a:latin typeface="Times New Roman" panose="02020603050405020304" pitchFamily="18" charset="0"/>
+                <a:cs typeface="Times New Roman" panose="02020603050405020304" pitchFamily="18" charset="0"/>
+              </a:rPr>
+              <a:t>III-Outils employé</a:t>
+            </a:r>
+            <a:br>
+              <a:rPr lang="fr-FR" dirty="0">
+                <a:latin typeface="Times New Roman" panose="02020603050405020304" pitchFamily="18" charset="0"/>
+                <a:cs typeface="Times New Roman" panose="02020603050405020304" pitchFamily="18" charset="0"/>
+              </a:rPr>
+            </a:br>
+            <a:endParaRPr lang="fr-FR" dirty="0"/>
+          </a:p>
+        </p:txBody>
+      </p:sp>
+      <p:sp>
+        <p:nvSpPr>
+          <p:cNvPr id="3" name="Espace réservé du contenu 2">
+            <a:extLst>
+              <a:ext uri="{FF2B5EF4-FFF2-40B4-BE49-F238E27FC236}">
+                <a16:creationId xmlns:a16="http://schemas.microsoft.com/office/drawing/2014/main" id="{1E26AF99-CE44-4B20-9B1D-A9735EF9FB60}"/>
+              </a:ext>
+            </a:extLst>
+          </p:cNvPr>
+          <p:cNvSpPr>
+            <a:spLocks noGrp="1"/>
+          </p:cNvSpPr>
+          <p:nvPr>
+            <p:ph idx="1"/>
+          </p:nvPr>
+        </p:nvSpPr>
+        <p:spPr/>
+        <p:txBody>
+          <a:bodyPr>
+            <a:normAutofit fontScale="77500" lnSpcReduction="20000"/>
+          </a:bodyPr>
+          <a:lstStyle/>
+          <a:p>
+            <a:pPr algn="ctr">
+              <a:buFont typeface="Wingdings" panose="05000000000000000000" pitchFamily="2" charset="2"/>
+              <a:buChar char="Ø"/>
+            </a:pPr>
+            <a:r>
+              <a:rPr lang="fr-FR" dirty="0"/>
+              <a:t>ESP8266 / Esp32, </a:t>
+            </a:r>
+          </a:p>
+          <a:p>
+            <a:pPr algn="ctr">
+              <a:buFont typeface="Wingdings" panose="05000000000000000000" pitchFamily="2" charset="2"/>
+              <a:buChar char="Ø"/>
+            </a:pPr>
+            <a:r>
+              <a:rPr lang="fr-FR" dirty="0"/>
+              <a:t>Lora</a:t>
+            </a:r>
+          </a:p>
+          <a:p>
+            <a:pPr algn="ctr">
+              <a:buFont typeface="Wingdings" panose="05000000000000000000" pitchFamily="2" charset="2"/>
+              <a:buChar char="Ø"/>
+            </a:pPr>
+            <a:r>
+              <a:rPr lang="fr-FR" dirty="0"/>
+              <a:t> </a:t>
+            </a:r>
+            <a:r>
+              <a:rPr lang="fr-FR" dirty="0" err="1"/>
+              <a:t>IRLab</a:t>
+            </a:r>
+            <a:r>
+              <a:rPr lang="fr-FR" dirty="0"/>
+              <a:t> </a:t>
+            </a:r>
+            <a:r>
+              <a:rPr lang="fr-FR" dirty="0" err="1"/>
+              <a:t>Usb</a:t>
+            </a:r>
+            <a:r>
+              <a:rPr lang="fr-FR" dirty="0"/>
+              <a:t> Infra Red Toy V2</a:t>
+            </a:r>
+          </a:p>
+          <a:p>
+            <a:pPr algn="ctr">
+              <a:buFont typeface="Wingdings" panose="05000000000000000000" pitchFamily="2" charset="2"/>
+              <a:buChar char="Ø"/>
+            </a:pPr>
+            <a:r>
+              <a:rPr lang="fr-FR" dirty="0" err="1"/>
+              <a:t>IrKit</a:t>
+            </a:r>
+            <a:endParaRPr lang="fr-FR" dirty="0"/>
+          </a:p>
+          <a:p>
+            <a:pPr algn="ctr">
+              <a:buFont typeface="Wingdings" panose="05000000000000000000" pitchFamily="2" charset="2"/>
+              <a:buChar char="Ø"/>
+            </a:pPr>
+            <a:r>
+              <a:rPr lang="fr-FR" dirty="0"/>
+              <a:t> Eclipse</a:t>
+            </a:r>
+          </a:p>
+          <a:p>
+            <a:pPr algn="ctr">
+              <a:buFont typeface="Wingdings" panose="05000000000000000000" pitchFamily="2" charset="2"/>
+              <a:buChar char="Ø"/>
+            </a:pPr>
+            <a:r>
+              <a:rPr lang="fr-FR" dirty="0" err="1"/>
+              <a:t>Arduini</a:t>
+            </a:r>
+            <a:r>
+              <a:rPr lang="fr-FR" dirty="0"/>
+              <a:t> Ide</a:t>
+            </a:r>
+          </a:p>
+          <a:p>
+            <a:pPr algn="ctr">
+              <a:buFont typeface="Wingdings" panose="05000000000000000000" pitchFamily="2" charset="2"/>
+              <a:buChar char="Ø"/>
+            </a:pPr>
+            <a:r>
+              <a:rPr lang="fr-FR" dirty="0"/>
+              <a:t> Git/</a:t>
+            </a:r>
+            <a:r>
+              <a:rPr lang="fr-FR" dirty="0" err="1"/>
+              <a:t>GitLab</a:t>
+            </a:r>
+            <a:r>
+              <a:rPr lang="fr-FR" dirty="0"/>
+              <a:t> </a:t>
+            </a:r>
+          </a:p>
+          <a:p>
+            <a:pPr algn="ctr">
+              <a:buFont typeface="Wingdings" panose="05000000000000000000" pitchFamily="2" charset="2"/>
+              <a:buChar char="Ø"/>
+            </a:pPr>
+            <a:r>
+              <a:rPr lang="fr-FR" dirty="0" err="1"/>
+              <a:t>Doxygen</a:t>
+            </a:r>
+            <a:endParaRPr lang="fr-FR" dirty="0"/>
+          </a:p>
+          <a:p>
+            <a:pPr algn="ctr">
+              <a:buFont typeface="Wingdings" panose="05000000000000000000" pitchFamily="2" charset="2"/>
+              <a:buChar char="Ø"/>
+            </a:pPr>
+            <a:r>
+              <a:rPr lang="fr-FR" dirty="0"/>
+              <a:t>Climatiseur </a:t>
+            </a:r>
+          </a:p>
+          <a:p>
+            <a:pPr algn="ctr">
+              <a:buFont typeface="Wingdings" panose="05000000000000000000" pitchFamily="2" charset="2"/>
+              <a:buChar char="Ø"/>
+            </a:pPr>
+            <a:r>
+              <a:rPr lang="fr-FR" dirty="0"/>
+              <a:t>Télécommande IR</a:t>
+            </a:r>
+          </a:p>
+          <a:p>
+            <a:pPr algn="ctr">
+              <a:buFont typeface="Wingdings" panose="05000000000000000000" pitchFamily="2" charset="2"/>
+              <a:buChar char="Ø"/>
+            </a:pPr>
+            <a:r>
+              <a:rPr lang="fr-FR" dirty="0"/>
+              <a:t>Smartphone</a:t>
+            </a:r>
+          </a:p>
+          <a:p>
+            <a:pPr algn="ctr">
+              <a:buFont typeface="Wingdings" panose="05000000000000000000" pitchFamily="2" charset="2"/>
+              <a:buChar char="Ø"/>
+            </a:pPr>
+            <a:r>
+              <a:rPr lang="fr-FR" dirty="0"/>
+              <a:t>Capteur température</a:t>
+            </a:r>
+          </a:p>
+          <a:p>
+            <a:endParaRPr lang="fr-FR" dirty="0"/>
+          </a:p>
+        </p:txBody>
+      </p:sp>
+    </p:spTree>
+    <p:extLst>
+      <p:ext uri="{BB962C8B-B14F-4D97-AF65-F5344CB8AC3E}">
+        <p14:creationId xmlns:p14="http://schemas.microsoft.com/office/powerpoint/2010/main" val="3591655415"/>
+      </p:ext>
+    </p:extLst>
+  </p:cSld>
+  <p:clrMapOvr>
+    <a:masterClrMapping/>
+  </p:clrMapOvr>
+</p:sld>
+</file>
+
+<file path=ppt/slides/slide6.xml><?xml version="1.0" encoding="utf-8"?>
+<p:sld xmlns:a="http://schemas.openxmlformats.org/drawingml/2006/main" xmlns:r="http://schemas.openxmlformats.org/officeDocument/2006/relationships" xmlns:p="http://schemas.openxmlformats.org/presentationml/2006/main">
+  <p:cSld>
+    <p:spTree>
+      <p:nvGrpSpPr>
+        <p:cNvPr id="1" name=""/>
+        <p:cNvGrpSpPr/>
+        <p:nvPr/>
+      </p:nvGrpSpPr>
+      <p:grpSpPr>
+        <a:xfrm>
+          <a:off x="0" y="0"/>
+          <a:ext cx="0" cy="0"/>
+          <a:chOff x="0" y="0"/>
+          <a:chExt cx="0" cy="0"/>
+        </a:xfrm>
+      </p:grpSpPr>
+      <p:sp>
+        <p:nvSpPr>
+          <p:cNvPr id="2" name="Titre 1">
+            <a:extLst>
+              <a:ext uri="{FF2B5EF4-FFF2-40B4-BE49-F238E27FC236}">
+                <a16:creationId xmlns:a16="http://schemas.microsoft.com/office/drawing/2014/main" id="{D2782044-0D4D-482D-B1BD-063C8F0ECE53}"/>
+              </a:ext>
+            </a:extLst>
+          </p:cNvPr>
+          <p:cNvSpPr>
+            <a:spLocks noGrp="1"/>
+          </p:cNvSpPr>
+          <p:nvPr>
+            <p:ph type="title"/>
+          </p:nvPr>
+        </p:nvSpPr>
+        <p:spPr/>
+        <p:txBody>
+          <a:bodyPr>
+            <a:normAutofit fontScale="90000"/>
+          </a:bodyPr>
+          <a:lstStyle/>
+          <a:p>
+            <a:pPr algn="ctr"/>
+            <a:r>
+              <a:rPr lang="fr-FR" dirty="0">
+                <a:latin typeface="Times New Roman" panose="02020603050405020304" pitchFamily="18" charset="0"/>
+                <a:cs typeface="Times New Roman" panose="02020603050405020304" pitchFamily="18" charset="0"/>
+              </a:rPr>
+              <a:t>IV-Répartitions du travail dans l’équipe</a:t>
+            </a:r>
+            <a:br>
+              <a:rPr lang="fr-FR" dirty="0">
+                <a:latin typeface="Times New Roman" panose="02020603050405020304" pitchFamily="18" charset="0"/>
+                <a:cs typeface="Times New Roman" panose="02020603050405020304" pitchFamily="18" charset="0"/>
+              </a:rPr>
+            </a:br>
+            <a:r>
+              <a:rPr lang="fr-FR" dirty="0">
+                <a:latin typeface="Times New Roman" panose="02020603050405020304" pitchFamily="18" charset="0"/>
+                <a:cs typeface="Times New Roman" panose="02020603050405020304" pitchFamily="18" charset="0"/>
+              </a:rPr>
+              <a:t>Etudiant 1</a:t>
+            </a:r>
+            <a:br>
+              <a:rPr lang="fr-FR" dirty="0">
+                <a:latin typeface="Times New Roman" panose="02020603050405020304" pitchFamily="18" charset="0"/>
+                <a:cs typeface="Times New Roman" panose="02020603050405020304" pitchFamily="18" charset="0"/>
+              </a:rPr>
+            </a:br>
+            <a:endParaRPr lang="fr-FR" dirty="0"/>
+          </a:p>
+        </p:txBody>
+      </p:sp>
+      <p:pic>
+        <p:nvPicPr>
+          <p:cNvPr id="6" name="Espace réservé du contenu 5">
+            <a:extLst>
+              <a:ext uri="{FF2B5EF4-FFF2-40B4-BE49-F238E27FC236}">
+                <a16:creationId xmlns:a16="http://schemas.microsoft.com/office/drawing/2014/main" id="{2A4AA6B9-4365-4173-A70C-EFC6BA5472F0}"/>
+              </a:ext>
+            </a:extLst>
+          </p:cNvPr>
+          <p:cNvPicPr>
+            <a:picLocks noGrp="1" noChangeAspect="1"/>
+          </p:cNvPicPr>
+          <p:nvPr>
+            <p:ph idx="1"/>
+          </p:nvPr>
+        </p:nvPicPr>
+        <p:blipFill>
+          <a:blip r:embed="rId2"/>
+          <a:stretch>
+            <a:fillRect/>
+          </a:stretch>
+        </p:blipFill>
+        <p:spPr>
+          <a:xfrm>
+            <a:off x="1462769" y="1236319"/>
+            <a:ext cx="8636329" cy="3515789"/>
+          </a:xfrm>
+          <a:prstGeom prst="rect">
+            <a:avLst/>
+          </a:prstGeom>
+        </p:spPr>
+      </p:pic>
+    </p:spTree>
+    <p:extLst>
+      <p:ext uri="{BB962C8B-B14F-4D97-AF65-F5344CB8AC3E}">
+        <p14:creationId xmlns:p14="http://schemas.microsoft.com/office/powerpoint/2010/main" val="3467792588"/>
+      </p:ext>
+    </p:extLst>
+  </p:cSld>
+  <p:clrMapOvr>
+    <a:masterClrMapping/>
+  </p:clrMapOvr>
+</p:sld>
+</file>
+
+<file path=ppt/slides/slide7.xml><?xml version="1.0" encoding="utf-8"?>
+<p:sld xmlns:a="http://schemas.openxmlformats.org/drawingml/2006/main" xmlns:r="http://schemas.openxmlformats.org/officeDocument/2006/relationships" xmlns:p="http://schemas.openxmlformats.org/presentationml/2006/main">
+  <p:cSld>
+    <p:spTree>
+      <p:nvGrpSpPr>
+        <p:cNvPr id="1" name=""/>
+        <p:cNvGrpSpPr/>
+        <p:nvPr/>
+      </p:nvGrpSpPr>
+      <p:grpSpPr>
+        <a:xfrm>
+          <a:off x="0" y="0"/>
+          <a:ext cx="0" cy="0"/>
+          <a:chOff x="0" y="0"/>
+          <a:chExt cx="0" cy="0"/>
+        </a:xfrm>
+      </p:grpSpPr>
+      <p:sp>
+        <p:nvSpPr>
+          <p:cNvPr id="2" name="Titre 1">
+            <a:extLst>
+              <a:ext uri="{FF2B5EF4-FFF2-40B4-BE49-F238E27FC236}">
+                <a16:creationId xmlns:a16="http://schemas.microsoft.com/office/drawing/2014/main" id="{719AC134-9EAD-473D-8DBF-384AAB6D152B}"/>
+              </a:ext>
+            </a:extLst>
+          </p:cNvPr>
+          <p:cNvSpPr>
+            <a:spLocks noGrp="1"/>
+          </p:cNvSpPr>
+          <p:nvPr>
+            <p:ph type="title"/>
+          </p:nvPr>
+        </p:nvSpPr>
+        <p:spPr>
+          <a:xfrm>
+            <a:off x="1714500" y="268865"/>
+            <a:ext cx="8763000" cy="770226"/>
+          </a:xfrm>
+        </p:spPr>
+        <p:txBody>
+          <a:bodyPr>
+            <a:normAutofit fontScale="90000"/>
+          </a:bodyPr>
+          <a:lstStyle/>
+          <a:p>
+            <a:pPr algn="ctr"/>
+            <a:r>
+              <a:rPr lang="fr-FR" dirty="0">
+                <a:latin typeface="Times New Roman" panose="02020603050405020304" pitchFamily="18" charset="0"/>
+                <a:cs typeface="Times New Roman" panose="02020603050405020304" pitchFamily="18" charset="0"/>
+              </a:rPr>
+              <a:t>Etudiant 2</a:t>
+            </a:r>
+          </a:p>
+        </p:txBody>
+      </p:sp>
+      <p:sp>
+        <p:nvSpPr>
+          <p:cNvPr id="5" name="Espace réservé du texte 4">
+            <a:extLst>
+              <a:ext uri="{FF2B5EF4-FFF2-40B4-BE49-F238E27FC236}">
+                <a16:creationId xmlns:a16="http://schemas.microsoft.com/office/drawing/2014/main" id="{DFDE92D6-422C-44C5-B38C-10D0E16C4F1A}"/>
+              </a:ext>
+            </a:extLst>
+          </p:cNvPr>
+          <p:cNvSpPr>
+            <a:spLocks noGrp="1"/>
+          </p:cNvSpPr>
+          <p:nvPr>
+            <p:ph type="body" idx="1"/>
+          </p:nvPr>
+        </p:nvSpPr>
+        <p:spPr>
+          <a:xfrm>
+            <a:off x="831850" y="4589463"/>
+            <a:ext cx="10515600" cy="2365519"/>
+          </a:xfrm>
+        </p:spPr>
+        <p:txBody>
+          <a:bodyPr>
+            <a:noAutofit/>
+          </a:bodyPr>
+          <a:lstStyle/>
+          <a:p>
+            <a:r>
+              <a:rPr lang="fr-FR" sz="1400" dirty="0">
+                <a:solidFill>
+                  <a:schemeClr val="tx1"/>
+                </a:solidFill>
+              </a:rPr>
+              <a:t>Idée:</a:t>
+            </a:r>
+          </a:p>
+          <a:p>
+            <a:r>
+              <a:rPr lang="fr-FR" sz="1400" dirty="0">
+                <a:solidFill>
+                  <a:schemeClr val="tx1"/>
+                </a:solidFill>
+              </a:rPr>
+              <a:t>Transmettre info capteur: </a:t>
+            </a:r>
+          </a:p>
+          <a:p>
+            <a:r>
+              <a:rPr lang="fr-FR" sz="1400" dirty="0">
+                <a:solidFill>
+                  <a:schemeClr val="tx1"/>
+                </a:solidFill>
+              </a:rPr>
+              <a:t>Recherche de capteur de température ( thermomètre connecté). </a:t>
+            </a:r>
+          </a:p>
+          <a:p>
+            <a:r>
+              <a:rPr lang="fr-FR" sz="1400" dirty="0">
+                <a:solidFill>
+                  <a:schemeClr val="tx1"/>
+                </a:solidFill>
+              </a:rPr>
+              <a:t>Recherche sur le code USSD: </a:t>
+            </a:r>
+          </a:p>
+          <a:p>
+            <a:r>
+              <a:rPr lang="fr-FR" sz="1400" dirty="0">
+                <a:solidFill>
+                  <a:schemeClr val="tx1"/>
+                </a:solidFill>
+              </a:rPr>
+              <a:t>Comment transmettre les information a un téléphone </a:t>
+            </a:r>
+            <a:r>
+              <a:rPr lang="fr-FR" sz="1400" dirty="0" err="1">
+                <a:solidFill>
+                  <a:schemeClr val="tx1"/>
+                </a:solidFill>
+              </a:rPr>
+              <a:t>android</a:t>
+            </a:r>
+            <a:r>
+              <a:rPr lang="fr-FR" sz="1400" dirty="0">
+                <a:solidFill>
+                  <a:schemeClr val="tx1"/>
+                </a:solidFill>
+              </a:rPr>
+              <a:t> </a:t>
+            </a:r>
+          </a:p>
+          <a:p>
+            <a:r>
+              <a:rPr lang="fr-FR" sz="1400" dirty="0">
+                <a:solidFill>
+                  <a:schemeClr val="tx1"/>
+                </a:solidFill>
+              </a:rPr>
+              <a:t>Recherche sur les logiciel pour créer une interface sur le smartphone: </a:t>
+            </a:r>
+            <a:r>
+              <a:rPr lang="fr-FR" sz="1400" dirty="0" err="1">
+                <a:solidFill>
+                  <a:schemeClr val="tx1"/>
+                </a:solidFill>
+              </a:rPr>
+              <a:t>qt</a:t>
+            </a:r>
+            <a:r>
+              <a:rPr lang="fr-FR" sz="1400" dirty="0">
+                <a:solidFill>
+                  <a:schemeClr val="tx1"/>
+                </a:solidFill>
+              </a:rPr>
+              <a:t> </a:t>
+            </a:r>
+            <a:r>
+              <a:rPr lang="fr-FR" sz="1400" dirty="0" err="1">
+                <a:solidFill>
+                  <a:schemeClr val="tx1"/>
+                </a:solidFill>
+              </a:rPr>
+              <a:t>creator</a:t>
+            </a:r>
+            <a:r>
+              <a:rPr lang="fr-FR" sz="1400" dirty="0">
+                <a:solidFill>
+                  <a:schemeClr val="tx1"/>
+                </a:solidFill>
+              </a:rPr>
+              <a:t> </a:t>
+            </a:r>
+          </a:p>
+          <a:p>
+            <a:r>
+              <a:rPr lang="fr-FR" sz="1400" dirty="0">
+                <a:solidFill>
+                  <a:schemeClr val="tx1"/>
+                </a:solidFill>
+              </a:rPr>
+              <a:t>Problème rencontré: avoir un accès constant à la wifi pour recevoir les info du capteur  et effectuer la  commande d’</a:t>
+            </a:r>
+            <a:r>
+              <a:rPr lang="fr-FR" sz="1400" dirty="0" err="1">
+                <a:solidFill>
+                  <a:schemeClr val="tx1"/>
+                </a:solidFill>
+              </a:rPr>
+              <a:t>arret</a:t>
+            </a:r>
+            <a:r>
+              <a:rPr lang="fr-FR" sz="1400" dirty="0">
+                <a:solidFill>
+                  <a:schemeClr val="tx1"/>
+                </a:solidFill>
+              </a:rPr>
+              <a:t>  de la clim</a:t>
+            </a:r>
+          </a:p>
+        </p:txBody>
+      </p:sp>
+      <p:pic>
+        <p:nvPicPr>
+          <p:cNvPr id="4" name="Espace réservé du contenu 3">
+            <a:extLst>
+              <a:ext uri="{FF2B5EF4-FFF2-40B4-BE49-F238E27FC236}">
+                <a16:creationId xmlns:a16="http://schemas.microsoft.com/office/drawing/2014/main" id="{EABA026A-51C8-4443-8ABF-6F4C3B37581E}"/>
+              </a:ext>
+            </a:extLst>
+          </p:cNvPr>
+          <p:cNvPicPr>
+            <a:picLocks noGrp="1" noChangeAspect="1"/>
+          </p:cNvPicPr>
+          <p:nvPr>
+            <p:ph idx="4294967295"/>
+          </p:nvPr>
+        </p:nvPicPr>
+        <p:blipFill>
+          <a:blip r:embed="rId2"/>
+          <a:stretch>
+            <a:fillRect/>
+          </a:stretch>
+        </p:blipFill>
+        <p:spPr>
+          <a:xfrm>
+            <a:off x="1862708" y="1039091"/>
+            <a:ext cx="8453884" cy="3030106"/>
+          </a:xfrm>
+          <a:prstGeom prst="rect">
+            <a:avLst/>
+          </a:prstGeom>
+        </p:spPr>
+      </p:pic>
+    </p:spTree>
+    <p:extLst>
+      <p:ext uri="{BB962C8B-B14F-4D97-AF65-F5344CB8AC3E}">
+        <p14:creationId xmlns:p14="http://schemas.microsoft.com/office/powerpoint/2010/main" val="561043603"/>
+      </p:ext>
+    </p:extLst>
+  </p:cSld>
+  <p:clrMapOvr>
+    <a:masterClrMapping/>
+  </p:clrMapOvr>
+</p:sld>
+</file>
+
+<file path=ppt/slides/slide8.xml><?xml version="1.0" encoding="utf-8"?>
+<p:sld xmlns:a="http://schemas.openxmlformats.org/drawingml/2006/main" xmlns:r="http://schemas.openxmlformats.org/officeDocument/2006/relationships" xmlns:p="http://schemas.openxmlformats.org/presentationml/2006/main">
+  <p:cSld>
+    <p:spTree>
+      <p:nvGrpSpPr>
+        <p:cNvPr id="1" name=""/>
+        <p:cNvGrpSpPr/>
+        <p:nvPr/>
+      </p:nvGrpSpPr>
+      <p:grpSpPr>
+        <a:xfrm>
+          <a:off x="0" y="0"/>
+          <a:ext cx="0" cy="0"/>
+          <a:chOff x="0" y="0"/>
+          <a:chExt cx="0" cy="0"/>
+        </a:xfrm>
+      </p:grpSpPr>
+      <p:sp>
+        <p:nvSpPr>
+          <p:cNvPr id="2" name="Titre 1">
+            <a:extLst>
+              <a:ext uri="{FF2B5EF4-FFF2-40B4-BE49-F238E27FC236}">
+                <a16:creationId xmlns:a16="http://schemas.microsoft.com/office/drawing/2014/main" id="{97942448-59AD-4660-983D-F642EFE12C96}"/>
+              </a:ext>
+            </a:extLst>
+          </p:cNvPr>
+          <p:cNvSpPr>
+            <a:spLocks noGrp="1"/>
+          </p:cNvSpPr>
+          <p:nvPr>
+            <p:ph type="ctrTitle"/>
+          </p:nvPr>
+        </p:nvSpPr>
+        <p:spPr>
+          <a:xfrm>
+            <a:off x="1524000" y="199159"/>
+            <a:ext cx="9144000" cy="831128"/>
+          </a:xfrm>
+        </p:spPr>
+        <p:txBody>
+          <a:bodyPr>
+            <a:normAutofit fontScale="90000"/>
+          </a:bodyPr>
+          <a:lstStyle/>
+          <a:p>
+            <a:pPr algn="ctr"/>
+            <a:r>
+              <a:rPr lang="fr-FR" dirty="0">
+                <a:latin typeface="Times New Roman" panose="02020603050405020304" pitchFamily="18" charset="0"/>
+                <a:cs typeface="Times New Roman" panose="02020603050405020304" pitchFamily="18" charset="0"/>
+              </a:rPr>
+              <a:t>Etudiant 3</a:t>
+            </a:r>
+          </a:p>
+        </p:txBody>
+      </p:sp>
+      <p:sp>
+        <p:nvSpPr>
+          <p:cNvPr id="5" name="Sous-titre 4">
+            <a:extLst>
+              <a:ext uri="{FF2B5EF4-FFF2-40B4-BE49-F238E27FC236}">
+                <a16:creationId xmlns:a16="http://schemas.microsoft.com/office/drawing/2014/main" id="{1A4FF2BE-ABC3-4193-B560-C1E6F2CC17FD}"/>
+              </a:ext>
+            </a:extLst>
+          </p:cNvPr>
+          <p:cNvSpPr>
+            <a:spLocks noGrp="1"/>
+          </p:cNvSpPr>
+          <p:nvPr>
+            <p:ph type="subTitle" idx="1"/>
+          </p:nvPr>
+        </p:nvSpPr>
+        <p:spPr>
+          <a:xfrm>
+            <a:off x="1524000" y="3602038"/>
+            <a:ext cx="9144000" cy="2396980"/>
+          </a:xfrm>
+        </p:spPr>
+        <p:txBody>
+          <a:bodyPr>
+            <a:normAutofit/>
+          </a:bodyPr>
+          <a:lstStyle/>
+          <a:p>
+            <a:pPr algn="l"/>
+            <a:r>
+              <a:rPr lang="fr-FR" sz="2600" dirty="0"/>
+              <a:t>Idée : </a:t>
+            </a:r>
+          </a:p>
+          <a:p>
+            <a:pPr algn="l"/>
+            <a:r>
+              <a:rPr lang="fr-FR" sz="2600" dirty="0"/>
+              <a:t>Utilisation de MySQL</a:t>
+            </a:r>
+          </a:p>
+          <a:p>
+            <a:pPr algn="l"/>
+            <a:r>
+              <a:rPr lang="fr-FR" sz="2600" dirty="0"/>
+              <a:t>Et de GTKMM</a:t>
+            </a:r>
+          </a:p>
+          <a:p>
+            <a:pPr algn="l"/>
+            <a:r>
+              <a:rPr lang="fr-FR" sz="2600" dirty="0"/>
+              <a:t>Difficulté rencontrer : </a:t>
+            </a:r>
+          </a:p>
+          <a:p>
+            <a:pPr algn="l"/>
+            <a:r>
+              <a:rPr lang="fr-FR" sz="2600" dirty="0"/>
+              <a:t>Installation des </a:t>
+            </a:r>
+            <a:r>
+              <a:rPr lang="fr-FR" sz="2600" dirty="0" err="1"/>
+              <a:t>different</a:t>
+            </a:r>
+            <a:r>
+              <a:rPr lang="fr-FR" sz="2600" dirty="0"/>
+              <a:t> logicielle</a:t>
+            </a:r>
+          </a:p>
+          <a:p>
+            <a:endParaRPr lang="fr-FR" dirty="0"/>
+          </a:p>
+        </p:txBody>
+      </p:sp>
+      <p:pic>
+        <p:nvPicPr>
+          <p:cNvPr id="4" name="Espace réservé du contenu 3">
+            <a:extLst>
+              <a:ext uri="{FF2B5EF4-FFF2-40B4-BE49-F238E27FC236}">
+                <a16:creationId xmlns:a16="http://schemas.microsoft.com/office/drawing/2014/main" id="{B8743128-1158-4EE4-AD6B-A8DF404AEE13}"/>
+              </a:ext>
+            </a:extLst>
+          </p:cNvPr>
+          <p:cNvPicPr>
+            <a:picLocks noGrp="1" noChangeAspect="1"/>
+          </p:cNvPicPr>
+          <p:nvPr>
+            <p:ph idx="4294967295"/>
+          </p:nvPr>
+        </p:nvPicPr>
+        <p:blipFill>
+          <a:blip r:embed="rId2"/>
+          <a:stretch>
+            <a:fillRect/>
+          </a:stretch>
+        </p:blipFill>
+        <p:spPr>
+          <a:xfrm>
+            <a:off x="3048000" y="1531937"/>
+            <a:ext cx="6096000" cy="1724025"/>
+          </a:xfrm>
+          <a:prstGeom prst="rect">
+            <a:avLst/>
+          </a:prstGeom>
+        </p:spPr>
+      </p:pic>
+    </p:spTree>
+    <p:extLst>
+      <p:ext uri="{BB962C8B-B14F-4D97-AF65-F5344CB8AC3E}">
+        <p14:creationId xmlns:p14="http://schemas.microsoft.com/office/powerpoint/2010/main" val="4220110137"/>
+      </p:ext>
+    </p:extLst>
+  </p:cSld>
+  <p:clrMapOvr>
+    <a:masterClrMapping/>
+  </p:clrMapOvr>
+</p:sld>
+</file>
+
+<file path=ppt/slides/slide9.xml><?xml version="1.0" encoding="utf-8"?>
+<p:sld xmlns:a="http://schemas.openxmlformats.org/drawingml/2006/main" xmlns:r="http://schemas.openxmlformats.org/officeDocument/2006/relationships" xmlns:p="http://schemas.openxmlformats.org/presentationml/2006/main">
+  <p:cSld>
+    <p:spTree>
+      <p:nvGrpSpPr>
+        <p:cNvPr id="1" name=""/>
+        <p:cNvGrpSpPr/>
+        <p:nvPr/>
+      </p:nvGrpSpPr>
+      <p:grpSpPr>
+        <a:xfrm>
+          <a:off x="0" y="0"/>
+          <a:ext cx="0" cy="0"/>
+          <a:chOff x="0" y="0"/>
+          <a:chExt cx="0" cy="0"/>
+        </a:xfrm>
+      </p:grpSpPr>
+      <p:sp>
+        <p:nvSpPr>
+          <p:cNvPr id="2" name="Titre 1">
+            <a:extLst>
+              <a:ext uri="{FF2B5EF4-FFF2-40B4-BE49-F238E27FC236}">
+                <a16:creationId xmlns:a16="http://schemas.microsoft.com/office/drawing/2014/main" id="{5F51189D-6455-4170-A21A-0FBB562A0281}"/>
+              </a:ext>
+            </a:extLst>
+          </p:cNvPr>
+          <p:cNvSpPr>
+            <a:spLocks noGrp="1"/>
+          </p:cNvSpPr>
+          <p:nvPr>
+            <p:ph type="title"/>
+          </p:nvPr>
+        </p:nvSpPr>
+        <p:spPr/>
+        <p:txBody>
+          <a:bodyPr/>
+          <a:lstStyle/>
+          <a:p>
+            <a:pPr algn="ctr"/>
+            <a:r>
+              <a:rPr lang="fr-FR" dirty="0">
+                <a:latin typeface="Times New Roman" panose="02020603050405020304" pitchFamily="18" charset="0"/>
+                <a:cs typeface="Times New Roman" panose="02020603050405020304" pitchFamily="18" charset="0"/>
+              </a:rPr>
+              <a:t>V-Recherche</a:t>
+            </a:r>
+            <a:br>
+              <a:rPr lang="fr-FR" dirty="0">
+                <a:latin typeface="Times New Roman" panose="02020603050405020304" pitchFamily="18" charset="0"/>
+                <a:cs typeface="Times New Roman" panose="02020603050405020304" pitchFamily="18" charset="0"/>
+              </a:rPr>
+            </a:br>
+            <a:endParaRPr lang="fr-FR" dirty="0"/>
+          </a:p>
+        </p:txBody>
+      </p:sp>
+      <p:pic>
+        <p:nvPicPr>
+          <p:cNvPr id="4" name="Espace réservé du contenu 3">
+            <a:extLst>
+              <a:ext uri="{FF2B5EF4-FFF2-40B4-BE49-F238E27FC236}">
+                <a16:creationId xmlns:a16="http://schemas.microsoft.com/office/drawing/2014/main" id="{62559328-168F-4D3D-9DCB-D235E7951ADE}"/>
+              </a:ext>
+            </a:extLst>
+          </p:cNvPr>
+          <p:cNvPicPr>
+            <a:picLocks noGrp="1" noChangeAspect="1"/>
+          </p:cNvPicPr>
+          <p:nvPr>
+            <p:ph idx="1"/>
+          </p:nvPr>
+        </p:nvPicPr>
+        <p:blipFill>
+          <a:blip r:embed="rId2"/>
+          <a:stretch>
+            <a:fillRect/>
+          </a:stretch>
+        </p:blipFill>
+        <p:spPr>
+          <a:xfrm>
+            <a:off x="3214256" y="1592972"/>
+            <a:ext cx="5578914" cy="2314580"/>
+          </a:xfrm>
+          <a:prstGeom prst="rect">
+            <a:avLst/>
+          </a:prstGeom>
+        </p:spPr>
+      </p:pic>
+      <p:sp>
+        <p:nvSpPr>
+          <p:cNvPr id="5" name="ZoneTexte 4">
+            <a:extLst>
+              <a:ext uri="{FF2B5EF4-FFF2-40B4-BE49-F238E27FC236}">
+                <a16:creationId xmlns:a16="http://schemas.microsoft.com/office/drawing/2014/main" id="{DA1DC749-4631-410A-8B30-B6D8F090AE16}"/>
+              </a:ext>
+            </a:extLst>
+          </p:cNvPr>
+          <p:cNvSpPr txBox="1"/>
+          <p:nvPr/>
+        </p:nvSpPr>
+        <p:spPr>
+          <a:xfrm>
+            <a:off x="2835965" y="3907552"/>
+            <a:ext cx="6520069" cy="2308324"/>
+          </a:xfrm>
+          <a:prstGeom prst="rect">
+            <a:avLst/>
+          </a:prstGeom>
+          <a:noFill/>
+        </p:spPr>
+        <p:txBody>
+          <a:bodyPr wrap="square" rtlCol="0">
+            <a:spAutoFit/>
+          </a:bodyPr>
+          <a:lstStyle/>
+          <a:p>
+            <a:pPr marL="285750" indent="-285750" algn="ctr">
+              <a:buFont typeface="Arial" panose="020B0604020202020204" pitchFamily="34" charset="0"/>
+              <a:buChar char="•"/>
+            </a:pPr>
+            <a:r>
+              <a:rPr lang="fr-FR" b="1" dirty="0"/>
+              <a:t>Difficultés rencontrées :</a:t>
+            </a:r>
+          </a:p>
+          <a:p>
+            <a:r>
+              <a:rPr lang="fr-FR" dirty="0"/>
+              <a:t>trouver la bonne librairie IR</a:t>
+            </a:r>
+            <a:br>
+              <a:rPr lang="fr-FR" dirty="0"/>
+            </a:br>
+            <a:r>
+              <a:rPr lang="fr-FR" dirty="0"/>
+              <a:t>Trouver Comment </a:t>
+            </a:r>
+            <a:r>
+              <a:rPr lang="fr-FR" dirty="0" err="1"/>
+              <a:t>l'Ihm</a:t>
+            </a:r>
+            <a:r>
+              <a:rPr lang="fr-FR" dirty="0"/>
+              <a:t> va communiquer avec la clim</a:t>
+            </a:r>
+          </a:p>
+          <a:p>
+            <a:endParaRPr lang="fr-FR" dirty="0"/>
+          </a:p>
+          <a:p>
+            <a:endParaRPr lang="fr-FR" dirty="0"/>
+          </a:p>
+          <a:p>
+            <a:endParaRPr lang="fr-FR" dirty="0"/>
+          </a:p>
+          <a:p>
+            <a:endParaRPr lang="fr-FR" dirty="0"/>
+          </a:p>
+          <a:p>
+            <a:endParaRPr lang="fr-FR" dirty="0"/>
+          </a:p>
+        </p:txBody>
+      </p:sp>
+    </p:spTree>
+    <p:extLst>
+      <p:ext uri="{BB962C8B-B14F-4D97-AF65-F5344CB8AC3E}">
+        <p14:creationId xmlns:p14="http://schemas.microsoft.com/office/powerpoint/2010/main" val="3008587146"/>
       </p:ext>
     </p:extLst>
   </p:cSld>

--- a/e1/doc/2020_csg1-cdc-E1-rev-1.pptx
+++ b/e1/doc/2020_csg1-cdc-E1-rev-1.pptx
@@ -14,8 +14,10 @@
     <p:sldId id="267" r:id="rId8"/>
     <p:sldId id="268" r:id="rId9"/>
     <p:sldId id="263" r:id="rId10"/>
-    <p:sldId id="266" r:id="rId11"/>
-    <p:sldId id="264" r:id="rId12"/>
+    <p:sldId id="269" r:id="rId11"/>
+    <p:sldId id="270" r:id="rId12"/>
+    <p:sldId id="266" r:id="rId13"/>
+    <p:sldId id="264" r:id="rId14"/>
   </p:sldIdLst>
   <p:sldSz cx="12192000" cy="6858000"/>
   <p:notesSz cx="6858000" cy="9144000"/>
@@ -281,7 +283,7 @@
           <a:p>
             <a:fld id="{265737A6-0C94-4BE9-B714-1239DEB59EEE}" type="datetimeFigureOut">
               <a:rPr lang="fr-FR" smtClean="0"/>
-              <a:t>31/03/2020</a:t>
+              <a:t>05/04/2020</a:t>
             </a:fld>
             <a:endParaRPr lang="fr-FR"/>
           </a:p>
@@ -479,7 +481,7 @@
           <a:p>
             <a:fld id="{265737A6-0C94-4BE9-B714-1239DEB59EEE}" type="datetimeFigureOut">
               <a:rPr lang="fr-FR" smtClean="0"/>
-              <a:t>31/03/2020</a:t>
+              <a:t>05/04/2020</a:t>
             </a:fld>
             <a:endParaRPr lang="fr-FR"/>
           </a:p>
@@ -687,7 +689,7 @@
           <a:p>
             <a:fld id="{265737A6-0C94-4BE9-B714-1239DEB59EEE}" type="datetimeFigureOut">
               <a:rPr lang="fr-FR" smtClean="0"/>
-              <a:t>31/03/2020</a:t>
+              <a:t>05/04/2020</a:t>
             </a:fld>
             <a:endParaRPr lang="fr-FR"/>
           </a:p>
@@ -885,7 +887,7 @@
           <a:p>
             <a:fld id="{265737A6-0C94-4BE9-B714-1239DEB59EEE}" type="datetimeFigureOut">
               <a:rPr lang="fr-FR" smtClean="0"/>
-              <a:t>31/03/2020</a:t>
+              <a:t>05/04/2020</a:t>
             </a:fld>
             <a:endParaRPr lang="fr-FR"/>
           </a:p>
@@ -1160,7 +1162,7 @@
           <a:p>
             <a:fld id="{265737A6-0C94-4BE9-B714-1239DEB59EEE}" type="datetimeFigureOut">
               <a:rPr lang="fr-FR" smtClean="0"/>
-              <a:t>31/03/2020</a:t>
+              <a:t>05/04/2020</a:t>
             </a:fld>
             <a:endParaRPr lang="fr-FR"/>
           </a:p>
@@ -1425,7 +1427,7 @@
           <a:p>
             <a:fld id="{265737A6-0C94-4BE9-B714-1239DEB59EEE}" type="datetimeFigureOut">
               <a:rPr lang="fr-FR" smtClean="0"/>
-              <a:t>31/03/2020</a:t>
+              <a:t>05/04/2020</a:t>
             </a:fld>
             <a:endParaRPr lang="fr-FR"/>
           </a:p>
@@ -1837,7 +1839,7 @@
           <a:p>
             <a:fld id="{265737A6-0C94-4BE9-B714-1239DEB59EEE}" type="datetimeFigureOut">
               <a:rPr lang="fr-FR" smtClean="0"/>
-              <a:t>31/03/2020</a:t>
+              <a:t>05/04/2020</a:t>
             </a:fld>
             <a:endParaRPr lang="fr-FR"/>
           </a:p>
@@ -1978,7 +1980,7 @@
           <a:p>
             <a:fld id="{265737A6-0C94-4BE9-B714-1239DEB59EEE}" type="datetimeFigureOut">
               <a:rPr lang="fr-FR" smtClean="0"/>
-              <a:t>31/03/2020</a:t>
+              <a:t>05/04/2020</a:t>
             </a:fld>
             <a:endParaRPr lang="fr-FR"/>
           </a:p>
@@ -2091,7 +2093,7 @@
           <a:p>
             <a:fld id="{265737A6-0C94-4BE9-B714-1239DEB59EEE}" type="datetimeFigureOut">
               <a:rPr lang="fr-FR" smtClean="0"/>
-              <a:t>31/03/2020</a:t>
+              <a:t>05/04/2020</a:t>
             </a:fld>
             <a:endParaRPr lang="fr-FR"/>
           </a:p>
@@ -2402,7 +2404,7 @@
           <a:p>
             <a:fld id="{265737A6-0C94-4BE9-B714-1239DEB59EEE}" type="datetimeFigureOut">
               <a:rPr lang="fr-FR" smtClean="0"/>
-              <a:t>31/03/2020</a:t>
+              <a:t>05/04/2020</a:t>
             </a:fld>
             <a:endParaRPr lang="fr-FR"/>
           </a:p>
@@ -2690,7 +2692,7 @@
           <a:p>
             <a:fld id="{265737A6-0C94-4BE9-B714-1239DEB59EEE}" type="datetimeFigureOut">
               <a:rPr lang="fr-FR" smtClean="0"/>
-              <a:t>31/03/2020</a:t>
+              <a:t>05/04/2020</a:t>
             </a:fld>
             <a:endParaRPr lang="fr-FR"/>
           </a:p>
@@ -2931,7 +2933,7 @@
           <a:p>
             <a:fld id="{265737A6-0C94-4BE9-B714-1239DEB59EEE}" type="datetimeFigureOut">
               <a:rPr lang="fr-FR" smtClean="0"/>
-              <a:t>31/03/2020</a:t>
+              <a:t>05/04/2020</a:t>
             </a:fld>
             <a:endParaRPr lang="fr-FR"/>
           </a:p>
@@ -3422,6 +3424,2292 @@
           <p:cNvPr id="2" name="Titre 1">
             <a:extLst>
               <a:ext uri="{FF2B5EF4-FFF2-40B4-BE49-F238E27FC236}">
+                <a16:creationId xmlns:a16="http://schemas.microsoft.com/office/drawing/2014/main" id="{9402D154-C885-4632-9315-1B291B40B016}"/>
+              </a:ext>
+            </a:extLst>
+          </p:cNvPr>
+          <p:cNvSpPr>
+            <a:spLocks noGrp="1"/>
+          </p:cNvSpPr>
+          <p:nvPr>
+            <p:ph type="title"/>
+          </p:nvPr>
+        </p:nvSpPr>
+        <p:spPr>
+          <a:xfrm>
+            <a:off x="838200" y="365126"/>
+            <a:ext cx="10515600" cy="563130"/>
+          </a:xfrm>
+        </p:spPr>
+        <p:txBody>
+          <a:bodyPr>
+            <a:normAutofit fontScale="90000"/>
+          </a:bodyPr>
+          <a:lstStyle/>
+          <a:p>
+            <a:pPr algn="ctr"/>
+            <a:r>
+              <a:rPr lang="fr-FR" dirty="0" err="1">
+                <a:latin typeface="Times New Roman" panose="02020603050405020304" pitchFamily="18" charset="0"/>
+                <a:cs typeface="Times New Roman" panose="02020603050405020304" pitchFamily="18" charset="0"/>
+              </a:rPr>
+              <a:t>ir</a:t>
+            </a:r>
+            <a:r>
+              <a:rPr lang="fr-FR" dirty="0">
+                <a:latin typeface="Times New Roman" panose="02020603050405020304" pitchFamily="18" charset="0"/>
+                <a:cs typeface="Times New Roman" panose="02020603050405020304" pitchFamily="18" charset="0"/>
+              </a:rPr>
+              <a:t>_ REMOTE</a:t>
+            </a:r>
+          </a:p>
+        </p:txBody>
+      </p:sp>
+      <p:sp>
+        <p:nvSpPr>
+          <p:cNvPr id="3" name="Espace réservé du contenu 2">
+            <a:extLst>
+              <a:ext uri="{FF2B5EF4-FFF2-40B4-BE49-F238E27FC236}">
+                <a16:creationId xmlns:a16="http://schemas.microsoft.com/office/drawing/2014/main" id="{4EFE004C-1001-4D41-99DD-CBBC6CF5306D}"/>
+              </a:ext>
+            </a:extLst>
+          </p:cNvPr>
+          <p:cNvSpPr>
+            <a:spLocks noGrp="1"/>
+          </p:cNvSpPr>
+          <p:nvPr>
+            <p:ph idx="1"/>
+          </p:nvPr>
+        </p:nvSpPr>
+        <p:spPr>
+          <a:xfrm>
+            <a:off x="838200" y="1825624"/>
+            <a:ext cx="10515600" cy="6293139"/>
+          </a:xfrm>
+        </p:spPr>
+        <p:txBody>
+          <a:bodyPr>
+            <a:normAutofit/>
+          </a:bodyPr>
+          <a:lstStyle/>
+          <a:p>
+            <a:endParaRPr lang="fr-FR" dirty="0"/>
+          </a:p>
+          <a:p>
+            <a:endParaRPr lang="fr-FR" dirty="0"/>
+          </a:p>
+        </p:txBody>
+      </p:sp>
+      <p:graphicFrame>
+        <p:nvGraphicFramePr>
+          <p:cNvPr id="4" name="Tableau 4">
+            <a:extLst>
+              <a:ext uri="{FF2B5EF4-FFF2-40B4-BE49-F238E27FC236}">
+                <a16:creationId xmlns:a16="http://schemas.microsoft.com/office/drawing/2014/main" id="{0BE19BD6-79CB-4731-92BE-54E0E308053E}"/>
+              </a:ext>
+            </a:extLst>
+          </p:cNvPr>
+          <p:cNvGraphicFramePr>
+            <a:graphicFrameLocks noGrp="1"/>
+          </p:cNvGraphicFramePr>
+          <p:nvPr>
+            <p:extLst>
+              <p:ext uri="{D42A27DB-BD31-4B8C-83A1-F6EECF244321}">
+                <p14:modId xmlns:p14="http://schemas.microsoft.com/office/powerpoint/2010/main" val="1392432497"/>
+              </p:ext>
+            </p:extLst>
+          </p:nvPr>
+        </p:nvGraphicFramePr>
+        <p:xfrm>
+          <a:off x="838200" y="969009"/>
+          <a:ext cx="10688782" cy="5852160"/>
+        </p:xfrm>
+        <a:graphic>
+          <a:graphicData uri="http://schemas.openxmlformats.org/drawingml/2006/table">
+            <a:tbl>
+              <a:tblPr firstRow="1" bandRow="1">
+                <a:tableStyleId>{5C22544A-7EE6-4342-B048-85BDC9FD1C3A}</a:tableStyleId>
+              </a:tblPr>
+              <a:tblGrid>
+                <a:gridCol w="5344391">
+                  <a:extLst>
+                    <a:ext uri="{9D8B030D-6E8A-4147-A177-3AD203B41FA5}">
+                      <a16:colId xmlns:a16="http://schemas.microsoft.com/office/drawing/2014/main" val="294713156"/>
+                    </a:ext>
+                  </a:extLst>
+                </a:gridCol>
+                <a:gridCol w="5344391">
+                  <a:extLst>
+                    <a:ext uri="{9D8B030D-6E8A-4147-A177-3AD203B41FA5}">
+                      <a16:colId xmlns:a16="http://schemas.microsoft.com/office/drawing/2014/main" val="1728652282"/>
+                    </a:ext>
+                  </a:extLst>
+                </a:gridCol>
+              </a:tblGrid>
+              <a:tr h="5212485">
+                <a:tc>
+                  <a:txBody>
+                    <a:bodyPr/>
+                    <a:lstStyle/>
+                    <a:p>
+                      <a:r>
+                        <a:rPr lang="fr-FR" sz="1800" b="0" i="0" u="none" strike="noStrike" kern="1200" baseline="0" dirty="0">
+                          <a:solidFill>
+                            <a:schemeClr val="lt1"/>
+                          </a:solidFill>
+                          <a:latin typeface="+mn-lt"/>
+                          <a:ea typeface="+mn-ea"/>
+                          <a:cs typeface="+mn-cs"/>
+                        </a:rPr>
+                        <a:t>Code du récepteur /* Réception infrarouge de l'émetteur à 2 boutons la réception d'un code augmente la luminosité de la </a:t>
+                      </a:r>
+                      <a:r>
+                        <a:rPr lang="fr-FR" sz="1800" b="0" i="0" u="none" strike="noStrike" kern="1200" baseline="0" dirty="0" err="1">
+                          <a:solidFill>
+                            <a:schemeClr val="lt1"/>
+                          </a:solidFill>
+                          <a:latin typeface="+mn-lt"/>
+                          <a:ea typeface="+mn-ea"/>
+                          <a:cs typeface="+mn-cs"/>
+                        </a:rPr>
+                        <a:t>led</a:t>
+                      </a:r>
+                      <a:r>
+                        <a:rPr lang="fr-FR" sz="1800" b="0" i="0" u="none" strike="noStrike" kern="1200" baseline="0" dirty="0">
+                          <a:solidFill>
+                            <a:schemeClr val="lt1"/>
+                          </a:solidFill>
+                          <a:latin typeface="+mn-lt"/>
+                          <a:ea typeface="+mn-ea"/>
+                          <a:cs typeface="+mn-cs"/>
+                        </a:rPr>
+                        <a:t> (PWM sur 5), l'autre la baisse*/</a:t>
+                      </a:r>
+                    </a:p>
+                    <a:p>
+                      <a:r>
+                        <a:rPr lang="fr-FR" sz="1800" b="0" i="0" u="none" strike="noStrike" kern="1200" baseline="0" dirty="0">
+                          <a:solidFill>
+                            <a:schemeClr val="lt1"/>
+                          </a:solidFill>
+                          <a:latin typeface="+mn-lt"/>
+                          <a:ea typeface="+mn-ea"/>
+                          <a:cs typeface="+mn-cs"/>
+                        </a:rPr>
+                        <a:t>#</a:t>
+                      </a:r>
+                      <a:r>
+                        <a:rPr lang="fr-FR" sz="1800" b="0" i="0" u="none" strike="noStrike" kern="1200" baseline="0" dirty="0" err="1">
+                          <a:solidFill>
+                            <a:schemeClr val="lt1"/>
+                          </a:solidFill>
+                          <a:latin typeface="+mn-lt"/>
+                          <a:ea typeface="+mn-ea"/>
+                          <a:cs typeface="+mn-cs"/>
+                        </a:rPr>
+                        <a:t>include</a:t>
+                      </a:r>
+                      <a:r>
+                        <a:rPr lang="fr-FR" sz="1800" b="0" i="0" u="none" strike="noStrike" kern="1200" baseline="0" dirty="0">
+                          <a:solidFill>
+                            <a:schemeClr val="lt1"/>
+                          </a:solidFill>
+                          <a:latin typeface="+mn-lt"/>
+                          <a:ea typeface="+mn-ea"/>
+                          <a:cs typeface="+mn-cs"/>
+                        </a:rPr>
+                        <a:t> &lt;</a:t>
+                      </a:r>
+                      <a:r>
+                        <a:rPr lang="fr-FR" sz="1800" b="0" i="0" u="none" strike="noStrike" kern="1200" baseline="0" dirty="0" err="1">
+                          <a:solidFill>
+                            <a:schemeClr val="lt1"/>
+                          </a:solidFill>
+                          <a:latin typeface="+mn-lt"/>
+                          <a:ea typeface="+mn-ea"/>
+                          <a:cs typeface="+mn-cs"/>
+                        </a:rPr>
+                        <a:t>Irremote.h</a:t>
+                      </a:r>
+                      <a:r>
+                        <a:rPr lang="fr-FR" sz="1800" b="0" i="0" u="none" strike="noStrike" kern="1200" baseline="0" dirty="0">
+                          <a:solidFill>
+                            <a:schemeClr val="lt1"/>
+                          </a:solidFill>
+                          <a:latin typeface="+mn-lt"/>
+                          <a:ea typeface="+mn-ea"/>
+                          <a:cs typeface="+mn-cs"/>
+                        </a:rPr>
+                        <a:t>&gt;</a:t>
+                      </a:r>
+                    </a:p>
+                    <a:p>
+                      <a:r>
+                        <a:rPr lang="fr-FR" sz="1800" b="0" i="0" u="none" strike="noStrike" kern="1200" baseline="0" dirty="0" err="1">
+                          <a:solidFill>
+                            <a:schemeClr val="lt1"/>
+                          </a:solidFill>
+                          <a:latin typeface="+mn-lt"/>
+                          <a:ea typeface="+mn-ea"/>
+                          <a:cs typeface="+mn-cs"/>
+                        </a:rPr>
+                        <a:t>int</a:t>
+                      </a:r>
+                      <a:r>
+                        <a:rPr lang="fr-FR" sz="1800" b="0" i="0" u="none" strike="noStrike" kern="1200" baseline="0" dirty="0">
+                          <a:solidFill>
+                            <a:schemeClr val="lt1"/>
+                          </a:solidFill>
+                          <a:latin typeface="+mn-lt"/>
+                          <a:ea typeface="+mn-ea"/>
+                          <a:cs typeface="+mn-cs"/>
+                        </a:rPr>
+                        <a:t> </a:t>
+                      </a:r>
+                      <a:r>
+                        <a:rPr lang="fr-FR" sz="1800" b="0" i="0" u="none" strike="noStrike" kern="1200" baseline="0" dirty="0" err="1">
+                          <a:solidFill>
+                            <a:schemeClr val="lt1"/>
+                          </a:solidFill>
+                          <a:latin typeface="+mn-lt"/>
+                          <a:ea typeface="+mn-ea"/>
+                          <a:cs typeface="+mn-cs"/>
+                        </a:rPr>
+                        <a:t>led</a:t>
+                      </a:r>
+                      <a:r>
+                        <a:rPr lang="fr-FR" sz="1800" b="0" i="0" u="none" strike="noStrike" kern="1200" baseline="0" dirty="0">
+                          <a:solidFill>
+                            <a:schemeClr val="lt1"/>
+                          </a:solidFill>
+                          <a:latin typeface="+mn-lt"/>
+                          <a:ea typeface="+mn-ea"/>
+                          <a:cs typeface="+mn-cs"/>
+                        </a:rPr>
+                        <a:t> = 5;</a:t>
+                      </a:r>
+                    </a:p>
+                    <a:p>
+                      <a:r>
+                        <a:rPr lang="fr-FR" sz="1800" b="0" i="0" u="none" strike="noStrike" kern="1200" baseline="0" dirty="0">
+                          <a:solidFill>
+                            <a:schemeClr val="lt1"/>
+                          </a:solidFill>
+                          <a:latin typeface="+mn-lt"/>
+                          <a:ea typeface="+mn-ea"/>
+                          <a:cs typeface="+mn-cs"/>
+                        </a:rPr>
+                        <a:t> </a:t>
+                      </a:r>
+                      <a:r>
+                        <a:rPr lang="fr-FR" sz="1800" b="0" i="0" u="none" strike="noStrike" kern="1200" baseline="0" dirty="0" err="1">
+                          <a:solidFill>
+                            <a:schemeClr val="lt1"/>
+                          </a:solidFill>
+                          <a:latin typeface="+mn-lt"/>
+                          <a:ea typeface="+mn-ea"/>
+                          <a:cs typeface="+mn-cs"/>
+                        </a:rPr>
+                        <a:t>int</a:t>
+                      </a:r>
+                      <a:r>
+                        <a:rPr lang="fr-FR" sz="1800" b="0" i="0" u="none" strike="noStrike" kern="1200" baseline="0" dirty="0">
+                          <a:solidFill>
+                            <a:schemeClr val="lt1"/>
+                          </a:solidFill>
+                          <a:latin typeface="+mn-lt"/>
+                          <a:ea typeface="+mn-ea"/>
+                          <a:cs typeface="+mn-cs"/>
+                        </a:rPr>
+                        <a:t> puissance = 0; //intensité de la </a:t>
+                      </a:r>
+                      <a:r>
+                        <a:rPr lang="fr-FR" sz="1800" b="0" i="0" u="none" strike="noStrike" kern="1200" baseline="0" dirty="0" err="1">
+                          <a:solidFill>
+                            <a:schemeClr val="lt1"/>
+                          </a:solidFill>
+                          <a:latin typeface="+mn-lt"/>
+                          <a:ea typeface="+mn-ea"/>
+                          <a:cs typeface="+mn-cs"/>
+                        </a:rPr>
+                        <a:t>led</a:t>
+                      </a:r>
+                      <a:r>
+                        <a:rPr lang="fr-FR" sz="1800" b="0" i="0" u="none" strike="noStrike" kern="1200" baseline="0" dirty="0">
+                          <a:solidFill>
+                            <a:schemeClr val="lt1"/>
+                          </a:solidFill>
+                          <a:latin typeface="+mn-lt"/>
+                          <a:ea typeface="+mn-ea"/>
+                          <a:cs typeface="+mn-cs"/>
+                        </a:rPr>
+                        <a:t> </a:t>
+                      </a:r>
+                    </a:p>
+                    <a:p>
+                      <a:r>
+                        <a:rPr lang="fr-FR" sz="1800" b="0" i="0" u="none" strike="noStrike" kern="1200" baseline="0" dirty="0" err="1">
+                          <a:solidFill>
+                            <a:schemeClr val="lt1"/>
+                          </a:solidFill>
+                          <a:latin typeface="+mn-lt"/>
+                          <a:ea typeface="+mn-ea"/>
+                          <a:cs typeface="+mn-cs"/>
+                        </a:rPr>
+                        <a:t>int</a:t>
+                      </a:r>
+                      <a:r>
+                        <a:rPr lang="fr-FR" sz="1800" b="0" i="0" u="none" strike="noStrike" kern="1200" baseline="0" dirty="0">
+                          <a:solidFill>
+                            <a:schemeClr val="lt1"/>
+                          </a:solidFill>
+                          <a:latin typeface="+mn-lt"/>
+                          <a:ea typeface="+mn-ea"/>
+                          <a:cs typeface="+mn-cs"/>
+                        </a:rPr>
+                        <a:t> </a:t>
+                      </a:r>
+                      <a:r>
+                        <a:rPr lang="fr-FR" sz="1800" b="0" i="0" u="none" strike="noStrike" kern="1200" baseline="0" dirty="0" err="1">
+                          <a:solidFill>
+                            <a:schemeClr val="lt1"/>
+                          </a:solidFill>
+                          <a:latin typeface="+mn-lt"/>
+                          <a:ea typeface="+mn-ea"/>
+                          <a:cs typeface="+mn-cs"/>
+                        </a:rPr>
+                        <a:t>broche_reception</a:t>
+                      </a:r>
+                      <a:r>
+                        <a:rPr lang="fr-FR" sz="1800" b="0" i="0" u="none" strike="noStrike" kern="1200" baseline="0" dirty="0">
+                          <a:solidFill>
+                            <a:schemeClr val="lt1"/>
+                          </a:solidFill>
+                          <a:latin typeface="+mn-lt"/>
+                          <a:ea typeface="+mn-ea"/>
+                          <a:cs typeface="+mn-cs"/>
+                        </a:rPr>
+                        <a:t> = 11; // broche utilisée pour la réception</a:t>
+                      </a:r>
+                    </a:p>
+                    <a:p>
+                      <a:r>
+                        <a:rPr lang="fr-FR" sz="1800" b="0" i="0" u="none" strike="noStrike" kern="1200" baseline="0" dirty="0">
+                          <a:solidFill>
+                            <a:schemeClr val="lt1"/>
+                          </a:solidFill>
+                          <a:latin typeface="+mn-lt"/>
+                          <a:ea typeface="+mn-ea"/>
+                          <a:cs typeface="+mn-cs"/>
+                        </a:rPr>
+                        <a:t> </a:t>
+                      </a:r>
+                      <a:r>
+                        <a:rPr lang="fr-FR" sz="1800" b="0" i="0" u="none" strike="noStrike" kern="1200" baseline="0" dirty="0" err="1">
+                          <a:solidFill>
+                            <a:schemeClr val="lt1"/>
+                          </a:solidFill>
+                          <a:latin typeface="+mn-lt"/>
+                          <a:ea typeface="+mn-ea"/>
+                          <a:cs typeface="+mn-cs"/>
+                        </a:rPr>
+                        <a:t>IRrecv</a:t>
+                      </a:r>
+                      <a:r>
+                        <a:rPr lang="fr-FR" sz="1800" b="0" i="0" u="none" strike="noStrike" kern="1200" baseline="0" dirty="0">
+                          <a:solidFill>
+                            <a:schemeClr val="lt1"/>
+                          </a:solidFill>
+                          <a:latin typeface="+mn-lt"/>
+                          <a:ea typeface="+mn-ea"/>
+                          <a:cs typeface="+mn-cs"/>
+                        </a:rPr>
+                        <a:t> </a:t>
+                      </a:r>
+                      <a:r>
+                        <a:rPr lang="fr-FR" sz="1800" b="0" i="0" u="none" strike="noStrike" kern="1200" baseline="0" dirty="0" err="1">
+                          <a:solidFill>
+                            <a:schemeClr val="lt1"/>
+                          </a:solidFill>
+                          <a:latin typeface="+mn-lt"/>
+                          <a:ea typeface="+mn-ea"/>
+                          <a:cs typeface="+mn-cs"/>
+                        </a:rPr>
+                        <a:t>reception_ir</a:t>
+                      </a:r>
+                      <a:r>
+                        <a:rPr lang="fr-FR" sz="1800" b="0" i="0" u="none" strike="noStrike" kern="1200" baseline="0" dirty="0">
+                          <a:solidFill>
+                            <a:schemeClr val="lt1"/>
+                          </a:solidFill>
+                          <a:latin typeface="+mn-lt"/>
+                          <a:ea typeface="+mn-ea"/>
+                          <a:cs typeface="+mn-cs"/>
+                        </a:rPr>
+                        <a:t>(</a:t>
+                      </a:r>
+                      <a:r>
+                        <a:rPr lang="fr-FR" sz="1800" b="0" i="0" u="none" strike="noStrike" kern="1200" baseline="0" dirty="0" err="1">
+                          <a:solidFill>
+                            <a:schemeClr val="lt1"/>
+                          </a:solidFill>
+                          <a:latin typeface="+mn-lt"/>
+                          <a:ea typeface="+mn-ea"/>
+                          <a:cs typeface="+mn-cs"/>
+                        </a:rPr>
+                        <a:t>broche_reception</a:t>
+                      </a:r>
+                      <a:r>
+                        <a:rPr lang="fr-FR" sz="1800" b="0" i="0" u="none" strike="noStrike" kern="1200" baseline="0" dirty="0">
+                          <a:solidFill>
+                            <a:schemeClr val="lt1"/>
+                          </a:solidFill>
+                          <a:latin typeface="+mn-lt"/>
+                          <a:ea typeface="+mn-ea"/>
+                          <a:cs typeface="+mn-cs"/>
+                        </a:rPr>
+                        <a:t>); // crée une instance nommée </a:t>
+                      </a:r>
+                      <a:r>
+                        <a:rPr lang="fr-FR" sz="1800" b="0" i="0" u="none" strike="noStrike" kern="1200" baseline="0" dirty="0" err="1">
+                          <a:solidFill>
+                            <a:schemeClr val="lt1"/>
+                          </a:solidFill>
+                          <a:latin typeface="+mn-lt"/>
+                          <a:ea typeface="+mn-ea"/>
+                          <a:cs typeface="+mn-cs"/>
+                        </a:rPr>
+                        <a:t>reception_ir</a:t>
+                      </a:r>
+                      <a:r>
+                        <a:rPr lang="fr-FR" sz="1800" b="0" i="0" u="none" strike="noStrike" kern="1200" baseline="0" dirty="0">
+                          <a:solidFill>
+                            <a:schemeClr val="lt1"/>
+                          </a:solidFill>
+                          <a:latin typeface="+mn-lt"/>
+                          <a:ea typeface="+mn-ea"/>
+                          <a:cs typeface="+mn-cs"/>
+                        </a:rPr>
+                        <a:t> </a:t>
+                      </a:r>
+                      <a:r>
+                        <a:rPr lang="fr-FR" sz="1800" b="0" i="0" u="none" strike="noStrike" kern="1200" baseline="0" dirty="0" err="1">
+                          <a:solidFill>
+                            <a:schemeClr val="lt1"/>
+                          </a:solidFill>
+                          <a:latin typeface="+mn-lt"/>
+                          <a:ea typeface="+mn-ea"/>
+                          <a:cs typeface="+mn-cs"/>
+                        </a:rPr>
+                        <a:t>decode_results</a:t>
+                      </a:r>
+                      <a:r>
+                        <a:rPr lang="fr-FR" sz="1800" b="0" i="0" u="none" strike="noStrike" kern="1200" baseline="0" dirty="0">
+                          <a:solidFill>
+                            <a:schemeClr val="lt1"/>
+                          </a:solidFill>
+                          <a:latin typeface="+mn-lt"/>
+                          <a:ea typeface="+mn-ea"/>
+                          <a:cs typeface="+mn-cs"/>
+                        </a:rPr>
+                        <a:t> </a:t>
+                      </a:r>
+                      <a:r>
+                        <a:rPr lang="fr-FR" sz="1800" b="0" i="0" u="none" strike="noStrike" kern="1200" baseline="0" dirty="0" err="1">
+                          <a:solidFill>
+                            <a:schemeClr val="lt1"/>
+                          </a:solidFill>
+                          <a:latin typeface="+mn-lt"/>
+                          <a:ea typeface="+mn-ea"/>
+                          <a:cs typeface="+mn-cs"/>
+                        </a:rPr>
+                        <a:t>decode_ir</a:t>
+                      </a:r>
+                      <a:r>
+                        <a:rPr lang="fr-FR" sz="1800" b="0" i="0" u="none" strike="noStrike" kern="1200" baseline="0" dirty="0">
+                          <a:solidFill>
+                            <a:schemeClr val="lt1"/>
+                          </a:solidFill>
+                          <a:latin typeface="+mn-lt"/>
+                          <a:ea typeface="+mn-ea"/>
+                          <a:cs typeface="+mn-cs"/>
+                        </a:rPr>
+                        <a:t>; // variable de stockage des données reçues</a:t>
+                      </a:r>
+                    </a:p>
+                    <a:p>
+                      <a:r>
+                        <a:rPr lang="fr-FR" sz="1800" b="0" i="0" u="none" strike="noStrike" kern="1200" baseline="0" dirty="0">
+                          <a:solidFill>
+                            <a:schemeClr val="lt1"/>
+                          </a:solidFill>
+                          <a:latin typeface="+mn-lt"/>
+                          <a:ea typeface="+mn-ea"/>
+                          <a:cs typeface="+mn-cs"/>
+                        </a:rPr>
+                        <a:t> </a:t>
+                      </a:r>
+                      <a:r>
+                        <a:rPr lang="fr-FR" sz="1800" b="0" i="0" u="none" strike="noStrike" kern="1200" baseline="0" dirty="0" err="1">
+                          <a:solidFill>
+                            <a:schemeClr val="lt1"/>
+                          </a:solidFill>
+                          <a:latin typeface="+mn-lt"/>
+                          <a:ea typeface="+mn-ea"/>
+                          <a:cs typeface="+mn-cs"/>
+                        </a:rPr>
+                        <a:t>unsigned</a:t>
+                      </a:r>
+                      <a:r>
+                        <a:rPr lang="fr-FR" sz="1800" b="0" i="0" u="none" strike="noStrike" kern="1200" baseline="0" dirty="0">
+                          <a:solidFill>
+                            <a:schemeClr val="lt1"/>
+                          </a:solidFill>
+                          <a:latin typeface="+mn-lt"/>
+                          <a:ea typeface="+mn-ea"/>
+                          <a:cs typeface="+mn-cs"/>
+                        </a:rPr>
+                        <a:t> long touche=0; //Contient le code de la touche utilisée</a:t>
+                      </a:r>
+                    </a:p>
+                    <a:p>
+                      <a:r>
+                        <a:rPr lang="fr-FR" sz="1800" b="0" i="0" u="none" strike="noStrike" kern="1200" baseline="0" dirty="0" err="1">
+                          <a:solidFill>
+                            <a:schemeClr val="lt1"/>
+                          </a:solidFill>
+                          <a:latin typeface="+mn-lt"/>
+                          <a:ea typeface="+mn-ea"/>
+                          <a:cs typeface="+mn-cs"/>
+                        </a:rPr>
+                        <a:t>void</a:t>
+                      </a:r>
+                      <a:r>
+                        <a:rPr lang="fr-FR" sz="1800" b="0" i="0" u="none" strike="noStrike" kern="1200" baseline="0" dirty="0">
+                          <a:solidFill>
+                            <a:schemeClr val="lt1"/>
+                          </a:solidFill>
+                          <a:latin typeface="+mn-lt"/>
+                          <a:ea typeface="+mn-ea"/>
+                          <a:cs typeface="+mn-cs"/>
+                        </a:rPr>
+                        <a:t> setup(){</a:t>
+                      </a:r>
+                    </a:p>
+                    <a:p>
+                      <a:r>
+                        <a:rPr lang="fr-FR" sz="1800" b="0" i="0" u="none" strike="noStrike" kern="1200" baseline="0" dirty="0">
+                          <a:solidFill>
+                            <a:schemeClr val="lt1"/>
+                          </a:solidFill>
+                          <a:latin typeface="+mn-lt"/>
+                          <a:ea typeface="+mn-ea"/>
+                          <a:cs typeface="+mn-cs"/>
+                        </a:rPr>
+                        <a:t>  </a:t>
+                      </a:r>
+                      <a:r>
+                        <a:rPr lang="fr-FR" sz="1800" b="0" i="0" u="none" strike="noStrike" kern="1200" baseline="0" dirty="0" err="1">
+                          <a:solidFill>
+                            <a:schemeClr val="lt1"/>
+                          </a:solidFill>
+                          <a:latin typeface="+mn-lt"/>
+                          <a:ea typeface="+mn-ea"/>
+                          <a:cs typeface="+mn-cs"/>
+                        </a:rPr>
+                        <a:t>Serial.begin</a:t>
+                      </a:r>
+                      <a:r>
+                        <a:rPr lang="fr-FR" sz="1800" b="0" i="0" u="none" strike="noStrike" kern="1200" baseline="0" dirty="0">
+                          <a:solidFill>
+                            <a:schemeClr val="lt1"/>
+                          </a:solidFill>
+                          <a:latin typeface="+mn-lt"/>
+                          <a:ea typeface="+mn-ea"/>
+                          <a:cs typeface="+mn-cs"/>
+                        </a:rPr>
+                        <a:t>(9600); </a:t>
+                      </a:r>
+                    </a:p>
+                    <a:p>
+                      <a:r>
+                        <a:rPr lang="fr-FR" sz="1800" b="0" i="0" u="none" strike="noStrike" kern="1200" baseline="0" dirty="0">
+                          <a:solidFill>
+                            <a:schemeClr val="lt1"/>
+                          </a:solidFill>
+                          <a:latin typeface="+mn-lt"/>
+                          <a:ea typeface="+mn-ea"/>
+                          <a:cs typeface="+mn-cs"/>
+                        </a:rPr>
+                        <a:t> </a:t>
+                      </a:r>
+                      <a:r>
+                        <a:rPr lang="fr-FR" sz="1800" b="0" i="0" u="none" strike="noStrike" kern="1200" baseline="0" dirty="0" err="1">
+                          <a:solidFill>
+                            <a:schemeClr val="lt1"/>
+                          </a:solidFill>
+                          <a:latin typeface="+mn-lt"/>
+                          <a:ea typeface="+mn-ea"/>
+                          <a:cs typeface="+mn-cs"/>
+                        </a:rPr>
+                        <a:t>reception_ir.enableIRIn</a:t>
+                      </a:r>
+                      <a:r>
+                        <a:rPr lang="fr-FR" sz="1800" b="0" i="0" u="none" strike="noStrike" kern="1200" baseline="0" dirty="0">
+                          <a:solidFill>
+                            <a:schemeClr val="lt1"/>
+                          </a:solidFill>
+                          <a:latin typeface="+mn-lt"/>
+                          <a:ea typeface="+mn-ea"/>
+                          <a:cs typeface="+mn-cs"/>
+                        </a:rPr>
+                        <a:t>(); // démarre la réception  </a:t>
+                      </a:r>
+                    </a:p>
+                    <a:p>
+                      <a:r>
+                        <a:rPr lang="fr-FR" sz="1800" b="0" i="0" u="none" strike="noStrike" kern="1200" baseline="0" dirty="0" err="1">
+                          <a:solidFill>
+                            <a:schemeClr val="lt1"/>
+                          </a:solidFill>
+                          <a:latin typeface="+mn-lt"/>
+                          <a:ea typeface="+mn-ea"/>
+                          <a:cs typeface="+mn-cs"/>
+                        </a:rPr>
+                        <a:t>pinMode</a:t>
+                      </a:r>
+                      <a:r>
+                        <a:rPr lang="fr-FR" sz="1800" b="0" i="0" u="none" strike="noStrike" kern="1200" baseline="0" dirty="0">
+                          <a:solidFill>
+                            <a:schemeClr val="lt1"/>
+                          </a:solidFill>
+                          <a:latin typeface="+mn-lt"/>
+                          <a:ea typeface="+mn-ea"/>
+                          <a:cs typeface="+mn-cs"/>
+                        </a:rPr>
+                        <a:t>(</a:t>
+                      </a:r>
+                      <a:r>
+                        <a:rPr lang="fr-FR" sz="1800" b="0" i="0" u="none" strike="noStrike" kern="1200" baseline="0" dirty="0" err="1">
+                          <a:solidFill>
+                            <a:schemeClr val="lt1"/>
+                          </a:solidFill>
+                          <a:latin typeface="+mn-lt"/>
+                          <a:ea typeface="+mn-ea"/>
+                          <a:cs typeface="+mn-cs"/>
+                        </a:rPr>
+                        <a:t>led,OUTPUT</a:t>
+                      </a:r>
+                      <a:r>
+                        <a:rPr lang="fr-FR" sz="1800" b="0" i="0" u="none" strike="noStrike" kern="1200" baseline="0" dirty="0">
+                          <a:solidFill>
+                            <a:schemeClr val="lt1"/>
+                          </a:solidFill>
+                          <a:latin typeface="+mn-lt"/>
+                          <a:ea typeface="+mn-ea"/>
+                          <a:cs typeface="+mn-cs"/>
+                        </a:rPr>
+                        <a:t>);</a:t>
+                      </a:r>
+                    </a:p>
+                    <a:p>
+                      <a:r>
+                        <a:rPr lang="fr-FR" sz="1800" b="0" i="0" u="none" strike="noStrike" kern="1200" baseline="0" dirty="0">
+                          <a:solidFill>
+                            <a:schemeClr val="lt1"/>
+                          </a:solidFill>
+                          <a:latin typeface="+mn-lt"/>
+                          <a:ea typeface="+mn-ea"/>
+                          <a:cs typeface="+mn-cs"/>
+                        </a:rPr>
+                        <a:t> }</a:t>
+                      </a:r>
+                    </a:p>
+                    <a:p>
+                      <a:endParaRPr lang="fr-FR" sz="1800" b="0" i="0" u="none" strike="noStrike" kern="1200" baseline="0" dirty="0">
+                        <a:solidFill>
+                          <a:schemeClr val="lt1"/>
+                        </a:solidFill>
+                        <a:latin typeface="+mn-lt"/>
+                        <a:ea typeface="+mn-ea"/>
+                        <a:cs typeface="+mn-cs"/>
+                      </a:endParaRPr>
+                    </a:p>
+                    <a:p>
+                      <a:endParaRPr lang="fr-FR" dirty="0"/>
+                    </a:p>
+                  </a:txBody>
+                  <a:tcPr/>
+                </a:tc>
+                <a:tc>
+                  <a:txBody>
+                    <a:bodyPr/>
+                    <a:lstStyle/>
+                    <a:p>
+                      <a:r>
+                        <a:rPr lang="fr-FR" sz="1800" b="0" i="0" u="none" strike="noStrike" kern="1200" baseline="0" dirty="0" err="1">
+                          <a:solidFill>
+                            <a:schemeClr val="lt1"/>
+                          </a:solidFill>
+                          <a:latin typeface="+mn-lt"/>
+                          <a:ea typeface="+mn-ea"/>
+                          <a:cs typeface="+mn-cs"/>
+                        </a:rPr>
+                        <a:t>void</a:t>
+                      </a:r>
+                      <a:r>
+                        <a:rPr lang="fr-FR" sz="1800" b="0" i="0" u="none" strike="noStrike" kern="1200" baseline="0" dirty="0">
+                          <a:solidFill>
+                            <a:schemeClr val="lt1"/>
+                          </a:solidFill>
+                          <a:latin typeface="+mn-lt"/>
+                          <a:ea typeface="+mn-ea"/>
+                          <a:cs typeface="+mn-cs"/>
+                        </a:rPr>
+                        <a:t> </a:t>
+                      </a:r>
+                      <a:r>
+                        <a:rPr lang="fr-FR" sz="1800" b="0" i="0" u="none" strike="noStrike" kern="1200" baseline="0" dirty="0" err="1">
+                          <a:solidFill>
+                            <a:schemeClr val="lt1"/>
+                          </a:solidFill>
+                          <a:latin typeface="+mn-lt"/>
+                          <a:ea typeface="+mn-ea"/>
+                          <a:cs typeface="+mn-cs"/>
+                        </a:rPr>
+                        <a:t>loop</a:t>
+                      </a:r>
+                      <a:r>
+                        <a:rPr lang="fr-FR" sz="1800" b="0" i="0" u="none" strike="noStrike" kern="1200" baseline="0" dirty="0">
+                          <a:solidFill>
+                            <a:schemeClr val="lt1"/>
+                          </a:solidFill>
+                          <a:latin typeface="+mn-lt"/>
+                          <a:ea typeface="+mn-ea"/>
+                          <a:cs typeface="+mn-cs"/>
+                        </a:rPr>
+                        <a:t>(){ </a:t>
+                      </a:r>
+                    </a:p>
+                    <a:p>
+                      <a:r>
+                        <a:rPr lang="en-US" sz="1800" b="0" i="0" u="none" strike="noStrike" kern="1200" baseline="0" dirty="0">
+                          <a:solidFill>
+                            <a:schemeClr val="lt1"/>
+                          </a:solidFill>
+                          <a:latin typeface="+mn-lt"/>
+                          <a:ea typeface="+mn-ea"/>
+                          <a:cs typeface="+mn-cs"/>
+                        </a:rPr>
+                        <a:t> if (</a:t>
+                      </a:r>
+                      <a:r>
+                        <a:rPr lang="en-US" sz="1800" b="0" i="0" u="none" strike="noStrike" kern="1200" baseline="0" dirty="0" err="1">
+                          <a:solidFill>
+                            <a:schemeClr val="lt1"/>
+                          </a:solidFill>
+                          <a:latin typeface="+mn-lt"/>
+                          <a:ea typeface="+mn-ea"/>
+                          <a:cs typeface="+mn-cs"/>
+                        </a:rPr>
+                        <a:t>reception_ir.decode</a:t>
+                      </a:r>
+                      <a:r>
+                        <a:rPr lang="en-US" sz="1800" b="0" i="0" u="none" strike="noStrike" kern="1200" baseline="0" dirty="0">
+                          <a:solidFill>
+                            <a:schemeClr val="lt1"/>
+                          </a:solidFill>
+                          <a:latin typeface="+mn-lt"/>
+                          <a:ea typeface="+mn-ea"/>
+                          <a:cs typeface="+mn-cs"/>
+                        </a:rPr>
+                        <a:t>(&amp;</a:t>
+                      </a:r>
+                      <a:r>
+                        <a:rPr lang="en-US" sz="1800" b="0" i="0" u="none" strike="noStrike" kern="1200" baseline="0" dirty="0" err="1">
+                          <a:solidFill>
+                            <a:schemeClr val="lt1"/>
+                          </a:solidFill>
+                          <a:latin typeface="+mn-lt"/>
+                          <a:ea typeface="+mn-ea"/>
+                          <a:cs typeface="+mn-cs"/>
+                        </a:rPr>
+                        <a:t>decode_ir</a:t>
+                      </a:r>
+                      <a:r>
+                        <a:rPr lang="en-US" sz="1800" b="0" i="0" u="none" strike="noStrike" kern="1200" baseline="0" dirty="0">
+                          <a:solidFill>
+                            <a:schemeClr val="lt1"/>
+                          </a:solidFill>
+                          <a:latin typeface="+mn-lt"/>
+                          <a:ea typeface="+mn-ea"/>
+                          <a:cs typeface="+mn-cs"/>
+                        </a:rPr>
+                        <a:t>)){   </a:t>
+                      </a:r>
+                    </a:p>
+                    <a:p>
+                      <a:r>
+                        <a:rPr lang="fr-FR" sz="1800" b="0" i="0" u="none" strike="noStrike" kern="1200" baseline="0" dirty="0">
+                          <a:solidFill>
+                            <a:schemeClr val="lt1"/>
+                          </a:solidFill>
+                          <a:latin typeface="+mn-lt"/>
+                          <a:ea typeface="+mn-ea"/>
+                          <a:cs typeface="+mn-cs"/>
+                        </a:rPr>
+                        <a:t> touche=</a:t>
+                      </a:r>
+                      <a:r>
+                        <a:rPr lang="fr-FR" sz="1800" b="0" i="0" u="none" strike="noStrike" kern="1200" baseline="0" dirty="0" err="1">
+                          <a:solidFill>
+                            <a:schemeClr val="lt1"/>
+                          </a:solidFill>
+                          <a:latin typeface="+mn-lt"/>
+                          <a:ea typeface="+mn-ea"/>
+                          <a:cs typeface="+mn-cs"/>
+                        </a:rPr>
+                        <a:t>decode_ir.value</a:t>
+                      </a:r>
+                      <a:r>
+                        <a:rPr lang="fr-FR" sz="1800" b="0" i="0" u="none" strike="noStrike" kern="1200" baseline="0" dirty="0">
+                          <a:solidFill>
+                            <a:schemeClr val="lt1"/>
+                          </a:solidFill>
+                          <a:latin typeface="+mn-lt"/>
+                          <a:ea typeface="+mn-ea"/>
+                          <a:cs typeface="+mn-cs"/>
+                        </a:rPr>
+                        <a:t>;   </a:t>
+                      </a:r>
+                    </a:p>
+                    <a:p>
+                      <a:r>
+                        <a:rPr lang="fr-FR" sz="1800" b="0" i="0" u="none" strike="noStrike" kern="1200" baseline="0" dirty="0">
+                          <a:solidFill>
+                            <a:schemeClr val="lt1"/>
+                          </a:solidFill>
+                          <a:latin typeface="+mn-lt"/>
+                          <a:ea typeface="+mn-ea"/>
+                          <a:cs typeface="+mn-cs"/>
+                        </a:rPr>
+                        <a:t> </a:t>
+                      </a:r>
+                      <a:r>
+                        <a:rPr lang="fr-FR" sz="1800" b="0" i="0" u="none" strike="noStrike" kern="1200" baseline="0" dirty="0" err="1">
+                          <a:solidFill>
+                            <a:schemeClr val="lt1"/>
+                          </a:solidFill>
+                          <a:latin typeface="+mn-lt"/>
+                          <a:ea typeface="+mn-ea"/>
+                          <a:cs typeface="+mn-cs"/>
+                        </a:rPr>
+                        <a:t>Serial.println</a:t>
+                      </a:r>
+                      <a:r>
+                        <a:rPr lang="fr-FR" sz="1800" b="0" i="0" u="none" strike="noStrike" kern="1200" baseline="0" dirty="0">
+                          <a:solidFill>
+                            <a:schemeClr val="lt1"/>
+                          </a:solidFill>
+                          <a:latin typeface="+mn-lt"/>
+                          <a:ea typeface="+mn-ea"/>
+                          <a:cs typeface="+mn-cs"/>
+                        </a:rPr>
+                        <a:t>(</a:t>
+                      </a:r>
+                      <a:r>
+                        <a:rPr lang="fr-FR" sz="1800" b="0" i="0" u="none" strike="noStrike" kern="1200" baseline="0" dirty="0" err="1">
+                          <a:solidFill>
+                            <a:schemeClr val="lt1"/>
+                          </a:solidFill>
+                          <a:latin typeface="+mn-lt"/>
+                          <a:ea typeface="+mn-ea"/>
+                          <a:cs typeface="+mn-cs"/>
+                        </a:rPr>
+                        <a:t>touche,HEX</a:t>
+                      </a:r>
+                      <a:r>
+                        <a:rPr lang="fr-FR" sz="1800" b="0" i="0" u="none" strike="noStrike" kern="1200" baseline="0" dirty="0">
+                          <a:solidFill>
+                            <a:schemeClr val="lt1"/>
+                          </a:solidFill>
+                          <a:latin typeface="+mn-lt"/>
+                          <a:ea typeface="+mn-ea"/>
+                          <a:cs typeface="+mn-cs"/>
+                        </a:rPr>
+                        <a:t>); </a:t>
+                      </a:r>
+                    </a:p>
+                    <a:p>
+                      <a:r>
+                        <a:rPr lang="fr-FR" sz="1800" b="0" i="0" u="none" strike="noStrike" kern="1200" baseline="0" dirty="0">
+                          <a:solidFill>
+                            <a:schemeClr val="lt1"/>
+                          </a:solidFill>
+                          <a:latin typeface="+mn-lt"/>
+                          <a:ea typeface="+mn-ea"/>
+                          <a:cs typeface="+mn-cs"/>
+                        </a:rPr>
+                        <a:t>   if (touche==0xFB2AD5){      </a:t>
+                      </a:r>
+                    </a:p>
+                    <a:p>
+                      <a:r>
+                        <a:rPr lang="fr-FR" sz="1800" b="0" i="0" u="none" strike="noStrike" kern="1200" baseline="0" dirty="0">
+                          <a:solidFill>
+                            <a:schemeClr val="lt1"/>
+                          </a:solidFill>
+                          <a:latin typeface="+mn-lt"/>
+                          <a:ea typeface="+mn-ea"/>
+                          <a:cs typeface="+mn-cs"/>
+                        </a:rPr>
+                        <a:t>puissance+=50;</a:t>
+                      </a:r>
+                    </a:p>
+                    <a:p>
+                      <a:r>
+                        <a:rPr lang="fr-FR" sz="1800" b="0" i="0" u="none" strike="noStrike" kern="1200" baseline="0" dirty="0">
+                          <a:solidFill>
+                            <a:schemeClr val="lt1"/>
+                          </a:solidFill>
+                          <a:latin typeface="+mn-lt"/>
+                          <a:ea typeface="+mn-ea"/>
+                          <a:cs typeface="+mn-cs"/>
+                        </a:rPr>
+                        <a:t>    }   </a:t>
+                      </a:r>
+                    </a:p>
+                    <a:p>
+                      <a:r>
+                        <a:rPr lang="fr-FR" sz="1800" b="0" i="0" u="none" strike="noStrike" kern="1200" baseline="0" dirty="0">
+                          <a:solidFill>
+                            <a:schemeClr val="lt1"/>
+                          </a:solidFill>
+                          <a:latin typeface="+mn-lt"/>
+                          <a:ea typeface="+mn-ea"/>
+                          <a:cs typeface="+mn-cs"/>
+                        </a:rPr>
+                        <a:t> if (touche==0xFB6897){       </a:t>
+                      </a:r>
+                    </a:p>
+                    <a:p>
+                      <a:r>
+                        <a:rPr lang="fr-FR" sz="1800" b="0" i="0" u="none" strike="noStrike" kern="1200" baseline="0" dirty="0">
+                          <a:solidFill>
+                            <a:schemeClr val="lt1"/>
+                          </a:solidFill>
+                          <a:latin typeface="+mn-lt"/>
+                          <a:ea typeface="+mn-ea"/>
+                          <a:cs typeface="+mn-cs"/>
+                        </a:rPr>
+                        <a:t>puissance-=50;    </a:t>
+                      </a:r>
+                    </a:p>
+                    <a:p>
+                      <a:r>
+                        <a:rPr lang="fr-FR" sz="1800" b="0" i="0" u="none" strike="noStrike" kern="1200" baseline="0" dirty="0">
+                          <a:solidFill>
+                            <a:schemeClr val="lt1"/>
+                          </a:solidFill>
+                          <a:latin typeface="+mn-lt"/>
+                          <a:ea typeface="+mn-ea"/>
+                          <a:cs typeface="+mn-cs"/>
+                        </a:rPr>
+                        <a:t>}     </a:t>
+                      </a:r>
+                    </a:p>
+                    <a:p>
+                      <a:r>
+                        <a:rPr lang="fr-FR" sz="1800" b="0" i="0" u="none" strike="noStrike" kern="1200" baseline="0" dirty="0" err="1">
+                          <a:solidFill>
+                            <a:schemeClr val="lt1"/>
+                          </a:solidFill>
+                          <a:latin typeface="+mn-lt"/>
+                          <a:ea typeface="+mn-ea"/>
+                          <a:cs typeface="+mn-cs"/>
+                        </a:rPr>
+                        <a:t>Serial.println</a:t>
+                      </a:r>
+                      <a:r>
+                        <a:rPr lang="fr-FR" sz="1800" b="0" i="0" u="none" strike="noStrike" kern="1200" baseline="0" dirty="0">
+                          <a:solidFill>
+                            <a:schemeClr val="lt1"/>
+                          </a:solidFill>
+                          <a:latin typeface="+mn-lt"/>
+                          <a:ea typeface="+mn-ea"/>
+                          <a:cs typeface="+mn-cs"/>
+                        </a:rPr>
+                        <a:t>(puissance);     </a:t>
+                      </a:r>
+                    </a:p>
+                    <a:p>
+                      <a:r>
+                        <a:rPr lang="fr-FR" sz="1800" b="0" i="0" u="none" strike="noStrike" kern="1200" baseline="0" dirty="0">
+                          <a:solidFill>
+                            <a:schemeClr val="lt1"/>
+                          </a:solidFill>
+                          <a:latin typeface="+mn-lt"/>
+                          <a:ea typeface="+mn-ea"/>
+                          <a:cs typeface="+mn-cs"/>
+                        </a:rPr>
+                        <a:t>if (puissance&lt;0){puissance=0;}     </a:t>
+                      </a:r>
+                    </a:p>
+                    <a:p>
+                      <a:r>
+                        <a:rPr lang="fr-FR" sz="1800" b="0" i="0" u="none" strike="noStrike" kern="1200" baseline="0" dirty="0">
+                          <a:solidFill>
+                            <a:schemeClr val="lt1"/>
+                          </a:solidFill>
+                          <a:latin typeface="+mn-lt"/>
+                          <a:ea typeface="+mn-ea"/>
+                          <a:cs typeface="+mn-cs"/>
+                        </a:rPr>
+                        <a:t>if (puissance&gt;255){puissance=255;}     </a:t>
+                      </a:r>
+                    </a:p>
+                    <a:p>
+                      <a:r>
+                        <a:rPr lang="fr-FR" sz="1800" b="0" i="0" u="none" strike="noStrike" kern="1200" baseline="0" dirty="0" err="1">
+                          <a:solidFill>
+                            <a:schemeClr val="lt1"/>
+                          </a:solidFill>
+                          <a:latin typeface="+mn-lt"/>
+                          <a:ea typeface="+mn-ea"/>
+                          <a:cs typeface="+mn-cs"/>
+                        </a:rPr>
+                        <a:t>Serial.println</a:t>
+                      </a:r>
+                      <a:r>
+                        <a:rPr lang="fr-FR" sz="1800" b="0" i="0" u="none" strike="noStrike" kern="1200" baseline="0" dirty="0">
+                          <a:solidFill>
+                            <a:schemeClr val="lt1"/>
+                          </a:solidFill>
+                          <a:latin typeface="+mn-lt"/>
+                          <a:ea typeface="+mn-ea"/>
+                          <a:cs typeface="+mn-cs"/>
+                        </a:rPr>
+                        <a:t>(puissance);     </a:t>
+                      </a:r>
+                    </a:p>
+                    <a:p>
+                      <a:r>
+                        <a:rPr lang="fr-FR" sz="1800" b="0" i="0" u="none" strike="noStrike" kern="1200" baseline="0" dirty="0" err="1">
+                          <a:solidFill>
+                            <a:schemeClr val="lt1"/>
+                          </a:solidFill>
+                          <a:latin typeface="+mn-lt"/>
+                          <a:ea typeface="+mn-ea"/>
+                          <a:cs typeface="+mn-cs"/>
+                        </a:rPr>
+                        <a:t>analogWrite</a:t>
+                      </a:r>
+                      <a:r>
+                        <a:rPr lang="fr-FR" sz="1800" b="0" i="0" u="none" strike="noStrike" kern="1200" baseline="0" dirty="0">
+                          <a:solidFill>
+                            <a:schemeClr val="lt1"/>
+                          </a:solidFill>
+                          <a:latin typeface="+mn-lt"/>
+                          <a:ea typeface="+mn-ea"/>
+                          <a:cs typeface="+mn-cs"/>
+                        </a:rPr>
+                        <a:t>(</a:t>
+                      </a:r>
+                      <a:r>
+                        <a:rPr lang="fr-FR" sz="1800" b="0" i="0" u="none" strike="noStrike" kern="1200" baseline="0" dirty="0" err="1">
+                          <a:solidFill>
+                            <a:schemeClr val="lt1"/>
+                          </a:solidFill>
+                          <a:latin typeface="+mn-lt"/>
+                          <a:ea typeface="+mn-ea"/>
+                          <a:cs typeface="+mn-cs"/>
+                        </a:rPr>
+                        <a:t>led,puissance</a:t>
+                      </a:r>
+                      <a:r>
+                        <a:rPr lang="fr-FR" sz="1800" b="0" i="0" u="none" strike="noStrike" kern="1200" baseline="0" dirty="0">
+                          <a:solidFill>
+                            <a:schemeClr val="lt1"/>
+                          </a:solidFill>
+                          <a:latin typeface="+mn-lt"/>
+                          <a:ea typeface="+mn-ea"/>
+                          <a:cs typeface="+mn-cs"/>
+                        </a:rPr>
+                        <a:t>);     </a:t>
+                      </a:r>
+                    </a:p>
+                    <a:p>
+                      <a:r>
+                        <a:rPr lang="fr-FR" sz="1800" b="0" i="0" u="none" strike="noStrike" kern="1200" baseline="0" dirty="0" err="1">
+                          <a:solidFill>
+                            <a:schemeClr val="lt1"/>
+                          </a:solidFill>
+                          <a:latin typeface="+mn-lt"/>
+                          <a:ea typeface="+mn-ea"/>
+                          <a:cs typeface="+mn-cs"/>
+                        </a:rPr>
+                        <a:t>delay</a:t>
+                      </a:r>
+                      <a:r>
+                        <a:rPr lang="fr-FR" sz="1800" b="0" i="0" u="none" strike="noStrike" kern="1200" baseline="0" dirty="0">
+                          <a:solidFill>
+                            <a:schemeClr val="lt1"/>
+                          </a:solidFill>
+                          <a:latin typeface="+mn-lt"/>
+                          <a:ea typeface="+mn-ea"/>
+                          <a:cs typeface="+mn-cs"/>
+                        </a:rPr>
+                        <a:t>(500);    </a:t>
+                      </a:r>
+                    </a:p>
+                    <a:p>
+                      <a:r>
+                        <a:rPr lang="fr-FR" sz="1800" b="0" i="0" u="none" strike="noStrike" kern="1200" baseline="0" dirty="0" err="1">
+                          <a:solidFill>
+                            <a:schemeClr val="lt1"/>
+                          </a:solidFill>
+                          <a:latin typeface="+mn-lt"/>
+                          <a:ea typeface="+mn-ea"/>
+                          <a:cs typeface="+mn-cs"/>
+                        </a:rPr>
+                        <a:t>reception_ir.resume</a:t>
+                      </a:r>
+                      <a:r>
+                        <a:rPr lang="fr-FR" sz="1800" b="0" i="0" u="none" strike="noStrike" kern="1200" baseline="0" dirty="0">
+                          <a:solidFill>
+                            <a:schemeClr val="lt1"/>
+                          </a:solidFill>
+                          <a:latin typeface="+mn-lt"/>
+                          <a:ea typeface="+mn-ea"/>
+                          <a:cs typeface="+mn-cs"/>
+                        </a:rPr>
+                        <a:t>(); // remise à 0, en attendant le code suivant</a:t>
+                      </a:r>
+                    </a:p>
+                    <a:p>
+                      <a:r>
+                        <a:rPr lang="fr-FR" sz="1800" b="0" i="0" u="none" strike="noStrike" kern="1200" baseline="0" dirty="0">
+                          <a:solidFill>
+                            <a:schemeClr val="lt1"/>
+                          </a:solidFill>
+                          <a:latin typeface="+mn-lt"/>
+                          <a:ea typeface="+mn-ea"/>
+                          <a:cs typeface="+mn-cs"/>
+                        </a:rPr>
+                        <a:t>  }</a:t>
+                      </a:r>
+                    </a:p>
+                    <a:p>
+                      <a:r>
+                        <a:rPr lang="fr-FR" sz="1800" b="0" i="0" u="none" strike="noStrike" kern="1200" baseline="0" dirty="0">
+                          <a:solidFill>
+                            <a:schemeClr val="lt1"/>
+                          </a:solidFill>
+                          <a:latin typeface="+mn-lt"/>
+                          <a:ea typeface="+mn-ea"/>
+                          <a:cs typeface="+mn-cs"/>
+                        </a:rPr>
+                        <a:t> }</a:t>
+                      </a:r>
+                    </a:p>
+                    <a:p>
+                      <a:endParaRPr lang="fr-FR" dirty="0"/>
+                    </a:p>
+                  </a:txBody>
+                  <a:tcPr/>
+                </a:tc>
+                <a:extLst>
+                  <a:ext uri="{0D108BD9-81ED-4DB2-BD59-A6C34878D82A}">
+                    <a16:rowId xmlns:a16="http://schemas.microsoft.com/office/drawing/2014/main" val="3600265256"/>
+                  </a:ext>
+                </a:extLst>
+              </a:tr>
+            </a:tbl>
+          </a:graphicData>
+        </a:graphic>
+      </p:graphicFrame>
+    </p:spTree>
+    <p:extLst>
+      <p:ext uri="{BB962C8B-B14F-4D97-AF65-F5344CB8AC3E}">
+        <p14:creationId xmlns:p14="http://schemas.microsoft.com/office/powerpoint/2010/main" val="4229307319"/>
+      </p:ext>
+    </p:extLst>
+  </p:cSld>
+  <p:clrMapOvr>
+    <a:masterClrMapping/>
+  </p:clrMapOvr>
+</p:sld>
+</file>
+
+<file path=ppt/slides/slide11.xml><?xml version="1.0" encoding="utf-8"?>
+<p:sld xmlns:a="http://schemas.openxmlformats.org/drawingml/2006/main" xmlns:r="http://schemas.openxmlformats.org/officeDocument/2006/relationships" xmlns:p="http://schemas.openxmlformats.org/presentationml/2006/main">
+  <p:cSld>
+    <p:spTree>
+      <p:nvGrpSpPr>
+        <p:cNvPr id="1" name=""/>
+        <p:cNvGrpSpPr/>
+        <p:nvPr/>
+      </p:nvGrpSpPr>
+      <p:grpSpPr>
+        <a:xfrm>
+          <a:off x="0" y="0"/>
+          <a:ext cx="0" cy="0"/>
+          <a:chOff x="0" y="0"/>
+          <a:chExt cx="0" cy="0"/>
+        </a:xfrm>
+      </p:grpSpPr>
+      <p:sp>
+        <p:nvSpPr>
+          <p:cNvPr id="2" name="Titre 1">
+            <a:extLst>
+              <a:ext uri="{FF2B5EF4-FFF2-40B4-BE49-F238E27FC236}">
+                <a16:creationId xmlns:a16="http://schemas.microsoft.com/office/drawing/2014/main" id="{59DE78EC-492A-4785-85DC-B7DFE0AB2F33}"/>
+              </a:ext>
+            </a:extLst>
+          </p:cNvPr>
+          <p:cNvSpPr>
+            <a:spLocks noGrp="1"/>
+          </p:cNvSpPr>
+          <p:nvPr>
+            <p:ph type="title"/>
+          </p:nvPr>
+        </p:nvSpPr>
+        <p:spPr>
+          <a:xfrm>
+            <a:off x="838200" y="365125"/>
+            <a:ext cx="10515600" cy="743239"/>
+          </a:xfrm>
+        </p:spPr>
+        <p:txBody>
+          <a:bodyPr/>
+          <a:lstStyle/>
+          <a:p>
+            <a:pPr algn="ctr"/>
+            <a:r>
+              <a:rPr lang="fr-FR" dirty="0" err="1">
+                <a:latin typeface="Times New Roman" panose="02020603050405020304" pitchFamily="18" charset="0"/>
+                <a:cs typeface="Times New Roman" panose="02020603050405020304" pitchFamily="18" charset="0"/>
+              </a:rPr>
+              <a:t>IR_Send</a:t>
+            </a:r>
+            <a:endParaRPr lang="fr-FR" dirty="0">
+              <a:latin typeface="Times New Roman" panose="02020603050405020304" pitchFamily="18" charset="0"/>
+              <a:cs typeface="Times New Roman" panose="02020603050405020304" pitchFamily="18" charset="0"/>
+            </a:endParaRPr>
+          </a:p>
+        </p:txBody>
+      </p:sp>
+      <p:graphicFrame>
+        <p:nvGraphicFramePr>
+          <p:cNvPr id="4" name="Tableau 4">
+            <a:extLst>
+              <a:ext uri="{FF2B5EF4-FFF2-40B4-BE49-F238E27FC236}">
+                <a16:creationId xmlns:a16="http://schemas.microsoft.com/office/drawing/2014/main" id="{06718A65-FF99-455E-8F96-DA44F939BBE6}"/>
+              </a:ext>
+            </a:extLst>
+          </p:cNvPr>
+          <p:cNvGraphicFramePr>
+            <a:graphicFrameLocks noGrp="1"/>
+          </p:cNvGraphicFramePr>
+          <p:nvPr>
+            <p:ph idx="1"/>
+            <p:extLst>
+              <p:ext uri="{D42A27DB-BD31-4B8C-83A1-F6EECF244321}">
+                <p14:modId xmlns:p14="http://schemas.microsoft.com/office/powerpoint/2010/main" val="50087249"/>
+              </p:ext>
+            </p:extLst>
+          </p:nvPr>
+        </p:nvGraphicFramePr>
+        <p:xfrm>
+          <a:off x="838200" y="1108363"/>
+          <a:ext cx="10515600" cy="5384511"/>
+        </p:xfrm>
+        <a:graphic>
+          <a:graphicData uri="http://schemas.openxmlformats.org/drawingml/2006/table">
+            <a:tbl>
+              <a:tblPr firstRow="1" bandRow="1">
+                <a:tableStyleId>{5C22544A-7EE6-4342-B048-85BDC9FD1C3A}</a:tableStyleId>
+              </a:tblPr>
+              <a:tblGrid>
+                <a:gridCol w="5257800">
+                  <a:extLst>
+                    <a:ext uri="{9D8B030D-6E8A-4147-A177-3AD203B41FA5}">
+                      <a16:colId xmlns:a16="http://schemas.microsoft.com/office/drawing/2014/main" val="610986919"/>
+                    </a:ext>
+                  </a:extLst>
+                </a:gridCol>
+                <a:gridCol w="5257800">
+                  <a:extLst>
+                    <a:ext uri="{9D8B030D-6E8A-4147-A177-3AD203B41FA5}">
+                      <a16:colId xmlns:a16="http://schemas.microsoft.com/office/drawing/2014/main" val="792592970"/>
+                    </a:ext>
+                  </a:extLst>
+                </a:gridCol>
+              </a:tblGrid>
+              <a:tr h="5384511">
+                <a:tc>
+                  <a:txBody>
+                    <a:bodyPr/>
+                    <a:lstStyle/>
+                    <a:p>
+                      <a:r>
+                        <a:rPr lang="fr-FR" sz="1800" b="0" i="0" u="none" strike="noStrike" kern="1200" baseline="0" dirty="0">
+                          <a:solidFill>
+                            <a:schemeClr val="lt1"/>
+                          </a:solidFill>
+                          <a:latin typeface="+mn-lt"/>
+                          <a:ea typeface="+mn-ea"/>
+                          <a:cs typeface="+mn-cs"/>
+                        </a:rPr>
+                        <a:t>Code de l'émetteur /*  Emission infrarouge avec 2 boutons pour envoyer 2 codes, l'un pour baisser, l'autre pour augmenter la luminosité  Diode IR sur 3 obligatoire , avec 100 ohms(biblio)  une </a:t>
+                      </a:r>
+                      <a:r>
+                        <a:rPr lang="fr-FR" sz="1800" b="0" i="0" u="none" strike="noStrike" kern="1200" baseline="0" dirty="0" err="1">
+                          <a:solidFill>
+                            <a:schemeClr val="lt1"/>
+                          </a:solidFill>
+                          <a:latin typeface="+mn-lt"/>
+                          <a:ea typeface="+mn-ea"/>
+                          <a:cs typeface="+mn-cs"/>
+                        </a:rPr>
+                        <a:t>led</a:t>
+                      </a:r>
+                      <a:r>
+                        <a:rPr lang="fr-FR" sz="1800" b="0" i="0" u="none" strike="noStrike" kern="1200" baseline="0" dirty="0">
+                          <a:solidFill>
+                            <a:schemeClr val="lt1"/>
+                          </a:solidFill>
+                          <a:latin typeface="+mn-lt"/>
+                          <a:ea typeface="+mn-ea"/>
+                          <a:cs typeface="+mn-cs"/>
+                        </a:rPr>
+                        <a:t> s'allume au moment de l'envoi*/</a:t>
+                      </a:r>
+                    </a:p>
+                    <a:p>
+                      <a:r>
+                        <a:rPr lang="fr-FR" sz="1800" b="0" i="0" u="none" strike="noStrike" kern="1200" baseline="0" dirty="0">
+                          <a:solidFill>
+                            <a:schemeClr val="lt1"/>
+                          </a:solidFill>
+                          <a:latin typeface="+mn-lt"/>
+                          <a:ea typeface="+mn-ea"/>
+                          <a:cs typeface="+mn-cs"/>
+                        </a:rPr>
+                        <a:t>#</a:t>
+                      </a:r>
+                      <a:r>
+                        <a:rPr lang="fr-FR" sz="1800" b="0" i="0" u="none" strike="noStrike" kern="1200" baseline="0" dirty="0" err="1">
+                          <a:solidFill>
+                            <a:schemeClr val="lt1"/>
+                          </a:solidFill>
+                          <a:latin typeface="+mn-lt"/>
+                          <a:ea typeface="+mn-ea"/>
+                          <a:cs typeface="+mn-cs"/>
+                        </a:rPr>
+                        <a:t>include</a:t>
+                      </a:r>
+                      <a:r>
+                        <a:rPr lang="fr-FR" sz="1800" b="0" i="0" u="none" strike="noStrike" kern="1200" baseline="0" dirty="0">
+                          <a:solidFill>
+                            <a:schemeClr val="lt1"/>
+                          </a:solidFill>
+                          <a:latin typeface="+mn-lt"/>
+                          <a:ea typeface="+mn-ea"/>
+                          <a:cs typeface="+mn-cs"/>
+                        </a:rPr>
+                        <a:t> &lt;</a:t>
+                      </a:r>
+                      <a:r>
+                        <a:rPr lang="fr-FR" sz="1800" b="0" i="0" u="none" strike="noStrike" kern="1200" baseline="0" dirty="0" err="1">
+                          <a:solidFill>
+                            <a:schemeClr val="lt1"/>
+                          </a:solidFill>
+                          <a:latin typeface="+mn-lt"/>
+                          <a:ea typeface="+mn-ea"/>
+                          <a:cs typeface="+mn-cs"/>
+                        </a:rPr>
+                        <a:t>Irremote.h</a:t>
+                      </a:r>
+                      <a:r>
+                        <a:rPr lang="fr-FR" sz="1800" b="0" i="0" u="none" strike="noStrike" kern="1200" baseline="0" dirty="0">
+                          <a:solidFill>
+                            <a:schemeClr val="lt1"/>
+                          </a:solidFill>
+                          <a:latin typeface="+mn-lt"/>
+                          <a:ea typeface="+mn-ea"/>
+                          <a:cs typeface="+mn-cs"/>
+                        </a:rPr>
+                        <a:t>&gt;</a:t>
+                      </a:r>
+                    </a:p>
+                    <a:p>
+                      <a:endParaRPr lang="fr-FR" sz="1800" b="0" i="0" u="none" strike="noStrike" kern="1200" baseline="0" dirty="0">
+                        <a:solidFill>
+                          <a:schemeClr val="lt1"/>
+                        </a:solidFill>
+                        <a:latin typeface="+mn-lt"/>
+                        <a:ea typeface="+mn-ea"/>
+                        <a:cs typeface="+mn-cs"/>
+                      </a:endParaRPr>
+                    </a:p>
+                    <a:p>
+                      <a:r>
+                        <a:rPr lang="fr-FR" sz="1800" b="0" i="0" u="none" strike="noStrike" kern="1200" baseline="0" dirty="0" err="1">
+                          <a:solidFill>
+                            <a:schemeClr val="lt1"/>
+                          </a:solidFill>
+                          <a:latin typeface="+mn-lt"/>
+                          <a:ea typeface="+mn-ea"/>
+                          <a:cs typeface="+mn-cs"/>
+                        </a:rPr>
+                        <a:t>IRsend</a:t>
+                      </a:r>
+                      <a:r>
+                        <a:rPr lang="fr-FR" sz="1800" b="0" i="0" u="none" strike="noStrike" kern="1200" baseline="0" dirty="0">
+                          <a:solidFill>
+                            <a:schemeClr val="lt1"/>
+                          </a:solidFill>
+                          <a:latin typeface="+mn-lt"/>
+                          <a:ea typeface="+mn-ea"/>
+                          <a:cs typeface="+mn-cs"/>
+                        </a:rPr>
+                        <a:t> </a:t>
+                      </a:r>
+                      <a:r>
+                        <a:rPr lang="fr-FR" sz="1800" b="0" i="0" u="none" strike="noStrike" kern="1200" baseline="0" dirty="0" err="1">
+                          <a:solidFill>
+                            <a:schemeClr val="lt1"/>
+                          </a:solidFill>
+                          <a:latin typeface="+mn-lt"/>
+                          <a:ea typeface="+mn-ea"/>
+                          <a:cs typeface="+mn-cs"/>
+                        </a:rPr>
+                        <a:t>emission_ir</a:t>
+                      </a:r>
+                      <a:r>
+                        <a:rPr lang="fr-FR" sz="1800" b="0" i="0" u="none" strike="noStrike" kern="1200" baseline="0" dirty="0">
+                          <a:solidFill>
+                            <a:schemeClr val="lt1"/>
+                          </a:solidFill>
+                          <a:latin typeface="+mn-lt"/>
+                          <a:ea typeface="+mn-ea"/>
+                          <a:cs typeface="+mn-cs"/>
+                        </a:rPr>
+                        <a:t>; // crée une instance </a:t>
+                      </a:r>
+                    </a:p>
+                    <a:p>
+                      <a:r>
+                        <a:rPr lang="fr-FR" sz="1800" b="0" i="0" u="none" strike="noStrike" kern="1200" baseline="0" dirty="0" err="1">
+                          <a:solidFill>
+                            <a:schemeClr val="lt1"/>
+                          </a:solidFill>
+                          <a:latin typeface="+mn-lt"/>
+                          <a:ea typeface="+mn-ea"/>
+                          <a:cs typeface="+mn-cs"/>
+                        </a:rPr>
+                        <a:t>const</a:t>
+                      </a:r>
+                      <a:r>
+                        <a:rPr lang="fr-FR" sz="1800" b="0" i="0" u="none" strike="noStrike" kern="1200" baseline="0" dirty="0">
+                          <a:solidFill>
+                            <a:schemeClr val="lt1"/>
+                          </a:solidFill>
+                          <a:latin typeface="+mn-lt"/>
+                          <a:ea typeface="+mn-ea"/>
+                          <a:cs typeface="+mn-cs"/>
+                        </a:rPr>
+                        <a:t> byte </a:t>
+                      </a:r>
+                      <a:r>
+                        <a:rPr lang="fr-FR" sz="1800" b="0" i="0" u="none" strike="noStrike" kern="1200" baseline="0" dirty="0" err="1">
+                          <a:solidFill>
+                            <a:schemeClr val="lt1"/>
+                          </a:solidFill>
+                          <a:latin typeface="+mn-lt"/>
+                          <a:ea typeface="+mn-ea"/>
+                          <a:cs typeface="+mn-cs"/>
+                        </a:rPr>
+                        <a:t>led</a:t>
+                      </a:r>
+                      <a:r>
+                        <a:rPr lang="fr-FR" sz="1800" b="0" i="0" u="none" strike="noStrike" kern="1200" baseline="0" dirty="0">
+                          <a:solidFill>
+                            <a:schemeClr val="lt1"/>
+                          </a:solidFill>
+                          <a:latin typeface="+mn-lt"/>
+                          <a:ea typeface="+mn-ea"/>
+                          <a:cs typeface="+mn-cs"/>
+                        </a:rPr>
+                        <a:t>=7; </a:t>
+                      </a:r>
+                    </a:p>
+                    <a:p>
+                      <a:r>
+                        <a:rPr lang="fr-FR" sz="1800" b="0" i="0" u="none" strike="noStrike" kern="1200" baseline="0" dirty="0" err="1">
+                          <a:solidFill>
+                            <a:schemeClr val="lt1"/>
+                          </a:solidFill>
+                          <a:latin typeface="+mn-lt"/>
+                          <a:ea typeface="+mn-ea"/>
+                          <a:cs typeface="+mn-cs"/>
+                        </a:rPr>
+                        <a:t>const</a:t>
+                      </a:r>
+                      <a:r>
+                        <a:rPr lang="fr-FR" sz="1800" b="0" i="0" u="none" strike="noStrike" kern="1200" baseline="0" dirty="0">
+                          <a:solidFill>
+                            <a:schemeClr val="lt1"/>
+                          </a:solidFill>
+                          <a:latin typeface="+mn-lt"/>
+                          <a:ea typeface="+mn-ea"/>
+                          <a:cs typeface="+mn-cs"/>
+                        </a:rPr>
+                        <a:t> byte inter1=6; </a:t>
+                      </a:r>
+                    </a:p>
+                    <a:p>
+                      <a:r>
+                        <a:rPr lang="fr-FR" sz="1800" b="0" i="0" u="none" strike="noStrike" kern="1200" baseline="0" dirty="0" err="1">
+                          <a:solidFill>
+                            <a:schemeClr val="lt1"/>
+                          </a:solidFill>
+                          <a:latin typeface="+mn-lt"/>
+                          <a:ea typeface="+mn-ea"/>
+                          <a:cs typeface="+mn-cs"/>
+                        </a:rPr>
+                        <a:t>const</a:t>
+                      </a:r>
+                      <a:r>
+                        <a:rPr lang="fr-FR" sz="1800" b="0" i="0" u="none" strike="noStrike" kern="1200" baseline="0" dirty="0">
+                          <a:solidFill>
+                            <a:schemeClr val="lt1"/>
+                          </a:solidFill>
+                          <a:latin typeface="+mn-lt"/>
+                          <a:ea typeface="+mn-ea"/>
+                          <a:cs typeface="+mn-cs"/>
+                        </a:rPr>
+                        <a:t> byte inter2=9; </a:t>
+                      </a:r>
+                    </a:p>
+                    <a:p>
+                      <a:r>
+                        <a:rPr lang="fr-FR" sz="1800" b="0" i="0" u="none" strike="noStrike" kern="1200" baseline="0" dirty="0">
+                          <a:solidFill>
+                            <a:schemeClr val="lt1"/>
+                          </a:solidFill>
+                          <a:latin typeface="+mn-lt"/>
+                          <a:ea typeface="+mn-ea"/>
+                          <a:cs typeface="+mn-cs"/>
+                        </a:rPr>
+                        <a:t>byte etat_inter1=0; </a:t>
+                      </a:r>
+                    </a:p>
+                    <a:p>
+                      <a:r>
+                        <a:rPr lang="fr-FR" sz="1800" b="0" i="0" u="none" strike="noStrike" kern="1200" baseline="0" dirty="0">
+                          <a:solidFill>
+                            <a:schemeClr val="lt1"/>
+                          </a:solidFill>
+                          <a:latin typeface="+mn-lt"/>
+                          <a:ea typeface="+mn-ea"/>
+                          <a:cs typeface="+mn-cs"/>
+                        </a:rPr>
+                        <a:t>byte etat_inter2=0;</a:t>
+                      </a:r>
+                    </a:p>
+                    <a:p>
+                      <a:r>
+                        <a:rPr lang="fr-FR" sz="1800" b="0" i="0" u="none" strike="noStrike" kern="1200" baseline="0" dirty="0" err="1">
+                          <a:solidFill>
+                            <a:schemeClr val="lt1"/>
+                          </a:solidFill>
+                          <a:latin typeface="+mn-lt"/>
+                          <a:ea typeface="+mn-ea"/>
+                          <a:cs typeface="+mn-cs"/>
+                        </a:rPr>
+                        <a:t>void</a:t>
+                      </a:r>
+                      <a:r>
+                        <a:rPr lang="fr-FR" sz="1800" b="0" i="0" u="none" strike="noStrike" kern="1200" baseline="0" dirty="0">
+                          <a:solidFill>
+                            <a:schemeClr val="lt1"/>
+                          </a:solidFill>
+                          <a:latin typeface="+mn-lt"/>
+                          <a:ea typeface="+mn-ea"/>
+                          <a:cs typeface="+mn-cs"/>
+                        </a:rPr>
+                        <a:t> setup(){  </a:t>
+                      </a:r>
+                    </a:p>
+                    <a:p>
+                      <a:r>
+                        <a:rPr lang="fr-FR" sz="1800" b="0" i="0" u="none" strike="noStrike" kern="1200" baseline="0" dirty="0" err="1">
+                          <a:solidFill>
+                            <a:schemeClr val="lt1"/>
+                          </a:solidFill>
+                          <a:latin typeface="+mn-lt"/>
+                          <a:ea typeface="+mn-ea"/>
+                          <a:cs typeface="+mn-cs"/>
+                        </a:rPr>
+                        <a:t>pinMode</a:t>
+                      </a:r>
+                      <a:r>
+                        <a:rPr lang="fr-FR" sz="1800" b="0" i="0" u="none" strike="noStrike" kern="1200" baseline="0" dirty="0">
+                          <a:solidFill>
+                            <a:schemeClr val="lt1"/>
+                          </a:solidFill>
+                          <a:latin typeface="+mn-lt"/>
+                          <a:ea typeface="+mn-ea"/>
+                          <a:cs typeface="+mn-cs"/>
+                        </a:rPr>
+                        <a:t>(</a:t>
+                      </a:r>
+                      <a:r>
+                        <a:rPr lang="fr-FR" sz="1800" b="0" i="0" u="none" strike="noStrike" kern="1200" baseline="0" dirty="0" err="1">
+                          <a:solidFill>
+                            <a:schemeClr val="lt1"/>
+                          </a:solidFill>
+                          <a:latin typeface="+mn-lt"/>
+                          <a:ea typeface="+mn-ea"/>
+                          <a:cs typeface="+mn-cs"/>
+                        </a:rPr>
+                        <a:t>led,OUTPUT</a:t>
+                      </a:r>
+                      <a:r>
+                        <a:rPr lang="fr-FR" sz="1800" b="0" i="0" u="none" strike="noStrike" kern="1200" baseline="0" dirty="0">
+                          <a:solidFill>
+                            <a:schemeClr val="lt1"/>
+                          </a:solidFill>
+                          <a:latin typeface="+mn-lt"/>
+                          <a:ea typeface="+mn-ea"/>
+                          <a:cs typeface="+mn-cs"/>
+                        </a:rPr>
+                        <a:t>);  </a:t>
+                      </a:r>
+                    </a:p>
+                    <a:p>
+                      <a:r>
+                        <a:rPr lang="fr-FR" sz="1800" b="0" i="0" u="none" strike="noStrike" kern="1200" baseline="0" dirty="0" err="1">
+                          <a:solidFill>
+                            <a:schemeClr val="lt1"/>
+                          </a:solidFill>
+                          <a:latin typeface="+mn-lt"/>
+                          <a:ea typeface="+mn-ea"/>
+                          <a:cs typeface="+mn-cs"/>
+                        </a:rPr>
+                        <a:t>pinMode</a:t>
+                      </a:r>
+                      <a:r>
+                        <a:rPr lang="fr-FR" sz="1800" b="0" i="0" u="none" strike="noStrike" kern="1200" baseline="0" dirty="0">
+                          <a:solidFill>
+                            <a:schemeClr val="lt1"/>
+                          </a:solidFill>
+                          <a:latin typeface="+mn-lt"/>
+                          <a:ea typeface="+mn-ea"/>
+                          <a:cs typeface="+mn-cs"/>
+                        </a:rPr>
+                        <a:t>(inter1,INPUT_PULLUP); // les inters sont en </a:t>
+                      </a:r>
+                      <a:r>
+                        <a:rPr lang="fr-FR" sz="1800" b="0" i="0" u="none" strike="noStrike" kern="1200" baseline="0" dirty="0" err="1">
+                          <a:solidFill>
+                            <a:schemeClr val="lt1"/>
+                          </a:solidFill>
+                          <a:latin typeface="+mn-lt"/>
+                          <a:ea typeface="+mn-ea"/>
+                          <a:cs typeface="+mn-cs"/>
+                        </a:rPr>
+                        <a:t>pull_up</a:t>
+                      </a:r>
+                      <a:r>
+                        <a:rPr lang="fr-FR" sz="1800" b="0" i="0" u="none" strike="noStrike" kern="1200" baseline="0" dirty="0">
+                          <a:solidFill>
+                            <a:schemeClr val="lt1"/>
+                          </a:solidFill>
+                          <a:latin typeface="+mn-lt"/>
+                          <a:ea typeface="+mn-ea"/>
+                          <a:cs typeface="+mn-cs"/>
+                        </a:rPr>
+                        <a:t> interne </a:t>
+                      </a:r>
+                      <a:r>
+                        <a:rPr lang="fr-FR" sz="1800" b="0" i="0" u="none" strike="noStrike" kern="1200" baseline="0" dirty="0" err="1">
+                          <a:solidFill>
+                            <a:schemeClr val="lt1"/>
+                          </a:solidFill>
+                          <a:latin typeface="+mn-lt"/>
+                          <a:ea typeface="+mn-ea"/>
+                          <a:cs typeface="+mn-cs"/>
+                        </a:rPr>
+                        <a:t>arduino</a:t>
+                      </a:r>
+                      <a:r>
+                        <a:rPr lang="fr-FR" sz="1800" b="0" i="0" u="none" strike="noStrike" kern="1200" baseline="0" dirty="0">
+                          <a:solidFill>
+                            <a:schemeClr val="lt1"/>
+                          </a:solidFill>
+                          <a:latin typeface="+mn-lt"/>
+                          <a:ea typeface="+mn-ea"/>
+                          <a:cs typeface="+mn-cs"/>
+                        </a:rPr>
+                        <a:t>, donc 1 ouvert  </a:t>
+                      </a:r>
+                      <a:r>
+                        <a:rPr lang="fr-FR" sz="1800" b="0" i="0" u="none" strike="noStrike" kern="1200" baseline="0" dirty="0" err="1">
+                          <a:solidFill>
+                            <a:schemeClr val="lt1"/>
+                          </a:solidFill>
+                          <a:latin typeface="+mn-lt"/>
+                          <a:ea typeface="+mn-ea"/>
+                          <a:cs typeface="+mn-cs"/>
+                        </a:rPr>
+                        <a:t>pinMode</a:t>
+                      </a:r>
+                      <a:r>
+                        <a:rPr lang="fr-FR" sz="1800" b="0" i="0" u="none" strike="noStrike" kern="1200" baseline="0" dirty="0">
+                          <a:solidFill>
+                            <a:schemeClr val="lt1"/>
+                          </a:solidFill>
+                          <a:latin typeface="+mn-lt"/>
+                          <a:ea typeface="+mn-ea"/>
+                          <a:cs typeface="+mn-cs"/>
+                        </a:rPr>
+                        <a:t>(inter2,INPUT_PULLUP); </a:t>
+                      </a:r>
+                    </a:p>
+                    <a:p>
+                      <a:r>
+                        <a:rPr lang="fr-FR" sz="1800" b="0" i="0" u="none" strike="noStrike" kern="1200" baseline="0" dirty="0">
+                          <a:solidFill>
+                            <a:schemeClr val="lt1"/>
+                          </a:solidFill>
+                          <a:latin typeface="+mn-lt"/>
+                          <a:ea typeface="+mn-ea"/>
+                          <a:cs typeface="+mn-cs"/>
+                        </a:rPr>
+                        <a:t>}</a:t>
+                      </a:r>
+                    </a:p>
+                  </a:txBody>
+                  <a:tcPr/>
+                </a:tc>
+                <a:tc>
+                  <a:txBody>
+                    <a:bodyPr/>
+                    <a:lstStyle/>
+                    <a:p>
+                      <a:r>
+                        <a:rPr lang="fr-FR" sz="1800" b="0" i="0" u="none" strike="noStrike" kern="1200" baseline="0" dirty="0" err="1">
+                          <a:solidFill>
+                            <a:schemeClr val="lt1"/>
+                          </a:solidFill>
+                          <a:latin typeface="+mn-lt"/>
+                          <a:ea typeface="+mn-ea"/>
+                          <a:cs typeface="+mn-cs"/>
+                        </a:rPr>
+                        <a:t>void</a:t>
+                      </a:r>
+                      <a:r>
+                        <a:rPr lang="fr-FR" sz="1800" b="0" i="0" u="none" strike="noStrike" kern="1200" baseline="0" dirty="0">
+                          <a:solidFill>
+                            <a:schemeClr val="lt1"/>
+                          </a:solidFill>
+                          <a:latin typeface="+mn-lt"/>
+                          <a:ea typeface="+mn-ea"/>
+                          <a:cs typeface="+mn-cs"/>
+                        </a:rPr>
+                        <a:t> </a:t>
+                      </a:r>
+                      <a:r>
+                        <a:rPr lang="fr-FR" sz="1800" b="0" i="0" u="none" strike="noStrike" kern="1200" baseline="0" dirty="0" err="1">
+                          <a:solidFill>
+                            <a:schemeClr val="lt1"/>
+                          </a:solidFill>
+                          <a:latin typeface="+mn-lt"/>
+                          <a:ea typeface="+mn-ea"/>
+                          <a:cs typeface="+mn-cs"/>
+                        </a:rPr>
+                        <a:t>loop</a:t>
+                      </a:r>
+                      <a:r>
+                        <a:rPr lang="fr-FR" sz="1800" b="0" i="0" u="none" strike="noStrike" kern="1200" baseline="0" dirty="0">
+                          <a:solidFill>
+                            <a:schemeClr val="lt1"/>
+                          </a:solidFill>
+                          <a:latin typeface="+mn-lt"/>
+                          <a:ea typeface="+mn-ea"/>
+                          <a:cs typeface="+mn-cs"/>
+                        </a:rPr>
+                        <a:t>(){    </a:t>
+                      </a:r>
+                    </a:p>
+                    <a:p>
+                      <a:r>
+                        <a:rPr lang="fr-FR" sz="1800" b="0" i="0" u="none" strike="noStrike" kern="1200" baseline="0" dirty="0">
+                          <a:solidFill>
+                            <a:schemeClr val="lt1"/>
+                          </a:solidFill>
+                          <a:latin typeface="+mn-lt"/>
+                          <a:ea typeface="+mn-ea"/>
+                          <a:cs typeface="+mn-cs"/>
+                        </a:rPr>
+                        <a:t>etat_inter1=</a:t>
+                      </a:r>
+                      <a:r>
+                        <a:rPr lang="fr-FR" sz="1800" b="0" i="0" u="none" strike="noStrike" kern="1200" baseline="0" dirty="0" err="1">
+                          <a:solidFill>
+                            <a:schemeClr val="lt1"/>
+                          </a:solidFill>
+                          <a:latin typeface="+mn-lt"/>
+                          <a:ea typeface="+mn-ea"/>
+                          <a:cs typeface="+mn-cs"/>
+                        </a:rPr>
+                        <a:t>digitalRead</a:t>
+                      </a:r>
+                      <a:r>
+                        <a:rPr lang="fr-FR" sz="1800" b="0" i="0" u="none" strike="noStrike" kern="1200" baseline="0" dirty="0">
+                          <a:solidFill>
+                            <a:schemeClr val="lt1"/>
+                          </a:solidFill>
+                          <a:latin typeface="+mn-lt"/>
+                          <a:ea typeface="+mn-ea"/>
+                          <a:cs typeface="+mn-cs"/>
+                        </a:rPr>
+                        <a:t>(inter1);    </a:t>
+                      </a:r>
+                    </a:p>
+                    <a:p>
+                      <a:r>
+                        <a:rPr lang="fr-FR" sz="1800" b="0" i="0" u="none" strike="noStrike" kern="1200" baseline="0" dirty="0">
+                          <a:solidFill>
+                            <a:schemeClr val="lt1"/>
+                          </a:solidFill>
+                          <a:latin typeface="+mn-lt"/>
+                          <a:ea typeface="+mn-ea"/>
+                          <a:cs typeface="+mn-cs"/>
+                        </a:rPr>
+                        <a:t>etat_inter2=</a:t>
+                      </a:r>
+                      <a:r>
+                        <a:rPr lang="fr-FR" sz="1800" b="0" i="0" u="none" strike="noStrike" kern="1200" baseline="0" dirty="0" err="1">
+                          <a:solidFill>
+                            <a:schemeClr val="lt1"/>
+                          </a:solidFill>
+                          <a:latin typeface="+mn-lt"/>
+                          <a:ea typeface="+mn-ea"/>
+                          <a:cs typeface="+mn-cs"/>
+                        </a:rPr>
+                        <a:t>digitalRead</a:t>
+                      </a:r>
+                      <a:r>
+                        <a:rPr lang="fr-FR" sz="1800" b="0" i="0" u="none" strike="noStrike" kern="1200" baseline="0" dirty="0">
+                          <a:solidFill>
+                            <a:schemeClr val="lt1"/>
+                          </a:solidFill>
+                          <a:latin typeface="+mn-lt"/>
+                          <a:ea typeface="+mn-ea"/>
+                          <a:cs typeface="+mn-cs"/>
+                        </a:rPr>
+                        <a:t>(inter2);    </a:t>
+                      </a:r>
+                    </a:p>
+                    <a:p>
+                      <a:r>
+                        <a:rPr lang="fr-FR" sz="1800" b="0" i="0" u="none" strike="noStrike" kern="1200" baseline="0" dirty="0">
+                          <a:solidFill>
+                            <a:schemeClr val="lt1"/>
+                          </a:solidFill>
+                          <a:latin typeface="+mn-lt"/>
+                          <a:ea typeface="+mn-ea"/>
+                          <a:cs typeface="+mn-cs"/>
+                        </a:rPr>
+                        <a:t>if (etat_inter1==0){      </a:t>
+                      </a:r>
+                    </a:p>
+                    <a:p>
+                      <a:r>
+                        <a:rPr lang="fr-FR" sz="1800" b="0" i="0" u="none" strike="noStrike" kern="1200" baseline="0" dirty="0" err="1">
+                          <a:solidFill>
+                            <a:schemeClr val="lt1"/>
+                          </a:solidFill>
+                          <a:latin typeface="+mn-lt"/>
+                          <a:ea typeface="+mn-ea"/>
+                          <a:cs typeface="+mn-cs"/>
+                        </a:rPr>
+                        <a:t>digitalWrite</a:t>
+                      </a:r>
+                      <a:r>
+                        <a:rPr lang="fr-FR" sz="1800" b="0" i="0" u="none" strike="noStrike" kern="1200" baseline="0" dirty="0">
+                          <a:solidFill>
+                            <a:schemeClr val="lt1"/>
+                          </a:solidFill>
+                          <a:latin typeface="+mn-lt"/>
+                          <a:ea typeface="+mn-ea"/>
+                          <a:cs typeface="+mn-cs"/>
+                        </a:rPr>
+                        <a:t>(</a:t>
+                      </a:r>
+                      <a:r>
+                        <a:rPr lang="fr-FR" sz="1800" b="0" i="0" u="none" strike="noStrike" kern="1200" baseline="0" dirty="0" err="1">
+                          <a:solidFill>
+                            <a:schemeClr val="lt1"/>
+                          </a:solidFill>
+                          <a:latin typeface="+mn-lt"/>
+                          <a:ea typeface="+mn-ea"/>
+                          <a:cs typeface="+mn-cs"/>
+                        </a:rPr>
+                        <a:t>led,HIGH</a:t>
+                      </a:r>
+                      <a:r>
+                        <a:rPr lang="fr-FR" sz="1800" b="0" i="0" u="none" strike="noStrike" kern="1200" baseline="0" dirty="0">
+                          <a:solidFill>
+                            <a:schemeClr val="lt1"/>
+                          </a:solidFill>
+                          <a:latin typeface="+mn-lt"/>
+                          <a:ea typeface="+mn-ea"/>
+                          <a:cs typeface="+mn-cs"/>
+                        </a:rPr>
+                        <a:t>);      </a:t>
+                      </a:r>
+                    </a:p>
+                    <a:p>
+                      <a:r>
+                        <a:rPr lang="fr-FR" sz="1800" b="0" i="0" u="none" strike="noStrike" kern="1200" baseline="0" dirty="0" err="1">
+                          <a:solidFill>
+                            <a:schemeClr val="lt1"/>
+                          </a:solidFill>
+                          <a:latin typeface="+mn-lt"/>
+                          <a:ea typeface="+mn-ea"/>
+                          <a:cs typeface="+mn-cs"/>
+                        </a:rPr>
+                        <a:t>emission_ir.sendNEC</a:t>
+                      </a:r>
+                      <a:r>
+                        <a:rPr lang="fr-FR" sz="1800" b="0" i="0" u="none" strike="noStrike" kern="1200" baseline="0" dirty="0">
+                          <a:solidFill>
+                            <a:schemeClr val="lt1"/>
+                          </a:solidFill>
+                          <a:latin typeface="+mn-lt"/>
+                          <a:ea typeface="+mn-ea"/>
+                          <a:cs typeface="+mn-cs"/>
+                        </a:rPr>
+                        <a:t>(0xFB2AD5, 32);       </a:t>
+                      </a:r>
+                    </a:p>
+                    <a:p>
+                      <a:r>
+                        <a:rPr lang="en-US" sz="1800" b="0" i="0" u="none" strike="noStrike" kern="1200" baseline="0" dirty="0">
+                          <a:solidFill>
+                            <a:schemeClr val="lt1"/>
+                          </a:solidFill>
+                          <a:latin typeface="+mn-lt"/>
+                          <a:ea typeface="+mn-ea"/>
+                          <a:cs typeface="+mn-cs"/>
+                        </a:rPr>
+                        <a:t>delay(500);      </a:t>
+                      </a:r>
+                      <a:r>
+                        <a:rPr lang="en-US" sz="1800" b="0" i="0" u="none" strike="noStrike" kern="1200" baseline="0" dirty="0" err="1">
+                          <a:solidFill>
+                            <a:schemeClr val="lt1"/>
+                          </a:solidFill>
+                          <a:latin typeface="+mn-lt"/>
+                          <a:ea typeface="+mn-ea"/>
+                          <a:cs typeface="+mn-cs"/>
+                        </a:rPr>
+                        <a:t>digitalWrite</a:t>
+                      </a:r>
+                      <a:r>
+                        <a:rPr lang="en-US" sz="1800" b="0" i="0" u="none" strike="noStrike" kern="1200" baseline="0" dirty="0">
+                          <a:solidFill>
+                            <a:schemeClr val="lt1"/>
+                          </a:solidFill>
+                          <a:latin typeface="+mn-lt"/>
+                          <a:ea typeface="+mn-ea"/>
+                          <a:cs typeface="+mn-cs"/>
+                        </a:rPr>
+                        <a:t>(</a:t>
+                      </a:r>
+                      <a:r>
+                        <a:rPr lang="en-US" sz="1800" b="0" i="0" u="none" strike="noStrike" kern="1200" baseline="0" dirty="0" err="1">
+                          <a:solidFill>
+                            <a:schemeClr val="lt1"/>
+                          </a:solidFill>
+                          <a:latin typeface="+mn-lt"/>
+                          <a:ea typeface="+mn-ea"/>
+                          <a:cs typeface="+mn-cs"/>
+                        </a:rPr>
+                        <a:t>led,LOW</a:t>
+                      </a:r>
+                      <a:r>
+                        <a:rPr lang="en-US" sz="1800" b="0" i="0" u="none" strike="noStrike" kern="1200" baseline="0" dirty="0">
+                          <a:solidFill>
+                            <a:schemeClr val="lt1"/>
+                          </a:solidFill>
+                          <a:latin typeface="+mn-lt"/>
+                          <a:ea typeface="+mn-ea"/>
+                          <a:cs typeface="+mn-cs"/>
+                        </a:rPr>
+                        <a:t>);   </a:t>
+                      </a:r>
+                    </a:p>
+                    <a:p>
+                      <a:r>
+                        <a:rPr lang="fr-FR" sz="1800" b="0" i="0" u="none" strike="noStrike" kern="1200" baseline="0" dirty="0">
+                          <a:solidFill>
+                            <a:schemeClr val="lt1"/>
+                          </a:solidFill>
+                          <a:latin typeface="+mn-lt"/>
+                          <a:ea typeface="+mn-ea"/>
+                          <a:cs typeface="+mn-cs"/>
+                        </a:rPr>
+                        <a:t> }   </a:t>
+                      </a:r>
+                    </a:p>
+                    <a:p>
+                      <a:r>
+                        <a:rPr lang="fr-FR" sz="1800" b="0" i="0" u="none" strike="noStrike" kern="1200" baseline="0" dirty="0">
+                          <a:solidFill>
+                            <a:schemeClr val="lt1"/>
+                          </a:solidFill>
+                          <a:latin typeface="+mn-lt"/>
+                          <a:ea typeface="+mn-ea"/>
+                          <a:cs typeface="+mn-cs"/>
+                        </a:rPr>
+                        <a:t> if (etat_inter2==0){     </a:t>
+                      </a:r>
+                    </a:p>
+                    <a:p>
+                      <a:r>
+                        <a:rPr lang="fr-FR" sz="1800" b="0" i="0" u="none" strike="noStrike" kern="1200" baseline="0" dirty="0">
+                          <a:solidFill>
+                            <a:schemeClr val="lt1"/>
+                          </a:solidFill>
+                          <a:latin typeface="+mn-lt"/>
+                          <a:ea typeface="+mn-ea"/>
+                          <a:cs typeface="+mn-cs"/>
+                        </a:rPr>
+                        <a:t> </a:t>
+                      </a:r>
+                      <a:r>
+                        <a:rPr lang="fr-FR" sz="1800" b="0" i="0" u="none" strike="noStrike" kern="1200" baseline="0" dirty="0" err="1">
+                          <a:solidFill>
+                            <a:schemeClr val="lt1"/>
+                          </a:solidFill>
+                          <a:latin typeface="+mn-lt"/>
+                          <a:ea typeface="+mn-ea"/>
+                          <a:cs typeface="+mn-cs"/>
+                        </a:rPr>
+                        <a:t>digitalWrite</a:t>
+                      </a:r>
+                      <a:r>
+                        <a:rPr lang="fr-FR" sz="1800" b="0" i="0" u="none" strike="noStrike" kern="1200" baseline="0" dirty="0">
+                          <a:solidFill>
+                            <a:schemeClr val="lt1"/>
+                          </a:solidFill>
+                          <a:latin typeface="+mn-lt"/>
+                          <a:ea typeface="+mn-ea"/>
+                          <a:cs typeface="+mn-cs"/>
+                        </a:rPr>
+                        <a:t>(</a:t>
+                      </a:r>
+                      <a:r>
+                        <a:rPr lang="fr-FR" sz="1800" b="0" i="0" u="none" strike="noStrike" kern="1200" baseline="0" dirty="0" err="1">
+                          <a:solidFill>
+                            <a:schemeClr val="lt1"/>
+                          </a:solidFill>
+                          <a:latin typeface="+mn-lt"/>
+                          <a:ea typeface="+mn-ea"/>
+                          <a:cs typeface="+mn-cs"/>
+                        </a:rPr>
+                        <a:t>led,HIGH</a:t>
+                      </a:r>
+                      <a:r>
+                        <a:rPr lang="fr-FR" sz="1800" b="0" i="0" u="none" strike="noStrike" kern="1200" baseline="0" dirty="0">
+                          <a:solidFill>
+                            <a:schemeClr val="lt1"/>
+                          </a:solidFill>
+                          <a:latin typeface="+mn-lt"/>
+                          <a:ea typeface="+mn-ea"/>
+                          <a:cs typeface="+mn-cs"/>
+                        </a:rPr>
+                        <a:t>);      </a:t>
+                      </a:r>
+                    </a:p>
+                    <a:p>
+                      <a:r>
+                        <a:rPr lang="fr-FR" sz="1800" b="0" i="0" u="none" strike="noStrike" kern="1200" baseline="0" dirty="0" err="1">
+                          <a:solidFill>
+                            <a:schemeClr val="lt1"/>
+                          </a:solidFill>
+                          <a:latin typeface="+mn-lt"/>
+                          <a:ea typeface="+mn-ea"/>
+                          <a:cs typeface="+mn-cs"/>
+                        </a:rPr>
+                        <a:t>emission_ir.sendNEC</a:t>
+                      </a:r>
+                      <a:r>
+                        <a:rPr lang="fr-FR" sz="1800" b="0" i="0" u="none" strike="noStrike" kern="1200" baseline="0" dirty="0">
+                          <a:solidFill>
+                            <a:schemeClr val="lt1"/>
+                          </a:solidFill>
+                          <a:latin typeface="+mn-lt"/>
+                          <a:ea typeface="+mn-ea"/>
+                          <a:cs typeface="+mn-cs"/>
+                        </a:rPr>
+                        <a:t>(0xFB6897, 32);       </a:t>
+                      </a:r>
+                    </a:p>
+                    <a:p>
+                      <a:r>
+                        <a:rPr lang="fr-FR" sz="1800" b="0" i="0" u="none" strike="noStrike" kern="1200" baseline="0" dirty="0" err="1">
+                          <a:solidFill>
+                            <a:schemeClr val="lt1"/>
+                          </a:solidFill>
+                          <a:latin typeface="+mn-lt"/>
+                          <a:ea typeface="+mn-ea"/>
+                          <a:cs typeface="+mn-cs"/>
+                        </a:rPr>
+                        <a:t>delay</a:t>
+                      </a:r>
+                      <a:r>
+                        <a:rPr lang="fr-FR" sz="1800" b="0" i="0" u="none" strike="noStrike" kern="1200" baseline="0" dirty="0">
+                          <a:solidFill>
+                            <a:schemeClr val="lt1"/>
+                          </a:solidFill>
+                          <a:latin typeface="+mn-lt"/>
+                          <a:ea typeface="+mn-ea"/>
+                          <a:cs typeface="+mn-cs"/>
+                        </a:rPr>
+                        <a:t>(500);      </a:t>
+                      </a:r>
+                    </a:p>
+                    <a:p>
+                      <a:r>
+                        <a:rPr lang="fr-FR" sz="1800" b="0" i="0" u="none" strike="noStrike" kern="1200" baseline="0" dirty="0" err="1">
+                          <a:solidFill>
+                            <a:schemeClr val="lt1"/>
+                          </a:solidFill>
+                          <a:latin typeface="+mn-lt"/>
+                          <a:ea typeface="+mn-ea"/>
+                          <a:cs typeface="+mn-cs"/>
+                        </a:rPr>
+                        <a:t>digitalWrite</a:t>
+                      </a:r>
+                      <a:r>
+                        <a:rPr lang="fr-FR" sz="1800" b="0" i="0" u="none" strike="noStrike" kern="1200" baseline="0" dirty="0">
+                          <a:solidFill>
+                            <a:schemeClr val="lt1"/>
+                          </a:solidFill>
+                          <a:latin typeface="+mn-lt"/>
+                          <a:ea typeface="+mn-ea"/>
+                          <a:cs typeface="+mn-cs"/>
+                        </a:rPr>
+                        <a:t>(</a:t>
+                      </a:r>
+                      <a:r>
+                        <a:rPr lang="fr-FR" sz="1800" b="0" i="0" u="none" strike="noStrike" kern="1200" baseline="0" dirty="0" err="1">
+                          <a:solidFill>
+                            <a:schemeClr val="lt1"/>
+                          </a:solidFill>
+                          <a:latin typeface="+mn-lt"/>
+                          <a:ea typeface="+mn-ea"/>
+                          <a:cs typeface="+mn-cs"/>
+                        </a:rPr>
+                        <a:t>led,LOW</a:t>
+                      </a:r>
+                      <a:r>
+                        <a:rPr lang="fr-FR" sz="1800" b="0" i="0" u="none" strike="noStrike" kern="1200" baseline="0" dirty="0">
+                          <a:solidFill>
+                            <a:schemeClr val="lt1"/>
+                          </a:solidFill>
+                          <a:latin typeface="+mn-lt"/>
+                          <a:ea typeface="+mn-ea"/>
+                          <a:cs typeface="+mn-cs"/>
+                        </a:rPr>
+                        <a:t>);   </a:t>
+                      </a:r>
+                    </a:p>
+                    <a:p>
+                      <a:r>
+                        <a:rPr lang="fr-FR" sz="1800" b="0" i="0" u="none" strike="noStrike" kern="1200" baseline="0" dirty="0">
+                          <a:solidFill>
+                            <a:schemeClr val="lt1"/>
+                          </a:solidFill>
+                          <a:latin typeface="+mn-lt"/>
+                          <a:ea typeface="+mn-ea"/>
+                          <a:cs typeface="+mn-cs"/>
+                        </a:rPr>
+                        <a:t>  }</a:t>
+                      </a:r>
+                    </a:p>
+                    <a:p>
+                      <a:r>
+                        <a:rPr lang="fr-FR" sz="1800" b="0" i="0" u="none" strike="noStrike" kern="1200" baseline="0" dirty="0">
+                          <a:solidFill>
+                            <a:schemeClr val="lt1"/>
+                          </a:solidFill>
+                          <a:latin typeface="+mn-lt"/>
+                          <a:ea typeface="+mn-ea"/>
+                          <a:cs typeface="+mn-cs"/>
+                        </a:rPr>
+                        <a:t> }</a:t>
+                      </a:r>
+                      <a:endParaRPr lang="fr-FR" dirty="0"/>
+                    </a:p>
+                    <a:p>
+                      <a:endParaRPr lang="fr-FR" dirty="0"/>
+                    </a:p>
+                  </a:txBody>
+                  <a:tcPr/>
+                </a:tc>
+                <a:extLst>
+                  <a:ext uri="{0D108BD9-81ED-4DB2-BD59-A6C34878D82A}">
+                    <a16:rowId xmlns:a16="http://schemas.microsoft.com/office/drawing/2014/main" val="541943837"/>
+                  </a:ext>
+                </a:extLst>
+              </a:tr>
+            </a:tbl>
+          </a:graphicData>
+        </a:graphic>
+      </p:graphicFrame>
+    </p:spTree>
+    <p:extLst>
+      <p:ext uri="{BB962C8B-B14F-4D97-AF65-F5344CB8AC3E}">
+        <p14:creationId xmlns:p14="http://schemas.microsoft.com/office/powerpoint/2010/main" val="917885535"/>
+      </p:ext>
+    </p:extLst>
+  </p:cSld>
+  <p:clrMapOvr>
+    <a:masterClrMapping/>
+  </p:clrMapOvr>
+</p:sld>
+</file>
+
+<file path=ppt/slides/slide12.xml><?xml version="1.0" encoding="utf-8"?>
+<p:sld xmlns:a="http://schemas.openxmlformats.org/drawingml/2006/main" xmlns:r="http://schemas.openxmlformats.org/officeDocument/2006/relationships" xmlns:p="http://schemas.openxmlformats.org/presentationml/2006/main">
+  <p:cSld>
+    <p:spTree>
+      <p:nvGrpSpPr>
+        <p:cNvPr id="1" name=""/>
+        <p:cNvGrpSpPr/>
+        <p:nvPr/>
+      </p:nvGrpSpPr>
+      <p:grpSpPr>
+        <a:xfrm>
+          <a:off x="0" y="0"/>
+          <a:ext cx="0" cy="0"/>
+          <a:chOff x="0" y="0"/>
+          <a:chExt cx="0" cy="0"/>
+        </a:xfrm>
+      </p:grpSpPr>
+      <p:sp>
+        <p:nvSpPr>
+          <p:cNvPr id="2" name="Titre 1">
+            <a:extLst>
+              <a:ext uri="{FF2B5EF4-FFF2-40B4-BE49-F238E27FC236}">
                 <a16:creationId xmlns:a16="http://schemas.microsoft.com/office/drawing/2014/main" id="{8F6ADE5D-7923-40B3-A971-93992673BAE9}"/>
               </a:ext>
             </a:extLst>
@@ -4069,7 +6357,7 @@
 </p:sld>
 </file>
 
-<file path=ppt/slides/slide11.xml><?xml version="1.0" encoding="utf-8"?>
+<file path=ppt/slides/slide13.xml><?xml version="1.0" encoding="utf-8"?>
 <p:sld xmlns:a="http://schemas.openxmlformats.org/drawingml/2006/main" xmlns:r="http://schemas.openxmlformats.org/officeDocument/2006/relationships" xmlns:p="http://schemas.openxmlformats.org/presentationml/2006/main">
   <p:cSld>
     <p:spTree>

--- a/e1/doc/2020_csg1-cdc-E1-rev-1.pptx
+++ b/e1/doc/2020_csg1-cdc-E1-rev-1.pptx
@@ -283,7 +283,7 @@
           <a:p>
             <a:fld id="{265737A6-0C94-4BE9-B714-1239DEB59EEE}" type="datetimeFigureOut">
               <a:rPr lang="fr-FR" smtClean="0"/>
-              <a:t>05/04/2020</a:t>
+              <a:t>06/04/2020</a:t>
             </a:fld>
             <a:endParaRPr lang="fr-FR"/>
           </a:p>
@@ -481,7 +481,7 @@
           <a:p>
             <a:fld id="{265737A6-0C94-4BE9-B714-1239DEB59EEE}" type="datetimeFigureOut">
               <a:rPr lang="fr-FR" smtClean="0"/>
-              <a:t>05/04/2020</a:t>
+              <a:t>06/04/2020</a:t>
             </a:fld>
             <a:endParaRPr lang="fr-FR"/>
           </a:p>
@@ -689,7 +689,7 @@
           <a:p>
             <a:fld id="{265737A6-0C94-4BE9-B714-1239DEB59EEE}" type="datetimeFigureOut">
               <a:rPr lang="fr-FR" smtClean="0"/>
-              <a:t>05/04/2020</a:t>
+              <a:t>06/04/2020</a:t>
             </a:fld>
             <a:endParaRPr lang="fr-FR"/>
           </a:p>
@@ -887,7 +887,7 @@
           <a:p>
             <a:fld id="{265737A6-0C94-4BE9-B714-1239DEB59EEE}" type="datetimeFigureOut">
               <a:rPr lang="fr-FR" smtClean="0"/>
-              <a:t>05/04/2020</a:t>
+              <a:t>06/04/2020</a:t>
             </a:fld>
             <a:endParaRPr lang="fr-FR"/>
           </a:p>
@@ -1162,7 +1162,7 @@
           <a:p>
             <a:fld id="{265737A6-0C94-4BE9-B714-1239DEB59EEE}" type="datetimeFigureOut">
               <a:rPr lang="fr-FR" smtClean="0"/>
-              <a:t>05/04/2020</a:t>
+              <a:t>06/04/2020</a:t>
             </a:fld>
             <a:endParaRPr lang="fr-FR"/>
           </a:p>
@@ -1427,7 +1427,7 @@
           <a:p>
             <a:fld id="{265737A6-0C94-4BE9-B714-1239DEB59EEE}" type="datetimeFigureOut">
               <a:rPr lang="fr-FR" smtClean="0"/>
-              <a:t>05/04/2020</a:t>
+              <a:t>06/04/2020</a:t>
             </a:fld>
             <a:endParaRPr lang="fr-FR"/>
           </a:p>
@@ -1839,7 +1839,7 @@
           <a:p>
             <a:fld id="{265737A6-0C94-4BE9-B714-1239DEB59EEE}" type="datetimeFigureOut">
               <a:rPr lang="fr-FR" smtClean="0"/>
-              <a:t>05/04/2020</a:t>
+              <a:t>06/04/2020</a:t>
             </a:fld>
             <a:endParaRPr lang="fr-FR"/>
           </a:p>
@@ -1980,7 +1980,7 @@
           <a:p>
             <a:fld id="{265737A6-0C94-4BE9-B714-1239DEB59EEE}" type="datetimeFigureOut">
               <a:rPr lang="fr-FR" smtClean="0"/>
-              <a:t>05/04/2020</a:t>
+              <a:t>06/04/2020</a:t>
             </a:fld>
             <a:endParaRPr lang="fr-FR"/>
           </a:p>
@@ -2093,7 +2093,7 @@
           <a:p>
             <a:fld id="{265737A6-0C94-4BE9-B714-1239DEB59EEE}" type="datetimeFigureOut">
               <a:rPr lang="fr-FR" smtClean="0"/>
-              <a:t>05/04/2020</a:t>
+              <a:t>06/04/2020</a:t>
             </a:fld>
             <a:endParaRPr lang="fr-FR"/>
           </a:p>
@@ -2404,7 +2404,7 @@
           <a:p>
             <a:fld id="{265737A6-0C94-4BE9-B714-1239DEB59EEE}" type="datetimeFigureOut">
               <a:rPr lang="fr-FR" smtClean="0"/>
-              <a:t>05/04/2020</a:t>
+              <a:t>06/04/2020</a:t>
             </a:fld>
             <a:endParaRPr lang="fr-FR"/>
           </a:p>
@@ -2692,7 +2692,7 @@
           <a:p>
             <a:fld id="{265737A6-0C94-4BE9-B714-1239DEB59EEE}" type="datetimeFigureOut">
               <a:rPr lang="fr-FR" smtClean="0"/>
-              <a:t>05/04/2020</a:t>
+              <a:t>06/04/2020</a:t>
             </a:fld>
             <a:endParaRPr lang="fr-FR"/>
           </a:p>
@@ -2933,7 +2933,7 @@
           <a:p>
             <a:fld id="{265737A6-0C94-4BE9-B714-1239DEB59EEE}" type="datetimeFigureOut">
               <a:rPr lang="fr-FR" smtClean="0"/>
-              <a:t>05/04/2020</a:t>
+              <a:t>06/04/2020</a:t>
             </a:fld>
             <a:endParaRPr lang="fr-FR"/>
           </a:p>
@@ -5760,14 +5760,14 @@
             <p:ph idx="1"/>
             <p:extLst>
               <p:ext uri="{D42A27DB-BD31-4B8C-83A1-F6EECF244321}">
-                <p14:modId xmlns:p14="http://schemas.microsoft.com/office/powerpoint/2010/main" val="1969039910"/>
+                <p14:modId xmlns:p14="http://schemas.microsoft.com/office/powerpoint/2010/main" val="55334193"/>
               </p:ext>
             </p:extLst>
           </p:nvPr>
         </p:nvGraphicFramePr>
         <p:xfrm>
-          <a:off x="838200" y="1825624"/>
-          <a:ext cx="10515600" cy="3713522"/>
+          <a:off x="96982" y="1825624"/>
+          <a:ext cx="11776359" cy="3946493"/>
         </p:xfrm>
         <a:graphic>
           <a:graphicData uri="http://schemas.openxmlformats.org/drawingml/2006/table">
@@ -5776,50 +5776,57 @@
                 <a:tableStyleId>{5C22544A-7EE6-4342-B048-85BDC9FD1C3A}</a:tableStyleId>
               </a:tblPr>
               <a:tblGrid>
-                <a:gridCol w="1752600">
+                <a:gridCol w="1682337">
                   <a:extLst>
                     <a:ext uri="{9D8B030D-6E8A-4147-A177-3AD203B41FA5}">
                       <a16:colId xmlns:a16="http://schemas.microsoft.com/office/drawing/2014/main" val="2987394049"/>
                     </a:ext>
                   </a:extLst>
                 </a:gridCol>
-                <a:gridCol w="1752600">
+                <a:gridCol w="1682337">
                   <a:extLst>
                     <a:ext uri="{9D8B030D-6E8A-4147-A177-3AD203B41FA5}">
                       <a16:colId xmlns:a16="http://schemas.microsoft.com/office/drawing/2014/main" val="579665690"/>
                     </a:ext>
                   </a:extLst>
                 </a:gridCol>
-                <a:gridCol w="1752600">
+                <a:gridCol w="1682337">
                   <a:extLst>
                     <a:ext uri="{9D8B030D-6E8A-4147-A177-3AD203B41FA5}">
                       <a16:colId xmlns:a16="http://schemas.microsoft.com/office/drawing/2014/main" val="1519672420"/>
                     </a:ext>
                   </a:extLst>
                 </a:gridCol>
-                <a:gridCol w="1752600">
+                <a:gridCol w="1682337">
                   <a:extLst>
                     <a:ext uri="{9D8B030D-6E8A-4147-A177-3AD203B41FA5}">
                       <a16:colId xmlns:a16="http://schemas.microsoft.com/office/drawing/2014/main" val="3880626162"/>
                     </a:ext>
                   </a:extLst>
                 </a:gridCol>
-                <a:gridCol w="1752600">
+                <a:gridCol w="1682337">
                   <a:extLst>
                     <a:ext uri="{9D8B030D-6E8A-4147-A177-3AD203B41FA5}">
                       <a16:colId xmlns:a16="http://schemas.microsoft.com/office/drawing/2014/main" val="502459969"/>
                     </a:ext>
                   </a:extLst>
                 </a:gridCol>
-                <a:gridCol w="1752600">
+                <a:gridCol w="1682337">
                   <a:extLst>
                     <a:ext uri="{9D8B030D-6E8A-4147-A177-3AD203B41FA5}">
                       <a16:colId xmlns:a16="http://schemas.microsoft.com/office/drawing/2014/main" val="640750437"/>
                     </a:ext>
                   </a:extLst>
                 </a:gridCol>
+                <a:gridCol w="1682337">
+                  <a:extLst>
+                    <a:ext uri="{9D8B030D-6E8A-4147-A177-3AD203B41FA5}">
+                      <a16:colId xmlns:a16="http://schemas.microsoft.com/office/drawing/2014/main" val="2384599700"/>
+                    </a:ext>
+                  </a:extLst>
+                </a:gridCol>
               </a:tblGrid>
-              <a:tr h="604562">
+              <a:tr h="563213">
                 <a:tc>
                   <a:txBody>
                     <a:bodyPr/>
@@ -5899,6 +5906,20 @@
                       <a:r>
                         <a:rPr lang="fr-FR" sz="2400" dirty="0"/>
                         <a:t>30/03/2020</a:t>
+                      </a:r>
+                    </a:p>
+                  </a:txBody>
+                  <a:tcPr/>
+                </a:tc>
+                <a:tc>
+                  <a:txBody>
+                    <a:bodyPr/>
+                    <a:lstStyle/>
+                    <a:p>
+                      <a:pPr algn="ctr"/>
+                      <a:r>
+                        <a:rPr lang="fr-FR" sz="2400" dirty="0"/>
+                        <a:t>6/04/2020</a:t>
                       </a:r>
                     </a:p>
                   </a:txBody>
@@ -5910,7 +5931,7 @@
                   </a:ext>
                 </a:extLst>
               </a:tr>
-              <a:tr h="604562">
+              <a:tr h="3180690">
                 <a:tc>
                   <a:txBody>
                     <a:bodyPr/>
@@ -6201,29 +6222,6 @@
                       </a:r>
                     </a:p>
                     <a:p>
-                      <a:endParaRPr lang="fr-FR" dirty="0"/>
-                    </a:p>
-                  </a:txBody>
-                  <a:tcPr/>
-                </a:tc>
-                <a:tc>
-                  <a:txBody>
-                    <a:bodyPr/>
-                    <a:lstStyle/>
-                    <a:p>
-                      <a:r>
-                        <a:rPr lang="fr-FR" sz="1800" b="0" i="0" u="none" strike="noStrike" kern="1200" baseline="0" dirty="0">
-                          <a:solidFill>
-                            <a:schemeClr val="dk1"/>
-                          </a:solidFill>
-                          <a:latin typeface="Times New Roman" panose="02020603050405020304" pitchFamily="18" charset="0"/>
-                          <a:ea typeface="+mn-ea"/>
-                          <a:cs typeface="Times New Roman" panose="02020603050405020304" pitchFamily="18" charset="0"/>
-                        </a:rPr>
-                        <a:t>Installation/apprentissage de git.</a:t>
-                      </a:r>
-                    </a:p>
-                    <a:p>
                       <a:pPr marL="0" marR="0" lvl="0" indent="0" algn="l" defTabSz="914400" rtl="0" eaLnBrk="1" fontAlgn="auto" latinLnBrk="0" hangingPunct="1">
                         <a:lnSpc>
                           <a:spcPct val="100000"/>
@@ -6250,7 +6248,7 @@
                           <a:ea typeface="+mn-ea"/>
                           <a:cs typeface="Times New Roman" panose="02020603050405020304" pitchFamily="18" charset="0"/>
                         </a:rPr>
-                        <a:t>compréhensions de </a:t>
+                        <a:t>Test de code </a:t>
                       </a:r>
                       <a:r>
                         <a:rPr lang="fr-FR" sz="1800" b="0" i="0" u="none" strike="noStrike" kern="1200" baseline="0" dirty="0" err="1">
@@ -6261,7 +6259,29 @@
                           <a:ea typeface="+mn-ea"/>
                           <a:cs typeface="Times New Roman" panose="02020603050405020304" pitchFamily="18" charset="0"/>
                         </a:rPr>
-                        <a:t>doxygen</a:t>
+                        <a:t>ir</a:t>
+                      </a:r>
+                      <a:r>
+                        <a:rPr lang="fr-FR" sz="1800" b="0" i="0" u="none" strike="noStrike" kern="1200" baseline="0" dirty="0">
+                          <a:solidFill>
+                            <a:schemeClr val="dk1"/>
+                          </a:solidFill>
+                          <a:latin typeface="Times New Roman" panose="02020603050405020304" pitchFamily="18" charset="0"/>
+                          <a:ea typeface="+mn-ea"/>
+                          <a:cs typeface="Times New Roman" panose="02020603050405020304" pitchFamily="18" charset="0"/>
+                        </a:rPr>
+                        <a:t> </a:t>
+                      </a:r>
+                      <a:r>
+                        <a:rPr lang="fr-FR" sz="1800" b="0" i="0" u="none" strike="noStrike" kern="1200" baseline="0" dirty="0" err="1">
+                          <a:solidFill>
+                            <a:schemeClr val="dk1"/>
+                          </a:solidFill>
+                          <a:latin typeface="Times New Roman" panose="02020603050405020304" pitchFamily="18" charset="0"/>
+                          <a:ea typeface="+mn-ea"/>
+                          <a:cs typeface="Times New Roman" panose="02020603050405020304" pitchFamily="18" charset="0"/>
+                        </a:rPr>
+                        <a:t>remote</a:t>
                       </a:r>
                       <a:endParaRPr lang="fr-FR" sz="1800" b="0" i="0" u="none" strike="noStrike" kern="1200" baseline="0" dirty="0">
                         <a:solidFill>
@@ -6272,16 +6292,6 @@
                         <a:cs typeface="Times New Roman" panose="02020603050405020304" pitchFamily="18" charset="0"/>
                       </a:endParaRPr>
                     </a:p>
-                    <a:p>
-                      <a:endParaRPr lang="fr-FR" dirty="0"/>
-                    </a:p>
-                  </a:txBody>
-                  <a:tcPr/>
-                </a:tc>
-                <a:tc>
-                  <a:txBody>
-                    <a:bodyPr/>
-                    <a:lstStyle/>
                     <a:p>
                       <a:pPr marL="0" marR="0" lvl="0" indent="0" algn="l" defTabSz="914400" rtl="0" eaLnBrk="1" fontAlgn="auto" latinLnBrk="0" hangingPunct="1">
                         <a:lnSpc>
@@ -6309,8 +6319,49 @@
                           <a:ea typeface="+mn-ea"/>
                           <a:cs typeface="Times New Roman" panose="02020603050405020304" pitchFamily="18" charset="0"/>
                         </a:rPr>
-                        <a:t>Utilisation de Discord.</a:t>
-                      </a:r>
+                        <a:t>Et </a:t>
+                      </a:r>
+                      <a:r>
+                        <a:rPr lang="fr-FR" sz="1800" b="0" i="0" u="none" strike="noStrike" kern="1200" baseline="0" dirty="0" err="1">
+                          <a:solidFill>
+                            <a:schemeClr val="dk1"/>
+                          </a:solidFill>
+                          <a:latin typeface="Times New Roman" panose="02020603050405020304" pitchFamily="18" charset="0"/>
+                          <a:ea typeface="+mn-ea"/>
+                          <a:cs typeface="Times New Roman" panose="02020603050405020304" pitchFamily="18" charset="0"/>
+                        </a:rPr>
+                        <a:t>appercue</a:t>
+                      </a:r>
+                      <a:r>
+                        <a:rPr lang="fr-FR" sz="1800" b="0" i="0" u="none" strike="noStrike" kern="1200" baseline="0" dirty="0">
+                          <a:solidFill>
+                            <a:schemeClr val="dk1"/>
+                          </a:solidFill>
+                          <a:latin typeface="Times New Roman" panose="02020603050405020304" pitchFamily="18" charset="0"/>
+                          <a:ea typeface="+mn-ea"/>
+                          <a:cs typeface="Times New Roman" panose="02020603050405020304" pitchFamily="18" charset="0"/>
+                        </a:rPr>
+                        <a:t> du code </a:t>
+                      </a:r>
+                      <a:r>
+                        <a:rPr lang="fr-FR" sz="1800" b="0" i="0" u="none" strike="noStrike" kern="1200" baseline="0" dirty="0" err="1">
+                          <a:solidFill>
+                            <a:schemeClr val="dk1"/>
+                          </a:solidFill>
+                          <a:latin typeface="Times New Roman" panose="02020603050405020304" pitchFamily="18" charset="0"/>
+                          <a:ea typeface="+mn-ea"/>
+                          <a:cs typeface="Times New Roman" panose="02020603050405020304" pitchFamily="18" charset="0"/>
+                        </a:rPr>
+                        <a:t>ir_send</a:t>
+                      </a:r>
+                      <a:endParaRPr lang="fr-FR" sz="1800" b="0" i="0" u="none" strike="noStrike" kern="1200" baseline="0" dirty="0">
+                        <a:solidFill>
+                          <a:schemeClr val="dk1"/>
+                        </a:solidFill>
+                        <a:latin typeface="Times New Roman" panose="02020603050405020304" pitchFamily="18" charset="0"/>
+                        <a:ea typeface="+mn-ea"/>
+                        <a:cs typeface="Times New Roman" panose="02020603050405020304" pitchFamily="18" charset="0"/>
+                      </a:endParaRPr>
                     </a:p>
                     <a:p>
                       <a:endParaRPr lang="fr-FR" dirty="0"/>
@@ -6324,12 +6375,259 @@
                     <a:lstStyle/>
                     <a:p>
                       <a:r>
+                        <a:rPr lang="fr-FR" sz="1800" b="0" i="0" u="none" strike="noStrike" kern="1200" baseline="0" dirty="0">
+                          <a:solidFill>
+                            <a:schemeClr val="dk1"/>
+                          </a:solidFill>
+                          <a:latin typeface="Times New Roman" panose="02020603050405020304" pitchFamily="18" charset="0"/>
+                          <a:ea typeface="+mn-ea"/>
+                          <a:cs typeface="Times New Roman" panose="02020603050405020304" pitchFamily="18" charset="0"/>
+                        </a:rPr>
+                        <a:t>Installation/apprentissage de git.</a:t>
+                      </a:r>
+                    </a:p>
+                    <a:p>
+                      <a:pPr marL="0" marR="0" lvl="0" indent="0" algn="l" defTabSz="914400" rtl="0" eaLnBrk="1" fontAlgn="auto" latinLnBrk="0" hangingPunct="1">
+                        <a:lnSpc>
+                          <a:spcPct val="100000"/>
+                        </a:lnSpc>
+                        <a:spcBef>
+                          <a:spcPts val="0"/>
+                        </a:spcBef>
+                        <a:spcAft>
+                          <a:spcPts val="0"/>
+                        </a:spcAft>
+                        <a:buClrTx/>
+                        <a:buSzTx/>
+                        <a:buFontTx/>
+                        <a:buNone/>
+                        <a:tabLst/>
+                        <a:defRPr/>
+                      </a:pPr>
+                      <a:r>
+                        <a:rPr lang="fr-FR" sz="1800" b="0" i="0" u="none" strike="noStrike" kern="1200" baseline="0" dirty="0">
+                          <a:solidFill>
+                            <a:schemeClr val="dk1"/>
+                          </a:solidFill>
+                          <a:latin typeface="Times New Roman" panose="02020603050405020304" pitchFamily="18" charset="0"/>
+                          <a:ea typeface="+mn-ea"/>
+                          <a:cs typeface="Times New Roman" panose="02020603050405020304" pitchFamily="18" charset="0"/>
+                        </a:rPr>
+                        <a:t>compréhensions de </a:t>
+                      </a:r>
+                      <a:r>
+                        <a:rPr lang="fr-FR" sz="1800" b="0" i="0" u="none" strike="noStrike" kern="1200" baseline="0" dirty="0" err="1">
+                          <a:solidFill>
+                            <a:schemeClr val="dk1"/>
+                          </a:solidFill>
+                          <a:latin typeface="Times New Roman" panose="02020603050405020304" pitchFamily="18" charset="0"/>
+                          <a:ea typeface="+mn-ea"/>
+                          <a:cs typeface="Times New Roman" panose="02020603050405020304" pitchFamily="18" charset="0"/>
+                        </a:rPr>
+                        <a:t>doxygen</a:t>
+                      </a:r>
+                      <a:r>
+                        <a:rPr lang="fr-FR" sz="1800" b="0" i="0" u="none" strike="noStrike" kern="1200" baseline="0" dirty="0">
+                          <a:solidFill>
+                            <a:schemeClr val="dk1"/>
+                          </a:solidFill>
+                          <a:latin typeface="Times New Roman" panose="02020603050405020304" pitchFamily="18" charset="0"/>
+                          <a:ea typeface="+mn-ea"/>
+                          <a:cs typeface="Times New Roman" panose="02020603050405020304" pitchFamily="18" charset="0"/>
+                        </a:rPr>
+                        <a:t>.</a:t>
+                      </a:r>
+                    </a:p>
+                    <a:p>
+                      <a:pPr marL="0" marR="0" lvl="0" indent="0" algn="l" defTabSz="914400" rtl="0" eaLnBrk="1" fontAlgn="auto" latinLnBrk="0" hangingPunct="1">
+                        <a:lnSpc>
+                          <a:spcPct val="100000"/>
+                        </a:lnSpc>
+                        <a:spcBef>
+                          <a:spcPts val="0"/>
+                        </a:spcBef>
+                        <a:spcAft>
+                          <a:spcPts val="0"/>
+                        </a:spcAft>
+                        <a:buClrTx/>
+                        <a:buSzTx/>
+                        <a:buFontTx/>
+                        <a:buNone/>
+                        <a:tabLst/>
+                        <a:defRPr/>
+                      </a:pPr>
+                      <a:r>
+                        <a:rPr lang="fr-FR" sz="1800" b="0" i="0" u="none" strike="noStrike" kern="1200" baseline="0" dirty="0">
+                          <a:solidFill>
+                            <a:schemeClr val="dk1"/>
+                          </a:solidFill>
+                          <a:latin typeface="Times New Roman" panose="02020603050405020304" pitchFamily="18" charset="0"/>
+                          <a:ea typeface="+mn-ea"/>
+                          <a:cs typeface="Times New Roman" panose="02020603050405020304" pitchFamily="18" charset="0"/>
+                        </a:rPr>
+                        <a:t>Apprentissage des commandes IR .</a:t>
+                      </a:r>
+                    </a:p>
+                    <a:p>
+                      <a:endParaRPr lang="fr-FR" dirty="0"/>
+                    </a:p>
+                  </a:txBody>
+                  <a:tcPr/>
+                </a:tc>
+                <a:tc>
+                  <a:txBody>
+                    <a:bodyPr/>
+                    <a:lstStyle/>
+                    <a:p>
+                      <a:pPr marL="0" marR="0" lvl="0" indent="0" algn="l" defTabSz="914400" rtl="0" eaLnBrk="1" fontAlgn="auto" latinLnBrk="0" hangingPunct="1">
+                        <a:lnSpc>
+                          <a:spcPct val="100000"/>
+                        </a:lnSpc>
+                        <a:spcBef>
+                          <a:spcPts val="0"/>
+                        </a:spcBef>
+                        <a:spcAft>
+                          <a:spcPts val="0"/>
+                        </a:spcAft>
+                        <a:buClrTx/>
+                        <a:buSzTx/>
+                        <a:buFontTx/>
+                        <a:buNone/>
+                        <a:tabLst/>
+                        <a:defRPr/>
+                      </a:pPr>
+                      <a:r>
+                        <a:rPr lang="fr-FR" sz="1800" b="0" i="0" u="none" strike="noStrike" kern="1200" baseline="0" dirty="0">
+                          <a:solidFill>
+                            <a:schemeClr val="dk1"/>
+                          </a:solidFill>
+                          <a:latin typeface="Times New Roman" panose="02020603050405020304" pitchFamily="18" charset="0"/>
+                          <a:ea typeface="+mn-ea"/>
+                          <a:cs typeface="Times New Roman" panose="02020603050405020304" pitchFamily="18" charset="0"/>
+                        </a:rPr>
+                        <a:t>Utilisation de Discord.</a:t>
+                      </a:r>
+                    </a:p>
+                    <a:p>
+                      <a:pPr marL="0" marR="0" lvl="0" indent="0" algn="l" defTabSz="914400" rtl="0" eaLnBrk="1" fontAlgn="auto" latinLnBrk="0" hangingPunct="1">
+                        <a:lnSpc>
+                          <a:spcPct val="100000"/>
+                        </a:lnSpc>
+                        <a:spcBef>
+                          <a:spcPts val="0"/>
+                        </a:spcBef>
+                        <a:spcAft>
+                          <a:spcPts val="0"/>
+                        </a:spcAft>
+                        <a:buClrTx/>
+                        <a:buSzTx/>
+                        <a:buFontTx/>
+                        <a:buNone/>
+                        <a:tabLst/>
+                        <a:defRPr/>
+                      </a:pPr>
+                      <a:endParaRPr lang="fr-FR" sz="1800" b="0" i="0" u="none" strike="noStrike" kern="1200" baseline="0" dirty="0">
+                        <a:solidFill>
+                          <a:schemeClr val="dk1"/>
+                        </a:solidFill>
+                        <a:latin typeface="Times New Roman" panose="02020603050405020304" pitchFamily="18" charset="0"/>
+                        <a:ea typeface="+mn-ea"/>
+                        <a:cs typeface="Times New Roman" panose="02020603050405020304" pitchFamily="18" charset="0"/>
+                      </a:endParaRPr>
+                    </a:p>
+                    <a:p>
+                      <a:endParaRPr lang="fr-FR" dirty="0"/>
+                    </a:p>
+                  </a:txBody>
+                  <a:tcPr/>
+                </a:tc>
+                <a:tc>
+                  <a:txBody>
+                    <a:bodyPr/>
+                    <a:lstStyle/>
+                    <a:p>
+                      <a:r>
                         <a:rPr lang="fr-FR" dirty="0">
                           <a:latin typeface="Times New Roman" panose="02020603050405020304" pitchFamily="18" charset="0"/>
                           <a:cs typeface="Times New Roman" panose="02020603050405020304" pitchFamily="18" charset="0"/>
                         </a:rPr>
                         <a:t>Première revue de projet.</a:t>
                       </a:r>
+                    </a:p>
+                  </a:txBody>
+                  <a:tcPr/>
+                </a:tc>
+                <a:tc>
+                  <a:txBody>
+                    <a:bodyPr/>
+                    <a:lstStyle/>
+                    <a:p>
+                      <a:r>
+                        <a:rPr lang="fr-FR" dirty="0">
+                          <a:latin typeface="Times New Roman" panose="02020603050405020304" pitchFamily="18" charset="0"/>
+                          <a:cs typeface="Times New Roman" panose="02020603050405020304" pitchFamily="18" charset="0"/>
+                        </a:rPr>
+                        <a:t>Avancement du cahier de recette,</a:t>
+                      </a:r>
+                    </a:p>
+                    <a:p>
+                      <a:r>
+                        <a:rPr lang="fr-FR" dirty="0" err="1">
+                          <a:latin typeface="Times New Roman" panose="02020603050405020304" pitchFamily="18" charset="0"/>
+                          <a:cs typeface="Times New Roman" panose="02020603050405020304" pitchFamily="18" charset="0"/>
+                        </a:rPr>
+                        <a:t>powerpoint,et</a:t>
+                      </a:r>
+                      <a:r>
+                        <a:rPr lang="fr-FR" dirty="0">
+                          <a:latin typeface="Times New Roman" panose="02020603050405020304" pitchFamily="18" charset="0"/>
+                          <a:cs typeface="Times New Roman" panose="02020603050405020304" pitchFamily="18" charset="0"/>
+                        </a:rPr>
+                        <a:t> du </a:t>
+                      </a:r>
+                      <a:r>
+                        <a:rPr lang="fr-FR" dirty="0" err="1">
+                          <a:latin typeface="Times New Roman" panose="02020603050405020304" pitchFamily="18" charset="0"/>
+                          <a:cs typeface="Times New Roman" panose="02020603050405020304" pitchFamily="18" charset="0"/>
+                        </a:rPr>
+                        <a:t>mindview</a:t>
+                      </a:r>
+                      <a:r>
+                        <a:rPr lang="fr-FR" dirty="0">
+                          <a:latin typeface="Times New Roman" panose="02020603050405020304" pitchFamily="18" charset="0"/>
+                          <a:cs typeface="Times New Roman" panose="02020603050405020304" pitchFamily="18" charset="0"/>
+                        </a:rPr>
+                        <a:t>.</a:t>
+                      </a:r>
+                    </a:p>
+                    <a:p>
+                      <a:r>
+                        <a:rPr lang="fr-FR" dirty="0">
+                          <a:latin typeface="Times New Roman" panose="02020603050405020304" pitchFamily="18" charset="0"/>
+                          <a:cs typeface="Times New Roman" panose="02020603050405020304" pitchFamily="18" charset="0"/>
+                        </a:rPr>
+                        <a:t>Commencement de </a:t>
+                      </a:r>
+                      <a:r>
+                        <a:rPr lang="fr-FR" dirty="0" err="1">
+                          <a:latin typeface="Times New Roman" panose="02020603050405020304" pitchFamily="18" charset="0"/>
+                          <a:cs typeface="Times New Roman" panose="02020603050405020304" pitchFamily="18" charset="0"/>
+                        </a:rPr>
+                        <a:t>l’ihm</a:t>
+                      </a:r>
+                      <a:r>
+                        <a:rPr lang="fr-FR" dirty="0">
+                          <a:latin typeface="Times New Roman" panose="02020603050405020304" pitchFamily="18" charset="0"/>
+                          <a:cs typeface="Times New Roman" panose="02020603050405020304" pitchFamily="18" charset="0"/>
+                        </a:rPr>
+                        <a:t> autonome</a:t>
+                      </a:r>
+                    </a:p>
+                    <a:p>
+                      <a:endParaRPr lang="fr-FR" dirty="0">
+                        <a:latin typeface="Times New Roman" panose="02020603050405020304" pitchFamily="18" charset="0"/>
+                        <a:cs typeface="Times New Roman" panose="02020603050405020304" pitchFamily="18" charset="0"/>
+                      </a:endParaRPr>
                     </a:p>
                   </a:txBody>
                   <a:tcPr/>
